--- a/Documents/Workshop-Day1_MicrosoftGraphAPI.pptx
+++ b/Documents/Workshop-Day1_MicrosoftGraphAPI.pptx
@@ -5,28 +5,38 @@
     <p:sldMasterId id="2147483660" r:id="rId1"/>
   </p:sldMasterIdLst>
   <p:notesMasterIdLst>
-    <p:notesMasterId r:id="rId21"/>
+    <p:notesMasterId r:id="rId31"/>
   </p:notesMasterIdLst>
   <p:sldIdLst>
     <p:sldId id="256" r:id="rId2"/>
     <p:sldId id="265" r:id="rId3"/>
     <p:sldId id="266" r:id="rId4"/>
     <p:sldId id="272" r:id="rId5"/>
-    <p:sldId id="270" r:id="rId6"/>
-    <p:sldId id="273" r:id="rId7"/>
-    <p:sldId id="277" r:id="rId8"/>
-    <p:sldId id="276" r:id="rId9"/>
-    <p:sldId id="267" r:id="rId10"/>
-    <p:sldId id="271" r:id="rId11"/>
-    <p:sldId id="274" r:id="rId12"/>
-    <p:sldId id="275" r:id="rId13"/>
-    <p:sldId id="268" r:id="rId14"/>
-    <p:sldId id="257" r:id="rId15"/>
-    <p:sldId id="278" r:id="rId16"/>
-    <p:sldId id="261" r:id="rId17"/>
-    <p:sldId id="262" r:id="rId18"/>
-    <p:sldId id="263" r:id="rId19"/>
-    <p:sldId id="264" r:id="rId20"/>
+    <p:sldId id="279" r:id="rId6"/>
+    <p:sldId id="281" r:id="rId7"/>
+    <p:sldId id="282" r:id="rId8"/>
+    <p:sldId id="283" r:id="rId9"/>
+    <p:sldId id="284" r:id="rId10"/>
+    <p:sldId id="280" r:id="rId11"/>
+    <p:sldId id="270" r:id="rId12"/>
+    <p:sldId id="273" r:id="rId13"/>
+    <p:sldId id="285" r:id="rId14"/>
+    <p:sldId id="286" r:id="rId15"/>
+    <p:sldId id="288" r:id="rId16"/>
+    <p:sldId id="287" r:id="rId17"/>
+    <p:sldId id="277" r:id="rId18"/>
+    <p:sldId id="276" r:id="rId19"/>
+    <p:sldId id="267" r:id="rId20"/>
+    <p:sldId id="271" r:id="rId21"/>
+    <p:sldId id="274" r:id="rId22"/>
+    <p:sldId id="275" r:id="rId23"/>
+    <p:sldId id="268" r:id="rId24"/>
+    <p:sldId id="257" r:id="rId25"/>
+    <p:sldId id="278" r:id="rId26"/>
+    <p:sldId id="261" r:id="rId27"/>
+    <p:sldId id="262" r:id="rId28"/>
+    <p:sldId id="263" r:id="rId29"/>
+    <p:sldId id="264" r:id="rId30"/>
   </p:sldIdLst>
   <p:sldSz cx="12192000" cy="6858000"/>
   <p:notesSz cx="6858000" cy="9144000"/>
@@ -215,7 +225,7 @@
           <a:p>
             <a:fld id="{35A8BE04-345A-4AD9-8986-94B5446CB875}" type="datetimeFigureOut">
               <a:rPr lang="zh-TW" altLang="en-US" smtClean="0"/>
-              <a:t>2016/9/18</a:t>
+              <a:t>2016/9/19</a:t>
             </a:fld>
             <a:endParaRPr lang="zh-TW" altLang="en-US"/>
           </a:p>
@@ -668,7 +678,7 @@
           <a:p>
             <a:fld id="{7E97D6BD-2F07-42C2-A2D4-6D8D9A189484}" type="datetime1">
               <a:rPr lang="zh-TW" altLang="en-US" smtClean="0"/>
-              <a:t>2016/9/18</a:t>
+              <a:t>2016/9/19</a:t>
             </a:fld>
             <a:endParaRPr lang="zh-TW" altLang="en-US"/>
           </a:p>
@@ -943,7 +953,7 @@
           <a:p>
             <a:fld id="{C5D17BAA-8F58-4034-8E29-ECBCF84008CB}" type="datetime1">
               <a:rPr lang="zh-TW" altLang="en-US" smtClean="0"/>
-              <a:t>2016/9/18</a:t>
+              <a:t>2016/9/19</a:t>
             </a:fld>
             <a:endParaRPr lang="zh-TW" altLang="en-US"/>
           </a:p>
@@ -1137,7 +1147,7 @@
           <a:p>
             <a:fld id="{34396D87-A29D-4900-A8F6-D983CD3E2A26}" type="datetime1">
               <a:rPr lang="zh-TW" altLang="en-US" smtClean="0"/>
-              <a:t>2016/9/18</a:t>
+              <a:t>2016/9/19</a:t>
             </a:fld>
             <a:endParaRPr lang="zh-TW" altLang="en-US"/>
           </a:p>
@@ -1410,7 +1420,7 @@
           <a:p>
             <a:fld id="{F11D7A34-9296-4803-8753-32DD0EF57342}" type="datetime1">
               <a:rPr lang="zh-TW" altLang="en-US" smtClean="0"/>
-              <a:t>2016/9/18</a:t>
+              <a:t>2016/9/19</a:t>
             </a:fld>
             <a:endParaRPr lang="zh-TW" altLang="en-US"/>
           </a:p>
@@ -1751,7 +1761,7 @@
           <a:p>
             <a:fld id="{E7C8CA49-3AB5-4922-8F7C-383DD99F7AE7}" type="datetime1">
               <a:rPr lang="zh-TW" altLang="en-US" smtClean="0"/>
-              <a:t>2016/9/18</a:t>
+              <a:t>2016/9/19</a:t>
             </a:fld>
             <a:endParaRPr lang="zh-TW" altLang="en-US"/>
           </a:p>
@@ -2374,7 +2384,7 @@
           <a:p>
             <a:fld id="{C9589C0C-59C4-4A15-98AE-D8405947541F}" type="datetime1">
               <a:rPr lang="zh-TW" altLang="en-US" smtClean="0"/>
-              <a:t>2016/9/18</a:t>
+              <a:t>2016/9/19</a:t>
             </a:fld>
             <a:endParaRPr lang="zh-TW" altLang="en-US"/>
           </a:p>
@@ -3234,7 +3244,7 @@
           <a:p>
             <a:fld id="{1BE3739C-2F79-4FC5-9ADC-28BAE113F759}" type="datetime1">
               <a:rPr lang="zh-TW" altLang="en-US" smtClean="0"/>
-              <a:t>2016/9/18</a:t>
+              <a:t>2016/9/19</a:t>
             </a:fld>
             <a:endParaRPr lang="zh-TW" altLang="en-US"/>
           </a:p>
@@ -3404,7 +3414,7 @@
           <a:p>
             <a:fld id="{91730079-48FE-4920-A672-5922D6C9F8DC}" type="datetime1">
               <a:rPr lang="zh-TW" altLang="en-US" smtClean="0"/>
-              <a:t>2016/9/18</a:t>
+              <a:t>2016/9/19</a:t>
             </a:fld>
             <a:endParaRPr lang="zh-TW" altLang="en-US"/>
           </a:p>
@@ -3584,7 +3594,7 @@
           <a:p>
             <a:fld id="{A3AB616A-B690-4310-9DA2-4884DD0EB5DC}" type="datetime1">
               <a:rPr lang="zh-TW" altLang="en-US" smtClean="0"/>
-              <a:t>2016/9/18</a:t>
+              <a:t>2016/9/19</a:t>
             </a:fld>
             <a:endParaRPr lang="zh-TW" altLang="en-US"/>
           </a:p>
@@ -3754,7 +3764,7 @@
           <a:p>
             <a:fld id="{904F983A-1F1E-45EA-8401-60A5C2EE6082}" type="datetime1">
               <a:rPr lang="zh-TW" altLang="en-US" smtClean="0"/>
-              <a:t>2016/9/18</a:t>
+              <a:t>2016/9/19</a:t>
             </a:fld>
             <a:endParaRPr lang="zh-TW" altLang="en-US"/>
           </a:p>
@@ -4001,7 +4011,7 @@
           <a:p>
             <a:fld id="{57B41EEB-A554-478A-8EC2-90C18F37AFEF}" type="datetime1">
               <a:rPr lang="zh-TW" altLang="en-US" smtClean="0"/>
-              <a:t>2016/9/18</a:t>
+              <a:t>2016/9/19</a:t>
             </a:fld>
             <a:endParaRPr lang="zh-TW" altLang="en-US"/>
           </a:p>
@@ -4293,7 +4303,7 @@
           <a:p>
             <a:fld id="{2E80C28F-6114-46CD-A3D3-0B0718E5722C}" type="datetime1">
               <a:rPr lang="zh-TW" altLang="en-US" smtClean="0"/>
-              <a:t>2016/9/18</a:t>
+              <a:t>2016/9/19</a:t>
             </a:fld>
             <a:endParaRPr lang="zh-TW" altLang="en-US"/>
           </a:p>
@@ -4737,7 +4747,7 @@
           <a:p>
             <a:fld id="{8930DD15-7476-483F-B53E-B6D5F494F630}" type="datetime1">
               <a:rPr lang="zh-TW" altLang="en-US" smtClean="0"/>
-              <a:t>2016/9/18</a:t>
+              <a:t>2016/9/19</a:t>
             </a:fld>
             <a:endParaRPr lang="zh-TW" altLang="en-US"/>
           </a:p>
@@ -4855,7 +4865,7 @@
           <a:p>
             <a:fld id="{85849854-2C2E-4200-85DA-0B9AEE098CC1}" type="datetime1">
               <a:rPr lang="zh-TW" altLang="en-US" smtClean="0"/>
-              <a:t>2016/9/18</a:t>
+              <a:t>2016/9/19</a:t>
             </a:fld>
             <a:endParaRPr lang="zh-TW" altLang="en-US"/>
           </a:p>
@@ -4950,7 +4960,7 @@
           <a:p>
             <a:fld id="{DF5FFF74-C872-4237-94B0-9AB64320E188}" type="datetime1">
               <a:rPr lang="zh-TW" altLang="en-US" smtClean="0"/>
-              <a:t>2016/9/18</a:t>
+              <a:t>2016/9/19</a:t>
             </a:fld>
             <a:endParaRPr lang="zh-TW" altLang="en-US"/>
           </a:p>
@@ -5229,7 +5239,7 @@
           <a:p>
             <a:fld id="{6F3334A4-7E4A-4804-AC1F-4759D5B7019F}" type="datetime1">
               <a:rPr lang="zh-TW" altLang="en-US" smtClean="0"/>
-              <a:t>2016/9/18</a:t>
+              <a:t>2016/9/19</a:t>
             </a:fld>
             <a:endParaRPr lang="zh-TW" altLang="en-US"/>
           </a:p>
@@ -5504,7 +5514,7 @@
           <a:p>
             <a:fld id="{4385464B-8495-4AEA-A164-832F070BFD59}" type="datetime1">
               <a:rPr lang="zh-TW" altLang="en-US" smtClean="0"/>
-              <a:t>2016/9/18</a:t>
+              <a:t>2016/9/19</a:t>
             </a:fld>
             <a:endParaRPr lang="zh-TW" altLang="en-US"/>
           </a:p>
@@ -5933,7 +5943,7 @@
           <a:p>
             <a:fld id="{BB0A19F6-665C-46D7-8A3F-A882E315E3F8}" type="datetime1">
               <a:rPr lang="zh-TW" altLang="en-US" smtClean="0"/>
-              <a:t>2016/9/18</a:t>
+              <a:t>2016/9/19</a:t>
             </a:fld>
             <a:endParaRPr lang="zh-TW" altLang="en-US"/>
           </a:p>
@@ -6646,19 +6656,14 @@
             <p:ph type="title"/>
           </p:nvPr>
         </p:nvSpPr>
-        <p:spPr>
-          <a:xfrm>
-            <a:off x="646111" y="452718"/>
-            <a:ext cx="9404723" cy="1400530"/>
-          </a:xfrm>
-        </p:spPr>
+        <p:spPr/>
         <p:txBody>
           <a:bodyPr/>
           <a:lstStyle/>
           <a:p>
             <a:r>
               <a:rPr lang="en-US" altLang="zh-TW" dirty="0"/>
-              <a:t>Example</a:t>
+              <a:t>Graph API - User</a:t>
             </a:r>
             <a:endParaRPr lang="zh-TW" altLang="en-US" dirty="0"/>
           </a:p>
@@ -6674,39 +6679,24 @@
             <p:ph idx="1"/>
           </p:nvPr>
         </p:nvSpPr>
-        <p:spPr>
-          <a:xfrm>
-            <a:off x="1103312" y="2052918"/>
-            <a:ext cx="8946541" cy="4195481"/>
-          </a:xfrm>
-        </p:spPr>
+        <p:spPr/>
         <p:txBody>
           <a:bodyPr/>
           <a:lstStyle/>
           <a:p>
             <a:r>
               <a:rPr lang="en-US" altLang="zh-TW" dirty="0"/>
-              <a:t>Get my contacts data</a:t>
-            </a:r>
-          </a:p>
-          <a:p>
-            <a:pPr lvl="1"/>
+              <a:t>Represents an Azure AD user account. Inherits from </a:t>
+            </a:r>
+            <a:r>
+              <a:rPr lang="en-US" altLang="zh-TW" dirty="0" err="1">
+                <a:hlinkClick r:id="rId2"/>
+              </a:rPr>
+              <a:t>directoryObject</a:t>
+            </a:r>
             <a:r>
               <a:rPr lang="en-US" altLang="zh-TW" dirty="0"/>
-              <a:t>https://graph.microsoft.com/v1.0/me/contacts</a:t>
-            </a:r>
-          </a:p>
-          <a:p>
-            <a:r>
-              <a:rPr lang="en-US" altLang="zh-TW" dirty="0"/>
-              <a:t>Get calendar events list</a:t>
-            </a:r>
-          </a:p>
-          <a:p>
-            <a:pPr lvl="1"/>
-            <a:r>
-              <a:rPr lang="en-US" altLang="zh-TW" dirty="0"/>
-              <a:t>https://graph.microsoft.com/v1.0/me/events</a:t>
+              <a:t>.</a:t>
             </a:r>
             <a:endParaRPr lang="zh-TW" altLang="en-US" dirty="0"/>
           </a:p>
@@ -6738,7 +6728,7 @@
     </p:spTree>
     <p:extLst>
       <p:ext uri="{BB962C8B-B14F-4D97-AF65-F5344CB8AC3E}">
-        <p14:creationId xmlns:p14="http://schemas.microsoft.com/office/powerpoint/2010/main" val="2689382856"/>
+        <p14:creationId xmlns:p14="http://schemas.microsoft.com/office/powerpoint/2010/main" val="2591937896"/>
       </p:ext>
     </p:extLst>
   </p:cSld>
@@ -6767,340 +6757,61 @@
       </p:grpSpPr>
       <p:sp>
         <p:nvSpPr>
-          <p:cNvPr id="2" name="標題 1"/>
-          <p:cNvSpPr>
-            <a:spLocks noGrp="1"/>
-          </p:cNvSpPr>
-          <p:nvPr>
-            <p:ph type="title"/>
-          </p:nvPr>
-        </p:nvSpPr>
-        <p:spPr/>
-        <p:txBody>
-          <a:bodyPr/>
-          <a:lstStyle/>
-          <a:p>
-            <a:r>
-              <a:rPr lang="en-US" altLang="zh-TW" dirty="0"/>
-              <a:t>Get my contacts result</a:t>
-            </a:r>
-            <a:endParaRPr lang="zh-TW" altLang="en-US" dirty="0"/>
-          </a:p>
-        </p:txBody>
-      </p:sp>
-      <p:sp>
-        <p:nvSpPr>
-          <p:cNvPr id="3" name="內容版面配置區 2"/>
-          <p:cNvSpPr>
-            <a:spLocks noGrp="1"/>
-          </p:cNvSpPr>
-          <p:nvPr>
-            <p:ph idx="1"/>
-          </p:nvPr>
-        </p:nvSpPr>
-        <p:spPr/>
-        <p:txBody>
-          <a:bodyPr/>
-          <a:lstStyle/>
-          <a:p>
-            <a:endParaRPr lang="zh-TW" altLang="en-US"/>
-          </a:p>
-        </p:txBody>
-      </p:sp>
-      <p:sp>
-        <p:nvSpPr>
-          <p:cNvPr id="4" name="投影片編號版面配置區 3"/>
-          <p:cNvSpPr>
-            <a:spLocks noGrp="1"/>
-          </p:cNvSpPr>
-          <p:nvPr>
-            <p:ph type="sldNum" sz="quarter" idx="12"/>
-          </p:nvPr>
-        </p:nvSpPr>
-        <p:spPr/>
-        <p:txBody>
-          <a:bodyPr/>
-          <a:lstStyle/>
-          <a:p>
-            <a:fld id="{D466FAAA-B4AD-4AFB-AEBE-069464B45C14}" type="slidenum">
-              <a:rPr lang="zh-TW" altLang="en-US" smtClean="0"/>
-              <a:t>11</a:t>
-            </a:fld>
-            <a:endParaRPr lang="zh-TW" altLang="en-US"/>
-          </a:p>
-        </p:txBody>
-      </p:sp>
-      <p:pic>
-        <p:nvPicPr>
-          <p:cNvPr id="5" name="圖片 4"/>
-          <p:cNvPicPr>
-            <a:picLocks noChangeAspect="1"/>
-          </p:cNvPicPr>
-          <p:nvPr/>
-        </p:nvPicPr>
-        <p:blipFill>
-          <a:blip r:embed="rId2"/>
-          <a:stretch>
-            <a:fillRect/>
-          </a:stretch>
-        </p:blipFill>
+          <p:cNvPr id="12" name="Rectangle 11"/>
+          <p:cNvSpPr>
+            <a:spLocks noGrp="1" noRot="1" noChangeAspect="1" noMove="1" noResize="1" noEditPoints="1" noAdjustHandles="1" noChangeArrowheads="1" noChangeShapeType="1" noTextEdit="1"/>
+          </p:cNvSpPr>
+          <p:nvPr>
+            <p:extLst>
+              <p:ext uri="{386F3935-93C4-4BCD-93E2-E3B085C9AB24}">
+                <p16:designElem xmlns:p16="http://schemas.microsoft.com/office/powerpoint/2015/main" val="1"/>
+              </p:ext>
+            </p:extLst>
+          </p:nvPr>
+        </p:nvSpPr>
         <p:spPr>
           <a:xfrm>
-            <a:off x="1971412" y="1644195"/>
-            <a:ext cx="7801761" cy="4938515"/>
+            <a:off x="6093992" y="0"/>
+            <a:ext cx="6098427" cy="6858000"/>
           </a:xfrm>
           <a:prstGeom prst="rect">
             <a:avLst/>
           </a:prstGeom>
+          <a:solidFill>
+            <a:srgbClr val="FFFFFF"/>
+          </a:solidFill>
+          <a:ln>
+            <a:noFill/>
+          </a:ln>
         </p:spPr>
-      </p:pic>
-    </p:spTree>
-    <p:extLst>
-      <p:ext uri="{BB962C8B-B14F-4D97-AF65-F5344CB8AC3E}">
-        <p14:creationId xmlns:p14="http://schemas.microsoft.com/office/powerpoint/2010/main" val="57580283"/>
-      </p:ext>
-    </p:extLst>
-  </p:cSld>
-  <p:clrMapOvr>
-    <a:masterClrMapping/>
-  </p:clrMapOvr>
-</p:sld>
-</file>
-
-<file path=ppt/slides/slide12.xml><?xml version="1.0" encoding="utf-8"?>
-<p:sld xmlns:a="http://schemas.openxmlformats.org/drawingml/2006/main" xmlns:r="http://schemas.openxmlformats.org/officeDocument/2006/relationships" xmlns:p="http://schemas.openxmlformats.org/presentationml/2006/main">
-  <p:cSld>
-    <p:spTree>
-      <p:nvGrpSpPr>
-        <p:cNvPr id="1" name=""/>
-        <p:cNvGrpSpPr/>
-        <p:nvPr/>
-      </p:nvGrpSpPr>
-      <p:grpSpPr>
-        <a:xfrm>
-          <a:off x="0" y="0"/>
-          <a:ext cx="0" cy="0"/>
-          <a:chOff x="0" y="0"/>
-          <a:chExt cx="0" cy="0"/>
-        </a:xfrm>
-      </p:grpSpPr>
-      <p:sp>
-        <p:nvSpPr>
-          <p:cNvPr id="2" name="標題 1"/>
-          <p:cNvSpPr>
-            <a:spLocks noGrp="1"/>
-          </p:cNvSpPr>
-          <p:nvPr>
-            <p:ph type="title"/>
-          </p:nvPr>
-        </p:nvSpPr>
-        <p:spPr/>
-        <p:txBody>
-          <a:bodyPr/>
+        <p:style>
+          <a:lnRef idx="2">
+            <a:schemeClr val="accent1">
+              <a:shade val="50000"/>
+            </a:schemeClr>
+          </a:lnRef>
+          <a:fillRef idx="1">
+            <a:schemeClr val="accent1"/>
+          </a:fillRef>
+          <a:effectRef idx="0">
+            <a:schemeClr val="accent1"/>
+          </a:effectRef>
+          <a:fontRef idx="minor">
+            <a:schemeClr val="lt1"/>
+          </a:fontRef>
+        </p:style>
+        <p:txBody>
+          <a:bodyPr rtlCol="0" anchor="ctr"/>
           <a:lstStyle/>
           <a:p>
-            <a:r>
-              <a:rPr lang="en-US" altLang="zh-TW" dirty="0"/>
-              <a:t>Get my events result</a:t>
-            </a:r>
-            <a:endParaRPr lang="zh-TW" altLang="en-US" dirty="0"/>
-          </a:p>
-        </p:txBody>
-      </p:sp>
-      <p:sp>
-        <p:nvSpPr>
-          <p:cNvPr id="3" name="內容版面配置區 2"/>
-          <p:cNvSpPr>
-            <a:spLocks noGrp="1"/>
-          </p:cNvSpPr>
-          <p:nvPr>
-            <p:ph idx="1"/>
-          </p:nvPr>
-        </p:nvSpPr>
-        <p:spPr/>
-        <p:txBody>
-          <a:bodyPr/>
-          <a:lstStyle/>
-          <a:p>
-            <a:endParaRPr lang="zh-TW" altLang="en-US"/>
-          </a:p>
-        </p:txBody>
-      </p:sp>
-      <p:sp>
-        <p:nvSpPr>
-          <p:cNvPr id="4" name="投影片編號版面配置區 3"/>
-          <p:cNvSpPr>
-            <a:spLocks noGrp="1"/>
-          </p:cNvSpPr>
-          <p:nvPr>
-            <p:ph type="sldNum" sz="quarter" idx="12"/>
-          </p:nvPr>
-        </p:nvSpPr>
-        <p:spPr/>
-        <p:txBody>
-          <a:bodyPr/>
-          <a:lstStyle/>
-          <a:p>
-            <a:fld id="{D466FAAA-B4AD-4AFB-AEBE-069464B45C14}" type="slidenum">
-              <a:rPr lang="zh-TW" altLang="en-US" smtClean="0"/>
-              <a:t>12</a:t>
-            </a:fld>
-            <a:endParaRPr lang="zh-TW" altLang="en-US"/>
-          </a:p>
-        </p:txBody>
-      </p:sp>
-      <p:pic>
-        <p:nvPicPr>
-          <p:cNvPr id="6" name="圖片 5"/>
-          <p:cNvPicPr>
-            <a:picLocks noChangeAspect="1"/>
-          </p:cNvPicPr>
-          <p:nvPr/>
-        </p:nvPicPr>
-        <p:blipFill>
-          <a:blip r:embed="rId2"/>
-          <a:stretch>
-            <a:fillRect/>
-          </a:stretch>
-        </p:blipFill>
-        <p:spPr>
-          <a:xfrm>
-            <a:off x="1971411" y="1662680"/>
-            <a:ext cx="7801761" cy="4920030"/>
-          </a:xfrm>
-          <a:prstGeom prst="rect">
-            <a:avLst/>
-          </a:prstGeom>
-        </p:spPr>
-      </p:pic>
-    </p:spTree>
-    <p:extLst>
-      <p:ext uri="{BB962C8B-B14F-4D97-AF65-F5344CB8AC3E}">
-        <p14:creationId xmlns:p14="http://schemas.microsoft.com/office/powerpoint/2010/main" val="1558745406"/>
-      </p:ext>
-    </p:extLst>
-  </p:cSld>
-  <p:clrMapOvr>
-    <a:masterClrMapping/>
-  </p:clrMapOvr>
-</p:sld>
-</file>
-
-<file path=ppt/slides/slide13.xml><?xml version="1.0" encoding="utf-8"?>
-<p:sld xmlns:a="http://schemas.openxmlformats.org/drawingml/2006/main" xmlns:r="http://schemas.openxmlformats.org/officeDocument/2006/relationships" xmlns:p="http://schemas.openxmlformats.org/presentationml/2006/main">
-  <p:cSld>
-    <p:spTree>
-      <p:nvGrpSpPr>
-        <p:cNvPr id="1" name=""/>
-        <p:cNvGrpSpPr/>
-        <p:nvPr/>
-      </p:nvGrpSpPr>
-      <p:grpSpPr>
-        <a:xfrm>
-          <a:off x="0" y="0"/>
-          <a:ext cx="0" cy="0"/>
-          <a:chOff x="0" y="0"/>
-          <a:chExt cx="0" cy="0"/>
-        </a:xfrm>
-      </p:grpSpPr>
-      <p:sp>
-        <p:nvSpPr>
-          <p:cNvPr id="2" name="標題 1"/>
-          <p:cNvSpPr>
-            <a:spLocks noGrp="1"/>
-          </p:cNvSpPr>
-          <p:nvPr>
-            <p:ph type="title"/>
-          </p:nvPr>
-        </p:nvSpPr>
-        <p:spPr/>
-        <p:txBody>
-          <a:bodyPr/>
-          <a:lstStyle/>
-          <a:p>
-            <a:r>
-              <a:rPr lang="en-US" altLang="zh-TW" dirty="0"/>
-              <a:t>Lunch time</a:t>
-            </a:r>
-            <a:endParaRPr lang="zh-TW" altLang="en-US" dirty="0"/>
-          </a:p>
-        </p:txBody>
-      </p:sp>
-      <p:sp>
-        <p:nvSpPr>
-          <p:cNvPr id="3" name="內容版面配置區 2"/>
-          <p:cNvSpPr>
-            <a:spLocks noGrp="1"/>
-          </p:cNvSpPr>
-          <p:nvPr>
-            <p:ph idx="1"/>
-          </p:nvPr>
-        </p:nvSpPr>
-        <p:spPr/>
-        <p:txBody>
-          <a:bodyPr/>
-          <a:lstStyle/>
-          <a:p>
-            <a:endParaRPr lang="zh-TW" altLang="en-US" dirty="0"/>
-          </a:p>
-        </p:txBody>
-      </p:sp>
-      <p:sp>
-        <p:nvSpPr>
-          <p:cNvPr id="4" name="投影片編號版面配置區 3"/>
-          <p:cNvSpPr>
-            <a:spLocks noGrp="1"/>
-          </p:cNvSpPr>
-          <p:nvPr>
-            <p:ph type="sldNum" sz="quarter" idx="12"/>
-          </p:nvPr>
-        </p:nvSpPr>
-        <p:spPr/>
-        <p:txBody>
-          <a:bodyPr/>
-          <a:lstStyle/>
-          <a:p>
-            <a:fld id="{D466FAAA-B4AD-4AFB-AEBE-069464B45C14}" type="slidenum">
-              <a:rPr lang="zh-TW" altLang="en-US" smtClean="0"/>
-              <a:t>13</a:t>
-            </a:fld>
-            <a:endParaRPr lang="zh-TW" altLang="en-US"/>
-          </a:p>
-        </p:txBody>
-      </p:sp>
-    </p:spTree>
-    <p:extLst>
-      <p:ext uri="{BB962C8B-B14F-4D97-AF65-F5344CB8AC3E}">
-        <p14:creationId xmlns:p14="http://schemas.microsoft.com/office/powerpoint/2010/main" val="613636715"/>
-      </p:ext>
-    </p:extLst>
-  </p:cSld>
-  <p:clrMapOvr>
-    <a:masterClrMapping/>
-  </p:clrMapOvr>
-</p:sld>
-</file>
-
-<file path=ppt/slides/slide14.xml><?xml version="1.0" encoding="utf-8"?>
-<p:sld xmlns:a="http://schemas.openxmlformats.org/drawingml/2006/main" xmlns:r="http://schemas.openxmlformats.org/officeDocument/2006/relationships" xmlns:p="http://schemas.openxmlformats.org/presentationml/2006/main">
-  <p:cSld>
-    <p:spTree>
-      <p:nvGrpSpPr>
-        <p:cNvPr id="1" name=""/>
-        <p:cNvGrpSpPr/>
-        <p:nvPr/>
-      </p:nvGrpSpPr>
-      <p:grpSpPr>
-        <a:xfrm>
-          <a:off x="0" y="0"/>
-          <a:ext cx="0" cy="0"/>
-          <a:chOff x="0" y="0"/>
-          <a:chExt cx="0" cy="0"/>
-        </a:xfrm>
-      </p:grpSpPr>
-      <p:sp>
-        <p:nvSpPr>
-          <p:cNvPr id="17" name="Freeform 23"/>
+            <a:pPr algn="ctr"/>
+            <a:endParaRPr lang="en-US"/>
+          </a:p>
+        </p:txBody>
+      </p:sp>
+      <p:sp>
+        <p:nvSpPr>
+          <p:cNvPr id="13" name="Freeform 31"/>
           <p:cNvSpPr>
             <a:spLocks noGrp="1" noRot="1" noChangeAspect="1" noMove="1" noResize="1" noEditPoints="1" noAdjustHandles="1" noChangeArrowheads="1" noChangeShapeType="1" noTextEdit="1"/>
           </p:cNvSpPr>
@@ -7443,7 +7154,7 @@
       </p:sp>
       <p:sp>
         <p:nvSpPr>
-          <p:cNvPr id="18" name="Freeform 5"/>
+          <p:cNvPr id="14" name="Freeform 5"/>
           <p:cNvSpPr>
             <a:spLocks noGrp="1" noRot="1" noChangeAspect="1" noMove="1" noResize="1" noEditPoints="1" noAdjustHandles="1" noChangeArrowheads="1" noChangeShapeType="1" noTextEdit="1"/>
           </p:cNvSpPr>
@@ -7633,63 +7344,9 @@
           </a:ln>
         </p:spPr>
       </p:sp>
-      <p:sp>
-        <p:nvSpPr>
-          <p:cNvPr id="19" name="Rectangle 18"/>
-          <p:cNvSpPr>
-            <a:spLocks noGrp="1" noRot="1" noChangeAspect="1" noMove="1" noResize="1" noEditPoints="1" noAdjustHandles="1" noChangeArrowheads="1" noChangeShapeType="1" noTextEdit="1"/>
-          </p:cNvSpPr>
-          <p:nvPr>
-            <p:extLst>
-              <p:ext uri="{386F3935-93C4-4BCD-93E2-E3B085C9AB24}">
-                <p16:designElem xmlns:p16="http://schemas.microsoft.com/office/powerpoint/2015/main" val="1"/>
-              </p:ext>
-            </p:extLst>
-          </p:nvPr>
-        </p:nvSpPr>
-        <p:spPr>
-          <a:xfrm>
-            <a:off x="6094411" y="0"/>
-            <a:ext cx="6098008" cy="6858000"/>
-          </a:xfrm>
-          <a:prstGeom prst="rect">
-            <a:avLst/>
-          </a:prstGeom>
-          <a:solidFill>
-            <a:srgbClr val="FFFFFF"/>
-          </a:solidFill>
-          <a:ln>
-            <a:noFill/>
-          </a:ln>
-        </p:spPr>
-        <p:style>
-          <a:lnRef idx="2">
-            <a:schemeClr val="accent1">
-              <a:shade val="50000"/>
-            </a:schemeClr>
-          </a:lnRef>
-          <a:fillRef idx="1">
-            <a:schemeClr val="accent1"/>
-          </a:fillRef>
-          <a:effectRef idx="0">
-            <a:schemeClr val="accent1"/>
-          </a:effectRef>
-          <a:fontRef idx="minor">
-            <a:schemeClr val="lt1"/>
-          </a:fontRef>
-        </p:style>
-        <p:txBody>
-          <a:bodyPr rtlCol="0" anchor="ctr"/>
-          <a:lstStyle/>
-          <a:p>
-            <a:pPr algn="ctr"/>
-            <a:endParaRPr lang="en-US"/>
-          </a:p>
-        </p:txBody>
-      </p:sp>
       <p:pic>
         <p:nvPicPr>
-          <p:cNvPr id="5" name="圖片 4"/>
+          <p:cNvPr id="6" name="圖片 5"/>
           <p:cNvPicPr>
             <a:picLocks noChangeAspect="1"/>
           </p:cNvPicPr>
@@ -7703,8 +7360,8 @@
         </p:blipFill>
         <p:spPr>
           <a:xfrm>
-            <a:off x="6575407" y="647699"/>
-            <a:ext cx="4487477" cy="3242202"/>
+            <a:off x="6093992" y="874363"/>
+            <a:ext cx="5449889" cy="5109271"/>
           </a:xfrm>
           <a:prstGeom prst="rect">
             <a:avLst/>
@@ -7714,7 +7371,7 @@
       </p:pic>
       <p:sp>
         <p:nvSpPr>
-          <p:cNvPr id="20" name="Rectangle 19"/>
+          <p:cNvPr id="15" name="Rectangle 14"/>
           <p:cNvSpPr>
             <a:spLocks noGrp="1" noRot="1" noChangeAspect="1" noMove="1" noResize="1" noEditPoints="1" noAdjustHandles="1" noChangeArrowheads="1" noChangeShapeType="1" noTextEdit="1"/>
           </p:cNvSpPr>
@@ -7756,45 +7413,20 @@
           </a:fontRef>
         </p:style>
       </p:sp>
-      <p:pic>
-        <p:nvPicPr>
-          <p:cNvPr id="6" name="圖片 5"/>
-          <p:cNvPicPr>
-            <a:picLocks noChangeAspect="1"/>
-          </p:cNvPicPr>
-          <p:nvPr/>
-        </p:nvPicPr>
-        <p:blipFill>
-          <a:blip r:embed="rId3"/>
-          <a:stretch>
-            <a:fillRect/>
-          </a:stretch>
-        </p:blipFill>
+      <p:sp>
+        <p:nvSpPr>
+          <p:cNvPr id="2" name="標題 1"/>
+          <p:cNvSpPr>
+            <a:spLocks noGrp="1"/>
+          </p:cNvSpPr>
+          <p:nvPr>
+            <p:ph type="title"/>
+          </p:nvPr>
+        </p:nvSpPr>
         <p:spPr>
           <a:xfrm>
-            <a:off x="7306868" y="4085841"/>
-            <a:ext cx="3024555" cy="2162557"/>
-          </a:xfrm>
-          <a:prstGeom prst="rect">
-            <a:avLst/>
-          </a:prstGeom>
-          <a:effectLst/>
-        </p:spPr>
-      </p:pic>
-      <p:sp>
-        <p:nvSpPr>
-          <p:cNvPr id="2" name="標題 1"/>
-          <p:cNvSpPr>
-            <a:spLocks noGrp="1"/>
-          </p:cNvSpPr>
-          <p:nvPr>
-            <p:ph type="title"/>
-          </p:nvPr>
-        </p:nvSpPr>
-        <p:spPr>
-          <a:xfrm>
-            <a:off x="646112" y="452718"/>
-            <a:ext cx="4165580" cy="1400530"/>
+            <a:off x="648931" y="629266"/>
+            <a:ext cx="4166510" cy="1622321"/>
           </a:xfrm>
         </p:spPr>
         <p:txBody>
@@ -7805,7 +7437,7 @@
           <a:p>
             <a:r>
               <a:rPr lang="en-US" altLang="zh-TW" dirty="0"/>
-              <a:t>Hands-On Lab1</a:t>
+              <a:t>How to use it</a:t>
             </a:r>
             <a:endParaRPr lang="zh-TW" altLang="en-US" dirty="0"/>
           </a:p>
@@ -7823,8 +7455,8 @@
         </p:nvSpPr>
         <p:spPr>
           <a:xfrm>
-            <a:off x="646113" y="2052918"/>
-            <a:ext cx="4165146" cy="4195481"/>
+            <a:off x="648931" y="2438400"/>
+            <a:ext cx="4166509" cy="3785419"/>
           </a:xfrm>
         </p:spPr>
         <p:txBody>
@@ -7835,32 +7467,22 @@
           <a:p>
             <a:r>
               <a:rPr lang="en-US" altLang="zh-TW" dirty="0"/>
-              <a:t>Download sample code from </a:t>
-            </a:r>
-            <a:r>
-              <a:rPr lang="en-US" altLang="zh-TW" dirty="0" err="1"/>
-              <a:t>github</a:t>
+              <a:t>By Graph</a:t>
+            </a:r>
+            <a:r>
+              <a:rPr lang="zh-TW" altLang="en-US" dirty="0"/>
+              <a:t> </a:t>
             </a:r>
             <a:r>
               <a:rPr lang="en-US" altLang="zh-TW" dirty="0"/>
-              <a:t>(</a:t>
-            </a:r>
-            <a:r>
-              <a:rPr lang="en-US" altLang="zh-TW" dirty="0" err="1"/>
-              <a:t>UnifiedApiConnect</a:t>
-            </a:r>
+              <a:t>RESTful API</a:t>
+            </a:r>
+          </a:p>
+          <a:p>
             <a:r>
               <a:rPr lang="en-US" altLang="zh-TW" dirty="0"/>
-              <a:t>)</a:t>
-            </a:r>
-          </a:p>
-          <a:p>
-            <a:r>
-              <a:rPr lang="en-US" altLang="zh-TW" dirty="0"/>
-              <a:t>Registry a new application.</a:t>
-            </a:r>
-          </a:p>
-          <a:p>
+              <a:t>By Microsoft Graph API SDKs</a:t>
+            </a:r>
             <a:endParaRPr lang="zh-TW" altLang="en-US" dirty="0"/>
           </a:p>
         </p:txBody>
@@ -7884,7 +7506,7 @@
           <a:p>
             <a:fld id="{D466FAAA-B4AD-4AFB-AEBE-069464B45C14}" type="slidenum">
               <a:rPr lang="zh-TW" altLang="en-US" smtClean="0"/>
-              <a:t>14</a:t>
+              <a:t>11</a:t>
             </a:fld>
             <a:endParaRPr lang="zh-TW" altLang="en-US"/>
           </a:p>
@@ -7893,7 +7515,7 @@
     </p:spTree>
     <p:extLst>
       <p:ext uri="{BB962C8B-B14F-4D97-AF65-F5344CB8AC3E}">
-        <p14:creationId xmlns:p14="http://schemas.microsoft.com/office/powerpoint/2010/main" val="4158931114"/>
+        <p14:creationId xmlns:p14="http://schemas.microsoft.com/office/powerpoint/2010/main" val="1622142115"/>
       </p:ext>
     </p:extLst>
   </p:cSld>
@@ -7903,7 +7525,7 @@
 </p:sld>
 </file>
 
-<file path=ppt/slides/slide15.xml><?xml version="1.0" encoding="utf-8"?>
+<file path=ppt/slides/slide12.xml><?xml version="1.0" encoding="utf-8"?>
 <p:sld xmlns:a="http://schemas.openxmlformats.org/drawingml/2006/main" xmlns:r="http://schemas.openxmlformats.org/officeDocument/2006/relationships" xmlns:p="http://schemas.openxmlformats.org/presentationml/2006/main">
   <p:cSld>
     <p:spTree>
@@ -7922,7 +7544,7 @@
       </p:grpSpPr>
       <p:sp>
         <p:nvSpPr>
-          <p:cNvPr id="16" name="Freeform 23"/>
+          <p:cNvPr id="22" name="Freeform 23"/>
           <p:cNvSpPr>
             <a:spLocks noGrp="1" noRot="1" noChangeAspect="1" noMove="1" noResize="1" noEditPoints="1" noAdjustHandles="1" noChangeArrowheads="1" noChangeShapeType="1" noTextEdit="1"/>
           </p:cNvSpPr>
@@ -8265,7 +7887,7 @@
       </p:sp>
       <p:sp>
         <p:nvSpPr>
-          <p:cNvPr id="17" name="Freeform 5"/>
+          <p:cNvPr id="23" name="Freeform 5"/>
           <p:cNvSpPr>
             <a:spLocks noGrp="1" noRot="1" noChangeAspect="1" noMove="1" noResize="1" noEditPoints="1" noAdjustHandles="1" noChangeArrowheads="1" noChangeShapeType="1" noTextEdit="1"/>
           </p:cNvSpPr>
@@ -8457,7 +8079,7 @@
       </p:sp>
       <p:sp>
         <p:nvSpPr>
-          <p:cNvPr id="18" name="Rectangle 13"/>
+          <p:cNvPr id="24" name="Rectangle 19"/>
           <p:cNvSpPr>
             <a:spLocks noGrp="1" noRot="1" noChangeAspect="1" noMove="1" noResize="1" noEditPoints="1" noAdjustHandles="1" noChangeArrowheads="1" noChangeShapeType="1" noTextEdit="1"/>
           </p:cNvSpPr>
@@ -8511,7 +8133,7 @@
       </p:sp>
       <p:pic>
         <p:nvPicPr>
-          <p:cNvPr id="5" name="圖片 4"/>
+          <p:cNvPr id="11" name="圖片 10"/>
           <p:cNvPicPr>
             <a:picLocks noChangeAspect="1"/>
           </p:cNvPicPr>
@@ -8525,8 +8147,8 @@
         </p:blipFill>
         <p:spPr>
           <a:xfrm>
-            <a:off x="6575407" y="647699"/>
-            <a:ext cx="4487477" cy="3242202"/>
+            <a:off x="6939608" y="647699"/>
+            <a:ext cx="3759074" cy="3242202"/>
           </a:xfrm>
           <a:prstGeom prst="rect">
             <a:avLst/>
@@ -8536,7 +8158,7 @@
       </p:pic>
       <p:sp>
         <p:nvSpPr>
-          <p:cNvPr id="19" name="Rectangle 14"/>
+          <p:cNvPr id="25" name="Rectangle 20"/>
           <p:cNvSpPr>
             <a:spLocks noGrp="1" noRot="1" noChangeAspect="1" noMove="1" noResize="1" noEditPoints="1" noAdjustHandles="1" noChangeArrowheads="1" noChangeShapeType="1" noTextEdit="1"/>
           </p:cNvSpPr>
@@ -8580,7 +8202,7 @@
       </p:sp>
       <p:pic>
         <p:nvPicPr>
-          <p:cNvPr id="6" name="圖片 5"/>
+          <p:cNvPr id="5" name="圖片 4"/>
           <p:cNvPicPr>
             <a:picLocks noChangeAspect="1"/>
           </p:cNvPicPr>
@@ -8594,8 +8216,8 @@
         </p:blipFill>
         <p:spPr>
           <a:xfrm>
-            <a:off x="7306868" y="4085841"/>
-            <a:ext cx="3024555" cy="2162557"/>
+            <a:off x="7053793" y="4085841"/>
+            <a:ext cx="3530705" cy="2162557"/>
           </a:xfrm>
           <a:prstGeom prst="rect">
             <a:avLst/>
@@ -8626,10 +8248,10 @@
           <a:lstStyle/>
           <a:p>
             <a:r>
-              <a:rPr lang="en-US" altLang="zh-TW" dirty="0"/>
-              <a:t>Hands-On Lab1</a:t>
-            </a:r>
-            <a:endParaRPr lang="zh-TW" altLang="en-US" dirty="0"/>
+              <a:rPr lang="en-US" altLang="zh-TW" sz="3900"/>
+              <a:t>Some Common Queries</a:t>
+            </a:r>
+            <a:endParaRPr lang="zh-TW" altLang="en-US" sz="3900"/>
           </a:p>
         </p:txBody>
       </p:sp>
@@ -8657,13 +8279,19 @@
           <a:p>
             <a:r>
               <a:rPr lang="en-US" altLang="zh-TW" dirty="0"/>
-              <a:t>Copy Client ID and Client Secret to your app</a:t>
+              <a:t>Get my profile</a:t>
             </a:r>
           </a:p>
           <a:p>
             <a:r>
               <a:rPr lang="en-US" altLang="zh-TW" dirty="0"/>
-              <a:t>Run the APP!</a:t>
+              <a:t>Get my files</a:t>
+            </a:r>
+          </a:p>
+          <a:p>
+            <a:r>
+              <a:rPr lang="en-US" altLang="zh-TW" dirty="0"/>
+              <a:t>…</a:t>
             </a:r>
             <a:endParaRPr lang="zh-TW" altLang="en-US" dirty="0"/>
           </a:p>
@@ -8684,6 +8312,576 @@
           <a:bodyPr>
             <a:normAutofit/>
           </a:bodyPr>
+          <a:lstStyle/>
+          <a:p>
+            <a:fld id="{D466FAAA-B4AD-4AFB-AEBE-069464B45C14}" type="slidenum">
+              <a:rPr lang="zh-TW" altLang="en-US" smtClean="0"/>
+              <a:t>12</a:t>
+            </a:fld>
+            <a:endParaRPr lang="zh-TW" altLang="en-US"/>
+          </a:p>
+        </p:txBody>
+      </p:sp>
+    </p:spTree>
+    <p:extLst>
+      <p:ext uri="{BB962C8B-B14F-4D97-AF65-F5344CB8AC3E}">
+        <p14:creationId xmlns:p14="http://schemas.microsoft.com/office/powerpoint/2010/main" val="1188016881"/>
+      </p:ext>
+    </p:extLst>
+  </p:cSld>
+  <p:clrMapOvr>
+    <a:masterClrMapping/>
+  </p:clrMapOvr>
+</p:sld>
+</file>
+
+<file path=ppt/slides/slide13.xml><?xml version="1.0" encoding="utf-8"?>
+<p:sld xmlns:a="http://schemas.openxmlformats.org/drawingml/2006/main" xmlns:r="http://schemas.openxmlformats.org/officeDocument/2006/relationships" xmlns:p="http://schemas.openxmlformats.org/presentationml/2006/main">
+  <p:cSld>
+    <p:spTree>
+      <p:nvGrpSpPr>
+        <p:cNvPr id="1" name=""/>
+        <p:cNvGrpSpPr/>
+        <p:nvPr/>
+      </p:nvGrpSpPr>
+      <p:grpSpPr>
+        <a:xfrm>
+          <a:off x="0" y="0"/>
+          <a:ext cx="0" cy="0"/>
+          <a:chOff x="0" y="0"/>
+          <a:chExt cx="0" cy="0"/>
+        </a:xfrm>
+      </p:grpSpPr>
+      <p:sp>
+        <p:nvSpPr>
+          <p:cNvPr id="2" name="標題 1"/>
+          <p:cNvSpPr>
+            <a:spLocks noGrp="1"/>
+          </p:cNvSpPr>
+          <p:nvPr>
+            <p:ph type="title"/>
+          </p:nvPr>
+        </p:nvSpPr>
+        <p:spPr/>
+        <p:txBody>
+          <a:bodyPr/>
+          <a:lstStyle/>
+          <a:p>
+            <a:r>
+              <a:rPr lang="en-US" altLang="zh-TW" dirty="0"/>
+              <a:t>What is REST, RESTful API </a:t>
+            </a:r>
+            <a:r>
+              <a:rPr lang="zh-TW" altLang="en-US" dirty="0"/>
+              <a:t>？</a:t>
+            </a:r>
+          </a:p>
+        </p:txBody>
+      </p:sp>
+      <p:sp>
+        <p:nvSpPr>
+          <p:cNvPr id="3" name="內容版面配置區 2"/>
+          <p:cNvSpPr>
+            <a:spLocks noGrp="1"/>
+          </p:cNvSpPr>
+          <p:nvPr>
+            <p:ph idx="1"/>
+          </p:nvPr>
+        </p:nvSpPr>
+        <p:spPr/>
+        <p:txBody>
+          <a:bodyPr/>
+          <a:lstStyle/>
+          <a:p>
+            <a:r>
+              <a:rPr lang="zh-TW" altLang="en-US" dirty="0"/>
+              <a:t>具象狀態傳輸（英文：</a:t>
+            </a:r>
+            <a:r>
+              <a:rPr lang="en-US" altLang="zh-TW" dirty="0"/>
+              <a:t>Representational State Transfer</a:t>
+            </a:r>
+            <a:r>
+              <a:rPr lang="zh-TW" altLang="en-US" dirty="0"/>
+              <a:t>，簡稱</a:t>
+            </a:r>
+            <a:r>
+              <a:rPr lang="en-US" altLang="zh-TW" dirty="0"/>
+              <a:t>REST</a:t>
+            </a:r>
+            <a:r>
+              <a:rPr lang="zh-TW" altLang="en-US" dirty="0"/>
+              <a:t>）是</a:t>
+            </a:r>
+            <a:r>
+              <a:rPr lang="en-US" altLang="zh-TW" dirty="0"/>
+              <a:t>Roy Thomas Fielding</a:t>
+            </a:r>
+            <a:r>
+              <a:rPr lang="zh-TW" altLang="en-US" dirty="0"/>
+              <a:t>博士於</a:t>
+            </a:r>
+            <a:r>
+              <a:rPr lang="en-US" altLang="zh-TW" dirty="0"/>
+              <a:t>2000</a:t>
+            </a:r>
+            <a:r>
+              <a:rPr lang="zh-TW" altLang="en-US" dirty="0"/>
+              <a:t>年在他的博士論文 </a:t>
+            </a:r>
+            <a:r>
+              <a:rPr lang="en-US" altLang="zh-TW" dirty="0"/>
+              <a:t>"Architectural Styles and the Design of Network-based Software Architectures" </a:t>
+            </a:r>
+            <a:r>
+              <a:rPr lang="zh-TW" altLang="en-US" dirty="0"/>
+              <a:t>中提出來的一種全球資訊網軟體架構風格。</a:t>
+            </a:r>
+          </a:p>
+        </p:txBody>
+      </p:sp>
+      <p:sp>
+        <p:nvSpPr>
+          <p:cNvPr id="4" name="投影片編號版面配置區 3"/>
+          <p:cNvSpPr>
+            <a:spLocks noGrp="1"/>
+          </p:cNvSpPr>
+          <p:nvPr>
+            <p:ph type="sldNum" sz="quarter" idx="12"/>
+          </p:nvPr>
+        </p:nvSpPr>
+        <p:spPr/>
+        <p:txBody>
+          <a:bodyPr/>
+          <a:lstStyle/>
+          <a:p>
+            <a:fld id="{D466FAAA-B4AD-4AFB-AEBE-069464B45C14}" type="slidenum">
+              <a:rPr lang="zh-TW" altLang="en-US" smtClean="0"/>
+              <a:t>13</a:t>
+            </a:fld>
+            <a:endParaRPr lang="zh-TW" altLang="en-US"/>
+          </a:p>
+        </p:txBody>
+      </p:sp>
+    </p:spTree>
+    <p:extLst>
+      <p:ext uri="{BB962C8B-B14F-4D97-AF65-F5344CB8AC3E}">
+        <p14:creationId xmlns:p14="http://schemas.microsoft.com/office/powerpoint/2010/main" val="3800811207"/>
+      </p:ext>
+    </p:extLst>
+  </p:cSld>
+  <p:clrMapOvr>
+    <a:masterClrMapping/>
+  </p:clrMapOvr>
+</p:sld>
+</file>
+
+<file path=ppt/slides/slide14.xml><?xml version="1.0" encoding="utf-8"?>
+<p:sld xmlns:a="http://schemas.openxmlformats.org/drawingml/2006/main" xmlns:r="http://schemas.openxmlformats.org/officeDocument/2006/relationships" xmlns:p="http://schemas.openxmlformats.org/presentationml/2006/main">
+  <p:cSld>
+    <p:spTree>
+      <p:nvGrpSpPr>
+        <p:cNvPr id="1" name=""/>
+        <p:cNvGrpSpPr/>
+        <p:nvPr/>
+      </p:nvGrpSpPr>
+      <p:grpSpPr>
+        <a:xfrm>
+          <a:off x="0" y="0"/>
+          <a:ext cx="0" cy="0"/>
+          <a:chOff x="0" y="0"/>
+          <a:chExt cx="0" cy="0"/>
+        </a:xfrm>
+      </p:grpSpPr>
+      <p:sp>
+        <p:nvSpPr>
+          <p:cNvPr id="2" name="標題 1"/>
+          <p:cNvSpPr>
+            <a:spLocks noGrp="1"/>
+          </p:cNvSpPr>
+          <p:nvPr>
+            <p:ph type="title"/>
+          </p:nvPr>
+        </p:nvSpPr>
+        <p:spPr/>
+        <p:txBody>
+          <a:bodyPr/>
+          <a:lstStyle/>
+          <a:p>
+            <a:r>
+              <a:rPr lang="en-US" altLang="zh-TW" dirty="0"/>
+              <a:t>REST</a:t>
+            </a:r>
+            <a:r>
+              <a:rPr lang="zh-TW" altLang="en-US" dirty="0"/>
+              <a:t>是設計風格而不是標準</a:t>
+            </a:r>
+          </a:p>
+        </p:txBody>
+      </p:sp>
+      <p:sp>
+        <p:nvSpPr>
+          <p:cNvPr id="3" name="內容版面配置區 2"/>
+          <p:cNvSpPr>
+            <a:spLocks noGrp="1"/>
+          </p:cNvSpPr>
+          <p:nvPr>
+            <p:ph idx="1"/>
+          </p:nvPr>
+        </p:nvSpPr>
+        <p:spPr/>
+        <p:txBody>
+          <a:bodyPr/>
+          <a:lstStyle/>
+          <a:p>
+            <a:endParaRPr lang="zh-TW" altLang="en-US" dirty="0"/>
+          </a:p>
+          <a:p>
+            <a:r>
+              <a:rPr lang="zh-TW" altLang="en-US" dirty="0"/>
+              <a:t>資源是由</a:t>
+            </a:r>
+            <a:r>
+              <a:rPr lang="en-US" altLang="zh-TW" dirty="0"/>
+              <a:t>URI</a:t>
+            </a:r>
+            <a:r>
+              <a:rPr lang="zh-TW" altLang="en-US" dirty="0"/>
+              <a:t>來指定。</a:t>
+            </a:r>
+          </a:p>
+          <a:p>
+            <a:r>
+              <a:rPr lang="zh-TW" altLang="en-US" dirty="0"/>
+              <a:t>對資源的操作包括獲取、創建、修改和刪除資源，這些操作正好對應</a:t>
+            </a:r>
+            <a:r>
+              <a:rPr lang="en-US" altLang="zh-TW" dirty="0"/>
+              <a:t>HTTP</a:t>
+            </a:r>
+            <a:r>
+              <a:rPr lang="zh-TW" altLang="en-US" dirty="0"/>
+              <a:t>協議提供的</a:t>
+            </a:r>
+            <a:r>
+              <a:rPr lang="en-US" altLang="zh-TW" dirty="0"/>
+              <a:t>GET</a:t>
+            </a:r>
+            <a:r>
+              <a:rPr lang="zh-TW" altLang="en-US" dirty="0"/>
+              <a:t>、</a:t>
+            </a:r>
+            <a:r>
+              <a:rPr lang="en-US" altLang="zh-TW" dirty="0"/>
+              <a:t>POST</a:t>
+            </a:r>
+            <a:r>
+              <a:rPr lang="zh-TW" altLang="en-US" dirty="0"/>
+              <a:t>、</a:t>
+            </a:r>
+            <a:r>
+              <a:rPr lang="en-US" altLang="zh-TW" dirty="0"/>
+              <a:t>PUT</a:t>
+            </a:r>
+            <a:r>
+              <a:rPr lang="zh-TW" altLang="en-US" dirty="0"/>
+              <a:t>和</a:t>
+            </a:r>
+            <a:r>
+              <a:rPr lang="en-US" altLang="zh-TW" dirty="0"/>
+              <a:t>DELETE</a:t>
+            </a:r>
+            <a:r>
+              <a:rPr lang="zh-TW" altLang="en-US" dirty="0"/>
+              <a:t>方法。</a:t>
+            </a:r>
+          </a:p>
+          <a:p>
+            <a:r>
+              <a:rPr lang="zh-TW" altLang="en-US" dirty="0"/>
+              <a:t>通過操作資源的表現形式來操作資源。</a:t>
+            </a:r>
+          </a:p>
+          <a:p>
+            <a:r>
+              <a:rPr lang="zh-TW" altLang="en-US" dirty="0"/>
+              <a:t>資源的表現形式則是</a:t>
+            </a:r>
+            <a:r>
+              <a:rPr lang="en-US" altLang="zh-TW" dirty="0"/>
+              <a:t>XML</a:t>
+            </a:r>
+            <a:r>
+              <a:rPr lang="zh-TW" altLang="en-US" dirty="0"/>
+              <a:t>或者</a:t>
+            </a:r>
+            <a:r>
+              <a:rPr lang="en-US" altLang="zh-TW" dirty="0"/>
+              <a:t>HTML</a:t>
+            </a:r>
+            <a:r>
+              <a:rPr lang="zh-TW" altLang="en-US" dirty="0"/>
+              <a:t>，取決於讀者是機器還是人，是消費</a:t>
+            </a:r>
+            <a:r>
+              <a:rPr lang="en-US" altLang="zh-TW" dirty="0"/>
+              <a:t>web</a:t>
+            </a:r>
+            <a:r>
+              <a:rPr lang="zh-TW" altLang="en-US" dirty="0"/>
+              <a:t>服務的客戶軟體還是</a:t>
+            </a:r>
+            <a:r>
+              <a:rPr lang="en-US" altLang="zh-TW" dirty="0"/>
+              <a:t>web</a:t>
+            </a:r>
+            <a:r>
+              <a:rPr lang="zh-TW" altLang="en-US" dirty="0"/>
+              <a:t>瀏覽器。當然也可以是任何其他的格式。</a:t>
+            </a:r>
+          </a:p>
+        </p:txBody>
+      </p:sp>
+      <p:sp>
+        <p:nvSpPr>
+          <p:cNvPr id="4" name="投影片編號版面配置區 3"/>
+          <p:cNvSpPr>
+            <a:spLocks noGrp="1"/>
+          </p:cNvSpPr>
+          <p:nvPr>
+            <p:ph type="sldNum" sz="quarter" idx="12"/>
+          </p:nvPr>
+        </p:nvSpPr>
+        <p:spPr/>
+        <p:txBody>
+          <a:bodyPr/>
+          <a:lstStyle/>
+          <a:p>
+            <a:fld id="{D466FAAA-B4AD-4AFB-AEBE-069464B45C14}" type="slidenum">
+              <a:rPr lang="zh-TW" altLang="en-US" smtClean="0"/>
+              <a:t>14</a:t>
+            </a:fld>
+            <a:endParaRPr lang="zh-TW" altLang="en-US"/>
+          </a:p>
+        </p:txBody>
+      </p:sp>
+    </p:spTree>
+    <p:extLst>
+      <p:ext uri="{BB962C8B-B14F-4D97-AF65-F5344CB8AC3E}">
+        <p14:creationId xmlns:p14="http://schemas.microsoft.com/office/powerpoint/2010/main" val="2175406611"/>
+      </p:ext>
+    </p:extLst>
+  </p:cSld>
+  <p:clrMapOvr>
+    <a:masterClrMapping/>
+  </p:clrMapOvr>
+</p:sld>
+</file>
+
+<file path=ppt/slides/slide15.xml><?xml version="1.0" encoding="utf-8"?>
+<p:sld xmlns:a="http://schemas.openxmlformats.org/drawingml/2006/main" xmlns:r="http://schemas.openxmlformats.org/officeDocument/2006/relationships" xmlns:p="http://schemas.openxmlformats.org/presentationml/2006/main">
+  <p:cSld>
+    <p:spTree>
+      <p:nvGrpSpPr>
+        <p:cNvPr id="1" name=""/>
+        <p:cNvGrpSpPr/>
+        <p:nvPr/>
+      </p:nvGrpSpPr>
+      <p:grpSpPr>
+        <a:xfrm>
+          <a:off x="0" y="0"/>
+          <a:ext cx="0" cy="0"/>
+          <a:chOff x="0" y="0"/>
+          <a:chExt cx="0" cy="0"/>
+        </a:xfrm>
+      </p:grpSpPr>
+      <p:sp>
+        <p:nvSpPr>
+          <p:cNvPr id="2" name="標題 1"/>
+          <p:cNvSpPr>
+            <a:spLocks noGrp="1"/>
+          </p:cNvSpPr>
+          <p:nvPr>
+            <p:ph type="title"/>
+          </p:nvPr>
+        </p:nvSpPr>
+        <p:spPr/>
+        <p:txBody>
+          <a:bodyPr/>
+          <a:lstStyle/>
+          <a:p>
+            <a:r>
+              <a:rPr lang="zh-TW" altLang="en-US" dirty="0"/>
+              <a:t>符合</a:t>
+            </a:r>
+            <a:r>
+              <a:rPr lang="en-US" altLang="zh-TW" dirty="0"/>
+              <a:t>REST</a:t>
+            </a:r>
+            <a:r>
+              <a:rPr lang="zh-TW" altLang="en-US" dirty="0"/>
+              <a:t>設計風格的</a:t>
+            </a:r>
+            <a:r>
+              <a:rPr lang="en-US" altLang="zh-TW" dirty="0"/>
+              <a:t>Web API</a:t>
+            </a:r>
+            <a:r>
+              <a:rPr lang="zh-TW" altLang="en-US" dirty="0"/>
+              <a:t>稱為</a:t>
+            </a:r>
+            <a:r>
+              <a:rPr lang="en-US" altLang="zh-TW" dirty="0"/>
+              <a:t>RESTful API</a:t>
+            </a:r>
+            <a:endParaRPr lang="zh-TW" altLang="en-US" dirty="0"/>
+          </a:p>
+        </p:txBody>
+      </p:sp>
+      <p:sp>
+        <p:nvSpPr>
+          <p:cNvPr id="3" name="內容版面配置區 2"/>
+          <p:cNvSpPr>
+            <a:spLocks noGrp="1"/>
+          </p:cNvSpPr>
+          <p:nvPr>
+            <p:ph idx="1"/>
+          </p:nvPr>
+        </p:nvSpPr>
+        <p:spPr/>
+        <p:txBody>
+          <a:bodyPr/>
+          <a:lstStyle/>
+          <a:p>
+            <a:pPr marL="0" indent="0">
+              <a:buNone/>
+            </a:pPr>
+            <a:r>
+              <a:rPr lang="zh-TW" altLang="en-US" dirty="0"/>
+              <a:t>它從以下三個方面資源進行定義：</a:t>
+            </a:r>
+          </a:p>
+          <a:p>
+            <a:r>
+              <a:rPr lang="zh-TW" altLang="en-US" dirty="0"/>
+              <a:t>直觀簡短的資源地址：</a:t>
+            </a:r>
+            <a:r>
+              <a:rPr lang="en-US" altLang="zh-TW" dirty="0"/>
+              <a:t>URI</a:t>
+            </a:r>
+            <a:r>
+              <a:rPr lang="zh-TW" altLang="en-US" dirty="0"/>
+              <a:t>，比如：</a:t>
+            </a:r>
+            <a:r>
+              <a:rPr lang="en-US" altLang="zh-TW" dirty="0"/>
+              <a:t>http://example.com/resources/</a:t>
+            </a:r>
+            <a:r>
+              <a:rPr lang="zh-TW" altLang="en-US" dirty="0"/>
+              <a:t>。</a:t>
+            </a:r>
+          </a:p>
+          <a:p>
+            <a:r>
+              <a:rPr lang="zh-TW" altLang="en-US" dirty="0"/>
+              <a:t>傳輸的資源：</a:t>
+            </a:r>
+            <a:r>
+              <a:rPr lang="en-US" altLang="zh-TW" dirty="0"/>
+              <a:t>Web</a:t>
+            </a:r>
+            <a:r>
+              <a:rPr lang="zh-TW" altLang="en-US" dirty="0"/>
+              <a:t>服務接受與返回的網際網路媒體類型，比如：</a:t>
+            </a:r>
+            <a:r>
+              <a:rPr lang="en-US" altLang="zh-TW" dirty="0"/>
+              <a:t>JSON</a:t>
+            </a:r>
+            <a:r>
+              <a:rPr lang="zh-TW" altLang="en-US" dirty="0"/>
+              <a:t>，</a:t>
+            </a:r>
+            <a:r>
+              <a:rPr lang="en-US" altLang="zh-TW" dirty="0"/>
+              <a:t>XML</a:t>
+            </a:r>
+            <a:r>
+              <a:rPr lang="zh-TW" altLang="en-US" dirty="0"/>
+              <a:t>，</a:t>
+            </a:r>
+            <a:r>
+              <a:rPr lang="en-US" altLang="zh-TW" dirty="0"/>
+              <a:t>YAML</a:t>
+            </a:r>
+            <a:r>
+              <a:rPr lang="zh-TW" altLang="en-US" dirty="0"/>
+              <a:t>等。</a:t>
+            </a:r>
+          </a:p>
+          <a:p>
+            <a:r>
+              <a:rPr lang="zh-TW" altLang="en-US" dirty="0"/>
+              <a:t>對資源的操作：</a:t>
+            </a:r>
+            <a:r>
+              <a:rPr lang="en-US" altLang="zh-TW" dirty="0"/>
+              <a:t>Web</a:t>
+            </a:r>
+            <a:r>
+              <a:rPr lang="zh-TW" altLang="en-US" dirty="0"/>
+              <a:t>服務在該資源上所支持的一系列請求方法（比如：</a:t>
+            </a:r>
+            <a:r>
+              <a:rPr lang="en-US" altLang="zh-TW" dirty="0"/>
+              <a:t>POST</a:t>
+            </a:r>
+            <a:r>
+              <a:rPr lang="zh-TW" altLang="en-US" dirty="0"/>
+              <a:t>，</a:t>
+            </a:r>
+            <a:r>
+              <a:rPr lang="en-US" altLang="zh-TW" dirty="0"/>
+              <a:t>GET</a:t>
+            </a:r>
+            <a:r>
+              <a:rPr lang="zh-TW" altLang="en-US" dirty="0"/>
+              <a:t>，</a:t>
+            </a:r>
+            <a:r>
+              <a:rPr lang="en-US" altLang="zh-TW" dirty="0"/>
+              <a:t>PUT</a:t>
+            </a:r>
+            <a:r>
+              <a:rPr lang="zh-TW" altLang="en-US" dirty="0"/>
+              <a:t>或</a:t>
+            </a:r>
+            <a:r>
+              <a:rPr lang="en-US" altLang="zh-TW" dirty="0"/>
+              <a:t>DELETE</a:t>
+            </a:r>
+            <a:r>
+              <a:rPr lang="zh-TW" altLang="en-US" dirty="0"/>
+              <a:t>）。</a:t>
+            </a:r>
+          </a:p>
+        </p:txBody>
+      </p:sp>
+      <p:sp>
+        <p:nvSpPr>
+          <p:cNvPr id="4" name="投影片編號版面配置區 3"/>
+          <p:cNvSpPr>
+            <a:spLocks noGrp="1"/>
+          </p:cNvSpPr>
+          <p:nvPr>
+            <p:ph type="sldNum" sz="quarter" idx="12"/>
+          </p:nvPr>
+        </p:nvSpPr>
+        <p:spPr/>
+        <p:txBody>
+          <a:bodyPr/>
           <a:lstStyle/>
           <a:p>
             <a:fld id="{D466FAAA-B4AD-4AFB-AEBE-069464B45C14}" type="slidenum">
@@ -8697,7 +8895,7 @@
     </p:spTree>
     <p:extLst>
       <p:ext uri="{BB962C8B-B14F-4D97-AF65-F5344CB8AC3E}">
-        <p14:creationId xmlns:p14="http://schemas.microsoft.com/office/powerpoint/2010/main" val="1744813421"/>
+        <p14:creationId xmlns:p14="http://schemas.microsoft.com/office/powerpoint/2010/main" val="406477992"/>
       </p:ext>
     </p:extLst>
   </p:cSld>
@@ -8741,9 +8939,12 @@
           <a:p>
             <a:r>
               <a:rPr lang="en-US" altLang="zh-TW" dirty="0"/>
-              <a:t>Hands-On Lab2</a:t>
-            </a:r>
-            <a:endParaRPr lang="zh-TW" altLang="en-US" dirty="0"/>
+              <a:t>REST</a:t>
+            </a:r>
+            <a:r>
+              <a:rPr lang="zh-TW" altLang="en-US" dirty="0"/>
+              <a:t>的優點</a:t>
+            </a:r>
           </a:p>
         </p:txBody>
       </p:sp>
@@ -8764,21 +8965,53 @@
           <a:p>
             <a:r>
               <a:rPr lang="zh-TW" altLang="en-US" dirty="0"/>
-              <a:t>查</a:t>
+              <a:t>可更高效利用快取來提高響應速度</a:t>
+            </a:r>
+          </a:p>
+          <a:p>
+            <a:r>
+              <a:rPr lang="zh-TW" altLang="en-US" dirty="0"/>
+              <a:t>通訊本身的無狀態性可以讓不同的伺服器的處理一系列請求中的不同請求，提高伺服器的擴展性</a:t>
+            </a:r>
+          </a:p>
+          <a:p>
+            <a:r>
+              <a:rPr lang="zh-TW" altLang="en-US" dirty="0"/>
+              <a:t>瀏覽器即可作為客戶端，簡化軟體需求</a:t>
+            </a:r>
+          </a:p>
+          <a:p>
+            <a:r>
+              <a:rPr lang="zh-TW" altLang="en-US" dirty="0"/>
+              <a:t>相對於其他疊加在</a:t>
             </a:r>
             <a:r>
               <a:rPr lang="en-US" altLang="zh-TW" dirty="0"/>
-              <a:t>Calendar</a:t>
-            </a:r>
-          </a:p>
-          <a:p>
+              <a:t>HTTP</a:t>
+            </a:r>
             <a:r>
               <a:rPr lang="zh-TW" altLang="en-US" dirty="0"/>
-              <a:t>動手作：建立</a:t>
+              <a:t>協議之上的機制，</a:t>
             </a:r>
             <a:r>
               <a:rPr lang="en-US" altLang="zh-TW" dirty="0"/>
-              <a:t>Event</a:t>
+              <a:t>REST</a:t>
+            </a:r>
+            <a:r>
+              <a:rPr lang="zh-TW" altLang="en-US" dirty="0"/>
+              <a:t>的軟體相依性更小</a:t>
+            </a:r>
+          </a:p>
+          <a:p>
+            <a:r>
+              <a:rPr lang="zh-TW" altLang="en-US" dirty="0"/>
+              <a:t>不需要額外的資源發現機制</a:t>
+            </a:r>
+          </a:p>
+          <a:p>
+            <a:r>
+              <a:rPr lang="zh-TW" altLang="en-US" dirty="0"/>
+              <a:t>在軟體技術演進中的長期的相容性更好</a:t>
             </a:r>
           </a:p>
         </p:txBody>
@@ -8809,7 +9042,7 @@
     </p:spTree>
     <p:extLst>
       <p:ext uri="{BB962C8B-B14F-4D97-AF65-F5344CB8AC3E}">
-        <p14:creationId xmlns:p14="http://schemas.microsoft.com/office/powerpoint/2010/main" val="1929928842"/>
+        <p14:creationId xmlns:p14="http://schemas.microsoft.com/office/powerpoint/2010/main" val="3888360658"/>
       </p:ext>
     </p:extLst>
   </p:cSld>
@@ -8846,56 +9079,22 @@
             <p:ph type="title"/>
           </p:nvPr>
         </p:nvSpPr>
-        <p:spPr/>
+        <p:spPr>
+          <a:xfrm>
+            <a:off x="646111" y="2910693"/>
+            <a:ext cx="9404723" cy="1400530"/>
+          </a:xfrm>
+        </p:spPr>
         <p:txBody>
           <a:bodyPr/>
           <a:lstStyle/>
           <a:p>
+            <a:pPr algn="ctr"/>
             <a:r>
               <a:rPr lang="en-US" altLang="zh-TW" dirty="0"/>
-              <a:t>Hands-On Lab3</a:t>
+              <a:t>Break time</a:t>
             </a:r>
             <a:endParaRPr lang="zh-TW" altLang="en-US" dirty="0"/>
-          </a:p>
-        </p:txBody>
-      </p:sp>
-      <p:sp>
-        <p:nvSpPr>
-          <p:cNvPr id="3" name="內容版面配置區 2"/>
-          <p:cNvSpPr>
-            <a:spLocks noGrp="1"/>
-          </p:cNvSpPr>
-          <p:nvPr>
-            <p:ph idx="1"/>
-          </p:nvPr>
-        </p:nvSpPr>
-        <p:spPr/>
-        <p:txBody>
-          <a:bodyPr/>
-          <a:lstStyle/>
-          <a:p>
-            <a:r>
-              <a:rPr lang="zh-TW" altLang="en-US" dirty="0"/>
-              <a:t>讀 </a:t>
-            </a:r>
-            <a:r>
-              <a:rPr lang="en-US" altLang="zh-TW" dirty="0"/>
-              <a:t>OneDrive </a:t>
-            </a:r>
-            <a:r>
-              <a:rPr lang="zh-TW" altLang="en-US" dirty="0"/>
-              <a:t>列表</a:t>
-            </a:r>
-            <a:endParaRPr lang="en-US" altLang="zh-TW" dirty="0"/>
-          </a:p>
-          <a:p>
-            <a:endParaRPr lang="en-US" altLang="zh-TW" dirty="0"/>
-          </a:p>
-          <a:p>
-            <a:r>
-              <a:rPr lang="zh-TW" altLang="en-US" dirty="0"/>
-              <a:t>動手做：下載附件</a:t>
-            </a:r>
           </a:p>
         </p:txBody>
       </p:sp>
@@ -8925,7 +9124,7 @@
     </p:spTree>
     <p:extLst>
       <p:ext uri="{BB962C8B-B14F-4D97-AF65-F5344CB8AC3E}">
-        <p14:creationId xmlns:p14="http://schemas.microsoft.com/office/powerpoint/2010/main" val="2264714924"/>
+        <p14:creationId xmlns:p14="http://schemas.microsoft.com/office/powerpoint/2010/main" val="3595162902"/>
       </p:ext>
     </p:extLst>
   </p:cSld>
@@ -8954,428 +9153,7 @@
       </p:grpSpPr>
       <p:sp>
         <p:nvSpPr>
-          <p:cNvPr id="4" name="投影片編號版面配置區 3"/>
-          <p:cNvSpPr>
-            <a:spLocks noGrp="1"/>
-          </p:cNvSpPr>
-          <p:nvPr>
-            <p:ph type="sldNum" sz="quarter" idx="12"/>
-          </p:nvPr>
-        </p:nvSpPr>
-        <p:spPr/>
-        <p:txBody>
-          <a:bodyPr/>
-          <a:lstStyle/>
-          <a:p>
-            <a:fld id="{D466FAAA-B4AD-4AFB-AEBE-069464B45C14}" type="slidenum">
-              <a:rPr lang="zh-TW" altLang="en-US" smtClean="0"/>
-              <a:t>18</a:t>
-            </a:fld>
-            <a:endParaRPr lang="zh-TW" altLang="en-US"/>
-          </a:p>
-        </p:txBody>
-      </p:sp>
-      <p:sp>
-        <p:nvSpPr>
-          <p:cNvPr id="5" name="標題 1"/>
-          <p:cNvSpPr txBox="1">
-            <a:spLocks/>
-          </p:cNvSpPr>
-          <p:nvPr/>
-        </p:nvSpPr>
-        <p:spPr>
-          <a:xfrm>
-            <a:off x="646111" y="2700967"/>
-            <a:ext cx="9404723" cy="1400530"/>
-          </a:xfrm>
-          <a:prstGeom prst="rect">
-            <a:avLst/>
-          </a:prstGeom>
-        </p:spPr>
-        <p:txBody>
-          <a:bodyPr vert="horz" lIns="91440" tIns="45720" rIns="91440" bIns="45720" rtlCol="0" anchor="t">
-            <a:noAutofit/>
-          </a:bodyPr>
-          <a:lstStyle>
-            <a:lvl1pPr algn="l" defTabSz="457200" rtl="0" eaLnBrk="1" latinLnBrk="0" hangingPunct="1">
-              <a:spcBef>
-                <a:spcPct val="0"/>
-              </a:spcBef>
-              <a:buNone/>
-              <a:defRPr sz="4200" b="0" i="0" kern="1200">
-                <a:solidFill>
-                  <a:schemeClr val="tx2"/>
-                </a:solidFill>
-                <a:latin typeface="+mj-lt"/>
-                <a:ea typeface="+mj-ea"/>
-                <a:cs typeface="+mj-cs"/>
-              </a:defRPr>
-            </a:lvl1pPr>
-            <a:lvl2pPr eaLnBrk="1" hangingPunct="1">
-              <a:defRPr>
-                <a:solidFill>
-                  <a:schemeClr val="tx2"/>
-                </a:solidFill>
-              </a:defRPr>
-            </a:lvl2pPr>
-            <a:lvl3pPr eaLnBrk="1" hangingPunct="1">
-              <a:defRPr>
-                <a:solidFill>
-                  <a:schemeClr val="tx2"/>
-                </a:solidFill>
-              </a:defRPr>
-            </a:lvl3pPr>
-            <a:lvl4pPr eaLnBrk="1" hangingPunct="1">
-              <a:defRPr>
-                <a:solidFill>
-                  <a:schemeClr val="tx2"/>
-                </a:solidFill>
-              </a:defRPr>
-            </a:lvl4pPr>
-            <a:lvl5pPr eaLnBrk="1" hangingPunct="1">
-              <a:defRPr>
-                <a:solidFill>
-                  <a:schemeClr val="tx2"/>
-                </a:solidFill>
-              </a:defRPr>
-            </a:lvl5pPr>
-            <a:lvl6pPr eaLnBrk="1" hangingPunct="1">
-              <a:defRPr>
-                <a:solidFill>
-                  <a:schemeClr val="tx2"/>
-                </a:solidFill>
-              </a:defRPr>
-            </a:lvl6pPr>
-            <a:lvl7pPr eaLnBrk="1" hangingPunct="1">
-              <a:defRPr>
-                <a:solidFill>
-                  <a:schemeClr val="tx2"/>
-                </a:solidFill>
-              </a:defRPr>
-            </a:lvl7pPr>
-            <a:lvl8pPr eaLnBrk="1" hangingPunct="1">
-              <a:defRPr>
-                <a:solidFill>
-                  <a:schemeClr val="tx2"/>
-                </a:solidFill>
-              </a:defRPr>
-            </a:lvl8pPr>
-            <a:lvl9pPr eaLnBrk="1" hangingPunct="1">
-              <a:defRPr>
-                <a:solidFill>
-                  <a:schemeClr val="tx2"/>
-                </a:solidFill>
-              </a:defRPr>
-            </a:lvl9pPr>
-          </a:lstStyle>
-          <a:p>
-            <a:pPr algn="ctr"/>
-            <a:r>
-              <a:rPr lang="en-US" altLang="zh-TW" sz="9600" dirty="0"/>
-              <a:t>Q&amp;A</a:t>
-            </a:r>
-            <a:endParaRPr lang="zh-TW" altLang="en-US" sz="9600" dirty="0"/>
-          </a:p>
-        </p:txBody>
-      </p:sp>
-    </p:spTree>
-    <p:extLst>
-      <p:ext uri="{BB962C8B-B14F-4D97-AF65-F5344CB8AC3E}">
-        <p14:creationId xmlns:p14="http://schemas.microsoft.com/office/powerpoint/2010/main" val="1995766345"/>
-      </p:ext>
-    </p:extLst>
-  </p:cSld>
-  <p:clrMapOvr>
-    <a:masterClrMapping/>
-  </p:clrMapOvr>
-</p:sld>
-</file>
-
-<file path=ppt/slides/slide19.xml><?xml version="1.0" encoding="utf-8"?>
-<p:sld xmlns:a="http://schemas.openxmlformats.org/drawingml/2006/main" xmlns:r="http://schemas.openxmlformats.org/officeDocument/2006/relationships" xmlns:p="http://schemas.openxmlformats.org/presentationml/2006/main">
-  <p:cSld>
-    <p:spTree>
-      <p:nvGrpSpPr>
-        <p:cNvPr id="1" name=""/>
-        <p:cNvGrpSpPr/>
-        <p:nvPr/>
-      </p:nvGrpSpPr>
-      <p:grpSpPr>
-        <a:xfrm>
-          <a:off x="0" y="0"/>
-          <a:ext cx="0" cy="0"/>
-          <a:chOff x="0" y="0"/>
-          <a:chExt cx="0" cy="0"/>
-        </a:xfrm>
-      </p:grpSpPr>
-      <p:sp>
-        <p:nvSpPr>
-          <p:cNvPr id="2" name="標題 1"/>
-          <p:cNvSpPr>
-            <a:spLocks noGrp="1"/>
-          </p:cNvSpPr>
-          <p:nvPr>
-            <p:ph type="title"/>
-          </p:nvPr>
-        </p:nvSpPr>
-        <p:spPr/>
-        <p:txBody>
-          <a:bodyPr/>
-          <a:lstStyle/>
-          <a:p>
-            <a:r>
-              <a:rPr lang="en-US" altLang="zh-TW" dirty="0"/>
-              <a:t>See you next section!</a:t>
-            </a:r>
-            <a:endParaRPr lang="zh-TW" altLang="en-US" dirty="0"/>
-          </a:p>
-        </p:txBody>
-      </p:sp>
-      <p:sp>
-        <p:nvSpPr>
-          <p:cNvPr id="3" name="內容版面配置區 2"/>
-          <p:cNvSpPr>
-            <a:spLocks noGrp="1"/>
-          </p:cNvSpPr>
-          <p:nvPr>
-            <p:ph idx="1"/>
-          </p:nvPr>
-        </p:nvSpPr>
-        <p:spPr/>
-        <p:txBody>
-          <a:bodyPr/>
-          <a:lstStyle/>
-          <a:p>
-            <a:endParaRPr lang="zh-TW" altLang="en-US" dirty="0"/>
-          </a:p>
-        </p:txBody>
-      </p:sp>
-      <p:sp>
-        <p:nvSpPr>
-          <p:cNvPr id="4" name="投影片編號版面配置區 3"/>
-          <p:cNvSpPr>
-            <a:spLocks noGrp="1"/>
-          </p:cNvSpPr>
-          <p:nvPr>
-            <p:ph type="sldNum" sz="quarter" idx="12"/>
-          </p:nvPr>
-        </p:nvSpPr>
-        <p:spPr/>
-        <p:txBody>
-          <a:bodyPr/>
-          <a:lstStyle/>
-          <a:p>
-            <a:fld id="{D466FAAA-B4AD-4AFB-AEBE-069464B45C14}" type="slidenum">
-              <a:rPr lang="zh-TW" altLang="en-US" smtClean="0"/>
-              <a:t>19</a:t>
-            </a:fld>
-            <a:endParaRPr lang="zh-TW" altLang="en-US"/>
-          </a:p>
-        </p:txBody>
-      </p:sp>
-    </p:spTree>
-    <p:extLst>
-      <p:ext uri="{BB962C8B-B14F-4D97-AF65-F5344CB8AC3E}">
-        <p14:creationId xmlns:p14="http://schemas.microsoft.com/office/powerpoint/2010/main" val="945461146"/>
-      </p:ext>
-    </p:extLst>
-  </p:cSld>
-  <p:clrMapOvr>
-    <a:masterClrMapping/>
-  </p:clrMapOvr>
-</p:sld>
-</file>
-
-<file path=ppt/slides/slide2.xml><?xml version="1.0" encoding="utf-8"?>
-<p:sld xmlns:a="http://schemas.openxmlformats.org/drawingml/2006/main" xmlns:r="http://schemas.openxmlformats.org/officeDocument/2006/relationships" xmlns:p="http://schemas.openxmlformats.org/presentationml/2006/main">
-  <p:cSld>
-    <p:spTree>
-      <p:nvGrpSpPr>
-        <p:cNvPr id="1" name=""/>
-        <p:cNvGrpSpPr/>
-        <p:nvPr/>
-      </p:nvGrpSpPr>
-      <p:grpSpPr>
-        <a:xfrm>
-          <a:off x="0" y="0"/>
-          <a:ext cx="0" cy="0"/>
-          <a:chOff x="0" y="0"/>
-          <a:chExt cx="0" cy="0"/>
-        </a:xfrm>
-      </p:grpSpPr>
-      <p:sp>
-        <p:nvSpPr>
-          <p:cNvPr id="2" name="標題 1"/>
-          <p:cNvSpPr>
-            <a:spLocks noGrp="1"/>
-          </p:cNvSpPr>
-          <p:nvPr>
-            <p:ph type="title"/>
-          </p:nvPr>
-        </p:nvSpPr>
-        <p:spPr/>
-        <p:txBody>
-          <a:bodyPr/>
-          <a:lstStyle/>
-          <a:p>
-            <a:r>
-              <a:rPr lang="en-US" altLang="zh-TW" dirty="0"/>
-              <a:t>Outline</a:t>
-            </a:r>
-            <a:endParaRPr lang="zh-TW" altLang="en-US" dirty="0"/>
-          </a:p>
-        </p:txBody>
-      </p:sp>
-      <p:sp>
-        <p:nvSpPr>
-          <p:cNvPr id="3" name="內容版面配置區 2"/>
-          <p:cNvSpPr>
-            <a:spLocks noGrp="1"/>
-          </p:cNvSpPr>
-          <p:nvPr>
-            <p:ph idx="1"/>
-          </p:nvPr>
-        </p:nvSpPr>
-        <p:spPr/>
-        <p:txBody>
-          <a:bodyPr/>
-          <a:lstStyle/>
-          <a:p>
-            <a:r>
-              <a:rPr lang="en-US" altLang="zh-TW" dirty="0"/>
-              <a:t>09:30 ~ 10:30        Microsoft Graph API</a:t>
-            </a:r>
-            <a:r>
-              <a:rPr lang="zh-TW" altLang="en-US" dirty="0"/>
-              <a:t> </a:t>
-            </a:r>
-            <a:r>
-              <a:rPr lang="en-US" altLang="zh-TW" dirty="0"/>
-              <a:t>intro</a:t>
-            </a:r>
-            <a:endParaRPr lang="zh-TW" altLang="en-US" dirty="0"/>
-          </a:p>
-          <a:p>
-            <a:r>
-              <a:rPr lang="en-US" altLang="zh-TW" dirty="0"/>
-              <a:t>10:45 ~ 12:00        </a:t>
-            </a:r>
-            <a:r>
-              <a:rPr lang="zh-TW" altLang="en-US" dirty="0"/>
-              <a:t>使用</a:t>
-            </a:r>
-            <a:r>
-              <a:rPr lang="en-US" altLang="zh-TW" dirty="0"/>
-              <a:t>API Explorer </a:t>
-            </a:r>
-            <a:r>
-              <a:rPr lang="zh-TW" altLang="en-US" dirty="0"/>
-              <a:t>測試 </a:t>
-            </a:r>
-            <a:r>
-              <a:rPr lang="en-US" altLang="zh-TW" dirty="0"/>
-              <a:t>API</a:t>
-            </a:r>
-          </a:p>
-          <a:p>
-            <a:r>
-              <a:rPr lang="en-US" altLang="zh-TW" dirty="0"/>
-              <a:t>12:00 ~ 13:00        </a:t>
-            </a:r>
-            <a:r>
-              <a:rPr lang="zh-TW" altLang="en-US" dirty="0"/>
-              <a:t>午餐</a:t>
-            </a:r>
-          </a:p>
-          <a:p>
-            <a:r>
-              <a:rPr lang="en-US" altLang="zh-TW" dirty="0"/>
-              <a:t>13:20 ~ 14:30        Hands-On Lab 1</a:t>
-            </a:r>
-          </a:p>
-          <a:p>
-            <a:r>
-              <a:rPr lang="en-US" altLang="zh-TW" dirty="0"/>
-              <a:t>14:30 ~ 15:30        Hands-On Lab 2</a:t>
-            </a:r>
-          </a:p>
-          <a:p>
-            <a:r>
-              <a:rPr lang="en-US" altLang="zh-TW" dirty="0"/>
-              <a:t>15:30 ~ 16:00        Break</a:t>
-            </a:r>
-          </a:p>
-          <a:p>
-            <a:r>
-              <a:rPr lang="en-US" altLang="zh-TW" dirty="0"/>
-              <a:t>16:00 ~ 17:30        Hands-On Lab 3</a:t>
-            </a:r>
-          </a:p>
-          <a:p>
-            <a:r>
-              <a:rPr lang="en-US" altLang="zh-TW" dirty="0"/>
-              <a:t>17:30 ~ 18:00        Q &amp; A</a:t>
-            </a:r>
-            <a:endParaRPr lang="zh-TW" altLang="en-US" dirty="0"/>
-          </a:p>
-        </p:txBody>
-      </p:sp>
-      <p:sp>
-        <p:nvSpPr>
-          <p:cNvPr id="4" name="投影片編號版面配置區 3"/>
-          <p:cNvSpPr>
-            <a:spLocks noGrp="1"/>
-          </p:cNvSpPr>
-          <p:nvPr>
-            <p:ph type="sldNum" sz="quarter" idx="12"/>
-          </p:nvPr>
-        </p:nvSpPr>
-        <p:spPr/>
-        <p:txBody>
-          <a:bodyPr/>
-          <a:lstStyle/>
-          <a:p>
-            <a:fld id="{D466FAAA-B4AD-4AFB-AEBE-069464B45C14}" type="slidenum">
-              <a:rPr lang="zh-TW" altLang="en-US" smtClean="0"/>
-              <a:t>2</a:t>
-            </a:fld>
-            <a:endParaRPr lang="zh-TW" altLang="en-US"/>
-          </a:p>
-        </p:txBody>
-      </p:sp>
-    </p:spTree>
-    <p:extLst>
-      <p:ext uri="{BB962C8B-B14F-4D97-AF65-F5344CB8AC3E}">
-        <p14:creationId xmlns:p14="http://schemas.microsoft.com/office/powerpoint/2010/main" val="3225189852"/>
-      </p:ext>
-    </p:extLst>
-  </p:cSld>
-  <p:clrMapOvr>
-    <a:masterClrMapping/>
-  </p:clrMapOvr>
-</p:sld>
-</file>
-
-<file path=ppt/slides/slide3.xml><?xml version="1.0" encoding="utf-8"?>
-<p:sld xmlns:a="http://schemas.openxmlformats.org/drawingml/2006/main" xmlns:r="http://schemas.openxmlformats.org/officeDocument/2006/relationships" xmlns:p="http://schemas.openxmlformats.org/presentationml/2006/main">
-  <p:cSld>
-    <p:spTree>
-      <p:nvGrpSpPr>
-        <p:cNvPr id="1" name=""/>
-        <p:cNvGrpSpPr/>
-        <p:nvPr/>
-      </p:nvGrpSpPr>
-      <p:grpSpPr>
-        <a:xfrm>
-          <a:off x="0" y="0"/>
-          <a:ext cx="0" cy="0"/>
-          <a:chOff x="0" y="0"/>
-          <a:chExt cx="0" cy="0"/>
-        </a:xfrm>
-      </p:grpSpPr>
-      <p:sp>
-        <p:nvSpPr>
-          <p:cNvPr id="11" name="Rectangle 10"/>
+          <p:cNvPr id="11" name="Rectangle 6"/>
           <p:cNvSpPr>
             <a:spLocks noGrp="1" noRot="1" noChangeAspect="1" noMove="1" noResize="1" noEditPoints="1" noAdjustHandles="1" noChangeArrowheads="1" noChangeShapeType="1" noTextEdit="1"/>
           </p:cNvSpPr>
@@ -9964,7 +9742,7 @@
       </p:sp>
       <p:pic>
         <p:nvPicPr>
-          <p:cNvPr id="7" name="內容版面配置區 4"/>
+          <p:cNvPr id="5" name="圖片 4"/>
           <p:cNvPicPr>
             <a:picLocks noChangeAspect="1"/>
           </p:cNvPicPr>
@@ -9978,8 +9756,8 @@
         </p:blipFill>
         <p:spPr>
           <a:xfrm>
-            <a:off x="6093992" y="2175524"/>
-            <a:ext cx="5449889" cy="2506949"/>
+            <a:off x="6093992" y="1480663"/>
+            <a:ext cx="5449889" cy="3896670"/>
           </a:xfrm>
           <a:prstGeom prst="rect">
             <a:avLst/>
@@ -9989,7 +9767,7 @@
       </p:pic>
       <p:sp>
         <p:nvSpPr>
-          <p:cNvPr id="14" name="Rectangle 13"/>
+          <p:cNvPr id="14" name="Rectangle 9"/>
           <p:cNvSpPr>
             <a:spLocks noGrp="1" noRot="1" noChangeAspect="1" noMove="1" noResize="1" noEditPoints="1" noAdjustHandles="1" noChangeArrowheads="1" noChangeShapeType="1" noTextEdit="1"/>
           </p:cNvSpPr>
@@ -10054,49 +9832,16 @@
           <a:lstStyle/>
           <a:p>
             <a:r>
-              <a:rPr lang="en-US" altLang="zh-TW" sz="3900" dirty="0"/>
-              <a:t>Microsoft Graph API</a:t>
-            </a:r>
-            <a:r>
-              <a:rPr lang="zh-TW" altLang="en-US" sz="3900" dirty="0"/>
-              <a:t> </a:t>
-            </a:r>
-            <a:r>
-              <a:rPr lang="en-US" altLang="zh-TW" sz="3900" dirty="0"/>
-              <a:t>intro</a:t>
-            </a:r>
-            <a:endParaRPr lang="zh-TW" altLang="en-US" sz="3900" dirty="0"/>
-          </a:p>
-        </p:txBody>
-      </p:sp>
-      <p:sp>
-        <p:nvSpPr>
-          <p:cNvPr id="4" name="投影片編號版面配置區 3"/>
-          <p:cNvSpPr>
-            <a:spLocks noGrp="1"/>
-          </p:cNvSpPr>
-          <p:nvPr>
-            <p:ph type="sldNum" sz="quarter" idx="12"/>
-          </p:nvPr>
-        </p:nvSpPr>
-        <p:spPr/>
-        <p:txBody>
-          <a:bodyPr>
-            <a:normAutofit/>
-          </a:bodyPr>
-          <a:lstStyle/>
-          <a:p>
-            <a:fld id="{D466FAAA-B4AD-4AFB-AEBE-069464B45C14}" type="slidenum">
-              <a:rPr lang="zh-TW" altLang="en-US" smtClean="0"/>
-              <a:t>3</a:t>
-            </a:fld>
-            <a:endParaRPr lang="zh-TW" altLang="en-US"/>
-          </a:p>
-        </p:txBody>
-      </p:sp>
-      <p:sp>
-        <p:nvSpPr>
-          <p:cNvPr id="9" name="Content Placeholder 8"/>
+              <a:rPr lang="en-US" altLang="zh-TW" dirty="0"/>
+              <a:t>Setting</a:t>
+            </a:r>
+            <a:endParaRPr lang="zh-TW" altLang="en-US" dirty="0"/>
+          </a:p>
+        </p:txBody>
+      </p:sp>
+      <p:sp>
+        <p:nvSpPr>
+          <p:cNvPr id="3" name="內容版面配置區 2"/>
           <p:cNvSpPr>
             <a:spLocks noGrp="1"/>
           </p:cNvSpPr>
@@ -10118,24 +9863,74 @@
           <a:p>
             <a:r>
               <a:rPr lang="en-US" altLang="zh-TW" dirty="0"/>
-              <a:t>Microsoft Graph (previously called Office 365 unified API) exposes multiple APIs from Microsoft cloud services through a single REST API endpoint (</a:t>
-            </a:r>
-            <a:r>
-              <a:rPr lang="en-US" altLang="zh-TW" b="1" dirty="0"/>
-              <a:t>https://graph.microsoft.com</a:t>
+              <a:t>Sign up a developer account (</a:t>
+            </a:r>
+            <a:r>
+              <a:rPr lang="en-US" altLang="zh-TW" dirty="0" err="1">
+                <a:hlinkClick r:id="rId3"/>
+              </a:rPr>
+              <a:t>gotoLink</a:t>
             </a:r>
             <a:r>
               <a:rPr lang="en-US" altLang="zh-TW" dirty="0"/>
-              <a:t>). Using the Microsoft Graph, you can turn formerly difficult or complex queries into simple navigations.</a:t>
-            </a:r>
-            <a:endParaRPr lang="en-US" dirty="0"/>
+              <a:t>)</a:t>
+            </a:r>
+          </a:p>
+          <a:p>
+            <a:r>
+              <a:rPr lang="en-US" altLang="zh-TW" dirty="0"/>
+              <a:t>Login Office365:prepare email , Calendar and </a:t>
+            </a:r>
+            <a:r>
+              <a:rPr lang="en-US" altLang="zh-TW" dirty="0" err="1"/>
+              <a:t>onedrive</a:t>
+            </a:r>
+            <a:r>
+              <a:rPr lang="en-US" altLang="zh-TW" dirty="0"/>
+              <a:t> (</a:t>
+            </a:r>
+            <a:r>
+              <a:rPr lang="en-US" altLang="zh-TW" dirty="0" err="1">
+                <a:hlinkClick r:id="rId4"/>
+              </a:rPr>
+              <a:t>gotoLink</a:t>
+            </a:r>
+            <a:r>
+              <a:rPr lang="en-US" altLang="zh-TW" dirty="0"/>
+              <a:t>)</a:t>
+            </a:r>
+          </a:p>
+        </p:txBody>
+      </p:sp>
+      <p:sp>
+        <p:nvSpPr>
+          <p:cNvPr id="4" name="投影片編號版面配置區 3"/>
+          <p:cNvSpPr>
+            <a:spLocks noGrp="1"/>
+          </p:cNvSpPr>
+          <p:nvPr>
+            <p:ph type="sldNum" sz="quarter" idx="12"/>
+          </p:nvPr>
+        </p:nvSpPr>
+        <p:spPr/>
+        <p:txBody>
+          <a:bodyPr>
+            <a:normAutofit/>
+          </a:bodyPr>
+          <a:lstStyle/>
+          <a:p>
+            <a:fld id="{D466FAAA-B4AD-4AFB-AEBE-069464B45C14}" type="slidenum">
+              <a:rPr lang="zh-TW" altLang="en-US" smtClean="0"/>
+              <a:t>18</a:t>
+            </a:fld>
+            <a:endParaRPr lang="zh-TW" altLang="en-US"/>
           </a:p>
         </p:txBody>
       </p:sp>
     </p:spTree>
     <p:extLst>
       <p:ext uri="{BB962C8B-B14F-4D97-AF65-F5344CB8AC3E}">
-        <p14:creationId xmlns:p14="http://schemas.microsoft.com/office/powerpoint/2010/main" val="1658513157"/>
+        <p14:creationId xmlns:p14="http://schemas.microsoft.com/office/powerpoint/2010/main" val="3108244944"/>
       </p:ext>
     </p:extLst>
   </p:cSld>
@@ -10145,7 +9940,7 @@
 </p:sld>
 </file>
 
-<file path=ppt/slides/slide4.xml><?xml version="1.0" encoding="utf-8"?>
+<file path=ppt/slides/slide19.xml><?xml version="1.0" encoding="utf-8"?>
 <p:sld xmlns:a="http://schemas.openxmlformats.org/drawingml/2006/main" xmlns:r="http://schemas.openxmlformats.org/officeDocument/2006/relationships" xmlns:p="http://schemas.openxmlformats.org/presentationml/2006/main">
   <p:cSld>
     <p:spTree>
@@ -10164,61 +9959,764 @@
       </p:grpSpPr>
       <p:sp>
         <p:nvSpPr>
-          <p:cNvPr id="8" name="Rectangle 7"/>
-          <p:cNvSpPr>
-            <a:spLocks noGrp="1" noRot="1" noChangeAspect="1" noMove="1" noResize="1" noEditPoints="1" noAdjustHandles="1" noChangeArrowheads="1" noChangeShapeType="1" noTextEdit="1"/>
-          </p:cNvSpPr>
-          <p:nvPr>
-            <p:extLst>
-              <p:ext uri="{386F3935-93C4-4BCD-93E2-E3B085C9AB24}">
-                <p16:designElem xmlns:p16="http://schemas.microsoft.com/office/powerpoint/2015/main" val="1"/>
-              </p:ext>
-            </p:extLst>
+          <p:cNvPr id="2" name="標題 1"/>
+          <p:cNvSpPr>
+            <a:spLocks noGrp="1"/>
+          </p:cNvSpPr>
+          <p:nvPr>
+            <p:ph type="title"/>
+          </p:nvPr>
+        </p:nvSpPr>
+        <p:spPr/>
+        <p:txBody>
+          <a:bodyPr/>
+          <a:lstStyle/>
+          <a:p>
+            <a:r>
+              <a:rPr lang="en-US" altLang="zh-TW" dirty="0"/>
+              <a:t>Graph API Explorer</a:t>
+            </a:r>
+            <a:endParaRPr lang="zh-TW" altLang="en-US" dirty="0"/>
+          </a:p>
+        </p:txBody>
+      </p:sp>
+      <p:sp>
+        <p:nvSpPr>
+          <p:cNvPr id="3" name="內容版面配置區 2"/>
+          <p:cNvSpPr>
+            <a:spLocks noGrp="1"/>
+          </p:cNvSpPr>
+          <p:nvPr>
+            <p:ph idx="1"/>
+          </p:nvPr>
+        </p:nvSpPr>
+        <p:spPr/>
+        <p:txBody>
+          <a:bodyPr/>
+          <a:lstStyle/>
+          <a:p>
+            <a:r>
+              <a:rPr lang="en-US" altLang="zh-TW" dirty="0"/>
+              <a:t>Login with dev account &amp; get start( </a:t>
+            </a:r>
+            <a:r>
+              <a:rPr lang="en-US" altLang="zh-TW" dirty="0">
+                <a:hlinkClick r:id="rId2"/>
+              </a:rPr>
+              <a:t>https://graph.microsoft.io/</a:t>
+            </a:r>
+            <a:r>
+              <a:rPr lang="en-US" altLang="zh-TW" dirty="0"/>
+              <a:t> )</a:t>
+            </a:r>
+          </a:p>
+          <a:p>
+            <a:r>
+              <a:rPr lang="en-US" altLang="zh-TW" dirty="0"/>
+              <a:t>Query parameters( </a:t>
+            </a:r>
+            <a:r>
+              <a:rPr lang="en-US" altLang="zh-TW" dirty="0" err="1">
+                <a:hlinkClick r:id="rId3"/>
+              </a:rPr>
+              <a:t>gotoLink</a:t>
+            </a:r>
+            <a:r>
+              <a:rPr lang="en-US" altLang="zh-TW" dirty="0"/>
+              <a:t> )</a:t>
+            </a:r>
+            <a:endParaRPr lang="zh-TW" altLang="en-US" dirty="0"/>
+          </a:p>
+        </p:txBody>
+      </p:sp>
+      <p:sp>
+        <p:nvSpPr>
+          <p:cNvPr id="4" name="投影片編號版面配置區 3"/>
+          <p:cNvSpPr>
+            <a:spLocks noGrp="1"/>
+          </p:cNvSpPr>
+          <p:nvPr>
+            <p:ph type="sldNum" sz="quarter" idx="12"/>
+          </p:nvPr>
+        </p:nvSpPr>
+        <p:spPr/>
+        <p:txBody>
+          <a:bodyPr/>
+          <a:lstStyle/>
+          <a:p>
+            <a:fld id="{D466FAAA-B4AD-4AFB-AEBE-069464B45C14}" type="slidenum">
+              <a:rPr lang="zh-TW" altLang="en-US" smtClean="0"/>
+              <a:t>19</a:t>
+            </a:fld>
+            <a:endParaRPr lang="zh-TW" altLang="en-US"/>
+          </a:p>
+        </p:txBody>
+      </p:sp>
+    </p:spTree>
+    <p:extLst>
+      <p:ext uri="{BB962C8B-B14F-4D97-AF65-F5344CB8AC3E}">
+        <p14:creationId xmlns:p14="http://schemas.microsoft.com/office/powerpoint/2010/main" val="2782137227"/>
+      </p:ext>
+    </p:extLst>
+  </p:cSld>
+  <p:clrMapOvr>
+    <a:masterClrMapping/>
+  </p:clrMapOvr>
+</p:sld>
+</file>
+
+<file path=ppt/slides/slide2.xml><?xml version="1.0" encoding="utf-8"?>
+<p:sld xmlns:a="http://schemas.openxmlformats.org/drawingml/2006/main" xmlns:r="http://schemas.openxmlformats.org/officeDocument/2006/relationships" xmlns:p="http://schemas.openxmlformats.org/presentationml/2006/main">
+  <p:cSld>
+    <p:spTree>
+      <p:nvGrpSpPr>
+        <p:cNvPr id="1" name=""/>
+        <p:cNvGrpSpPr/>
+        <p:nvPr/>
+      </p:nvGrpSpPr>
+      <p:grpSpPr>
+        <a:xfrm>
+          <a:off x="0" y="0"/>
+          <a:ext cx="0" cy="0"/>
+          <a:chOff x="0" y="0"/>
+          <a:chExt cx="0" cy="0"/>
+        </a:xfrm>
+      </p:grpSpPr>
+      <p:sp>
+        <p:nvSpPr>
+          <p:cNvPr id="2" name="標題 1"/>
+          <p:cNvSpPr>
+            <a:spLocks noGrp="1"/>
+          </p:cNvSpPr>
+          <p:nvPr>
+            <p:ph type="title"/>
+          </p:nvPr>
+        </p:nvSpPr>
+        <p:spPr/>
+        <p:txBody>
+          <a:bodyPr/>
+          <a:lstStyle/>
+          <a:p>
+            <a:r>
+              <a:rPr lang="en-US" altLang="zh-TW" dirty="0"/>
+              <a:t>Outline</a:t>
+            </a:r>
+            <a:endParaRPr lang="zh-TW" altLang="en-US" dirty="0"/>
+          </a:p>
+        </p:txBody>
+      </p:sp>
+      <p:sp>
+        <p:nvSpPr>
+          <p:cNvPr id="3" name="內容版面配置區 2"/>
+          <p:cNvSpPr>
+            <a:spLocks noGrp="1"/>
+          </p:cNvSpPr>
+          <p:nvPr>
+            <p:ph idx="1"/>
+          </p:nvPr>
+        </p:nvSpPr>
+        <p:spPr/>
+        <p:txBody>
+          <a:bodyPr/>
+          <a:lstStyle/>
+          <a:p>
+            <a:r>
+              <a:rPr lang="en-US" altLang="zh-TW" dirty="0"/>
+              <a:t>09:30 ~ 10:30        Microsoft Graph API</a:t>
+            </a:r>
+            <a:r>
+              <a:rPr lang="zh-TW" altLang="en-US" dirty="0"/>
+              <a:t> </a:t>
+            </a:r>
+            <a:r>
+              <a:rPr lang="en-US" altLang="zh-TW" dirty="0"/>
+              <a:t>intro</a:t>
+            </a:r>
+            <a:endParaRPr lang="zh-TW" altLang="en-US" dirty="0"/>
+          </a:p>
+          <a:p>
+            <a:r>
+              <a:rPr lang="en-US" altLang="zh-TW" dirty="0"/>
+              <a:t>10:45 ~ 12:00        </a:t>
+            </a:r>
+            <a:r>
+              <a:rPr lang="zh-TW" altLang="en-US" dirty="0"/>
+              <a:t>使用</a:t>
+            </a:r>
+            <a:r>
+              <a:rPr lang="en-US" altLang="zh-TW" dirty="0"/>
+              <a:t>API Explorer </a:t>
+            </a:r>
+            <a:r>
+              <a:rPr lang="zh-TW" altLang="en-US" dirty="0"/>
+              <a:t>測試 </a:t>
+            </a:r>
+            <a:r>
+              <a:rPr lang="en-US" altLang="zh-TW" dirty="0"/>
+              <a:t>API</a:t>
+            </a:r>
+          </a:p>
+          <a:p>
+            <a:r>
+              <a:rPr lang="en-US" altLang="zh-TW" dirty="0"/>
+              <a:t>12:00 ~ 13:00        </a:t>
+            </a:r>
+            <a:r>
+              <a:rPr lang="zh-TW" altLang="en-US" dirty="0"/>
+              <a:t>午餐</a:t>
+            </a:r>
+          </a:p>
+          <a:p>
+            <a:r>
+              <a:rPr lang="en-US" altLang="zh-TW" dirty="0"/>
+              <a:t>13:20 ~ 14:30        Hands-On Lab 1</a:t>
+            </a:r>
+          </a:p>
+          <a:p>
+            <a:r>
+              <a:rPr lang="en-US" altLang="zh-TW" dirty="0"/>
+              <a:t>14:30 ~ 15:30        Hands-On Lab 2</a:t>
+            </a:r>
+          </a:p>
+          <a:p>
+            <a:r>
+              <a:rPr lang="en-US" altLang="zh-TW" dirty="0"/>
+              <a:t>15:30 ~ 16:00        Break</a:t>
+            </a:r>
+          </a:p>
+          <a:p>
+            <a:r>
+              <a:rPr lang="en-US" altLang="zh-TW" dirty="0"/>
+              <a:t>16:00 ~ 17:30        Hands-On Lab 3</a:t>
+            </a:r>
+          </a:p>
+          <a:p>
+            <a:r>
+              <a:rPr lang="en-US" altLang="zh-TW" dirty="0"/>
+              <a:t>17:30 ~ 18:00        Q &amp; A</a:t>
+            </a:r>
+            <a:endParaRPr lang="zh-TW" altLang="en-US" dirty="0"/>
+          </a:p>
+        </p:txBody>
+      </p:sp>
+      <p:sp>
+        <p:nvSpPr>
+          <p:cNvPr id="4" name="投影片編號版面配置區 3"/>
+          <p:cNvSpPr>
+            <a:spLocks noGrp="1"/>
+          </p:cNvSpPr>
+          <p:nvPr>
+            <p:ph type="sldNum" sz="quarter" idx="12"/>
+          </p:nvPr>
+        </p:nvSpPr>
+        <p:spPr/>
+        <p:txBody>
+          <a:bodyPr/>
+          <a:lstStyle/>
+          <a:p>
+            <a:fld id="{D466FAAA-B4AD-4AFB-AEBE-069464B45C14}" type="slidenum">
+              <a:rPr lang="zh-TW" altLang="en-US" smtClean="0"/>
+              <a:t>2</a:t>
+            </a:fld>
+            <a:endParaRPr lang="zh-TW" altLang="en-US"/>
+          </a:p>
+        </p:txBody>
+      </p:sp>
+    </p:spTree>
+    <p:extLst>
+      <p:ext uri="{BB962C8B-B14F-4D97-AF65-F5344CB8AC3E}">
+        <p14:creationId xmlns:p14="http://schemas.microsoft.com/office/powerpoint/2010/main" val="3225189852"/>
+      </p:ext>
+    </p:extLst>
+  </p:cSld>
+  <p:clrMapOvr>
+    <a:masterClrMapping/>
+  </p:clrMapOvr>
+</p:sld>
+</file>
+
+<file path=ppt/slides/slide20.xml><?xml version="1.0" encoding="utf-8"?>
+<p:sld xmlns:a="http://schemas.openxmlformats.org/drawingml/2006/main" xmlns:r="http://schemas.openxmlformats.org/officeDocument/2006/relationships" xmlns:p="http://schemas.openxmlformats.org/presentationml/2006/main">
+  <p:cSld>
+    <p:spTree>
+      <p:nvGrpSpPr>
+        <p:cNvPr id="1" name=""/>
+        <p:cNvGrpSpPr/>
+        <p:nvPr/>
+      </p:nvGrpSpPr>
+      <p:grpSpPr>
+        <a:xfrm>
+          <a:off x="0" y="0"/>
+          <a:ext cx="0" cy="0"/>
+          <a:chOff x="0" y="0"/>
+          <a:chExt cx="0" cy="0"/>
+        </a:xfrm>
+      </p:grpSpPr>
+      <p:sp>
+        <p:nvSpPr>
+          <p:cNvPr id="2" name="標題 1"/>
+          <p:cNvSpPr>
+            <a:spLocks noGrp="1"/>
+          </p:cNvSpPr>
+          <p:nvPr>
+            <p:ph type="title"/>
           </p:nvPr>
         </p:nvSpPr>
         <p:spPr>
           <a:xfrm>
-            <a:off x="6093992" y="0"/>
-            <a:ext cx="6098427" cy="6858000"/>
+            <a:off x="646111" y="452718"/>
+            <a:ext cx="9404723" cy="1400530"/>
+          </a:xfrm>
+        </p:spPr>
+        <p:txBody>
+          <a:bodyPr/>
+          <a:lstStyle/>
+          <a:p>
+            <a:r>
+              <a:rPr lang="en-US" altLang="zh-TW" dirty="0"/>
+              <a:t>Example</a:t>
+            </a:r>
+            <a:endParaRPr lang="zh-TW" altLang="en-US" dirty="0"/>
+          </a:p>
+        </p:txBody>
+      </p:sp>
+      <p:sp>
+        <p:nvSpPr>
+          <p:cNvPr id="3" name="內容版面配置區 2"/>
+          <p:cNvSpPr>
+            <a:spLocks noGrp="1"/>
+          </p:cNvSpPr>
+          <p:nvPr>
+            <p:ph idx="1"/>
+          </p:nvPr>
+        </p:nvSpPr>
+        <p:spPr>
+          <a:xfrm>
+            <a:off x="1103312" y="2052918"/>
+            <a:ext cx="8946541" cy="4195481"/>
+          </a:xfrm>
+        </p:spPr>
+        <p:txBody>
+          <a:bodyPr/>
+          <a:lstStyle/>
+          <a:p>
+            <a:r>
+              <a:rPr lang="en-US" altLang="zh-TW" dirty="0"/>
+              <a:t>Get my contacts data</a:t>
+            </a:r>
+          </a:p>
+          <a:p>
+            <a:pPr lvl="1"/>
+            <a:r>
+              <a:rPr lang="en-US" altLang="zh-TW" dirty="0"/>
+              <a:t>https://graph.microsoft.com/v1.0/me/contacts</a:t>
+            </a:r>
+          </a:p>
+          <a:p>
+            <a:r>
+              <a:rPr lang="en-US" altLang="zh-TW" dirty="0"/>
+              <a:t>Get calendar events list</a:t>
+            </a:r>
+          </a:p>
+          <a:p>
+            <a:pPr lvl="1"/>
+            <a:r>
+              <a:rPr lang="en-US" altLang="zh-TW" dirty="0"/>
+              <a:t>https://graph.microsoft.com/v1.0/me/events</a:t>
+            </a:r>
+            <a:endParaRPr lang="zh-TW" altLang="en-US" dirty="0"/>
+          </a:p>
+        </p:txBody>
+      </p:sp>
+      <p:sp>
+        <p:nvSpPr>
+          <p:cNvPr id="4" name="投影片編號版面配置區 3"/>
+          <p:cNvSpPr>
+            <a:spLocks noGrp="1"/>
+          </p:cNvSpPr>
+          <p:nvPr>
+            <p:ph type="sldNum" sz="quarter" idx="12"/>
+          </p:nvPr>
+        </p:nvSpPr>
+        <p:spPr/>
+        <p:txBody>
+          <a:bodyPr/>
+          <a:lstStyle/>
+          <a:p>
+            <a:fld id="{D466FAAA-B4AD-4AFB-AEBE-069464B45C14}" type="slidenum">
+              <a:rPr lang="zh-TW" altLang="en-US" smtClean="0"/>
+              <a:t>20</a:t>
+            </a:fld>
+            <a:endParaRPr lang="zh-TW" altLang="en-US"/>
+          </a:p>
+        </p:txBody>
+      </p:sp>
+    </p:spTree>
+    <p:extLst>
+      <p:ext uri="{BB962C8B-B14F-4D97-AF65-F5344CB8AC3E}">
+        <p14:creationId xmlns:p14="http://schemas.microsoft.com/office/powerpoint/2010/main" val="2689382856"/>
+      </p:ext>
+    </p:extLst>
+  </p:cSld>
+  <p:clrMapOvr>
+    <a:masterClrMapping/>
+  </p:clrMapOvr>
+</p:sld>
+</file>
+
+<file path=ppt/slides/slide21.xml><?xml version="1.0" encoding="utf-8"?>
+<p:sld xmlns:a="http://schemas.openxmlformats.org/drawingml/2006/main" xmlns:r="http://schemas.openxmlformats.org/officeDocument/2006/relationships" xmlns:p="http://schemas.openxmlformats.org/presentationml/2006/main">
+  <p:cSld>
+    <p:spTree>
+      <p:nvGrpSpPr>
+        <p:cNvPr id="1" name=""/>
+        <p:cNvGrpSpPr/>
+        <p:nvPr/>
+      </p:nvGrpSpPr>
+      <p:grpSpPr>
+        <a:xfrm>
+          <a:off x="0" y="0"/>
+          <a:ext cx="0" cy="0"/>
+          <a:chOff x="0" y="0"/>
+          <a:chExt cx="0" cy="0"/>
+        </a:xfrm>
+      </p:grpSpPr>
+      <p:sp>
+        <p:nvSpPr>
+          <p:cNvPr id="2" name="標題 1"/>
+          <p:cNvSpPr>
+            <a:spLocks noGrp="1"/>
+          </p:cNvSpPr>
+          <p:nvPr>
+            <p:ph type="title"/>
+          </p:nvPr>
+        </p:nvSpPr>
+        <p:spPr/>
+        <p:txBody>
+          <a:bodyPr/>
+          <a:lstStyle/>
+          <a:p>
+            <a:r>
+              <a:rPr lang="en-US" altLang="zh-TW" dirty="0"/>
+              <a:t>Get my contacts result</a:t>
+            </a:r>
+            <a:endParaRPr lang="zh-TW" altLang="en-US" dirty="0"/>
+          </a:p>
+        </p:txBody>
+      </p:sp>
+      <p:sp>
+        <p:nvSpPr>
+          <p:cNvPr id="3" name="內容版面配置區 2"/>
+          <p:cNvSpPr>
+            <a:spLocks noGrp="1"/>
+          </p:cNvSpPr>
+          <p:nvPr>
+            <p:ph idx="1"/>
+          </p:nvPr>
+        </p:nvSpPr>
+        <p:spPr/>
+        <p:txBody>
+          <a:bodyPr/>
+          <a:lstStyle/>
+          <a:p>
+            <a:endParaRPr lang="zh-TW" altLang="en-US"/>
+          </a:p>
+        </p:txBody>
+      </p:sp>
+      <p:sp>
+        <p:nvSpPr>
+          <p:cNvPr id="4" name="投影片編號版面配置區 3"/>
+          <p:cNvSpPr>
+            <a:spLocks noGrp="1"/>
+          </p:cNvSpPr>
+          <p:nvPr>
+            <p:ph type="sldNum" sz="quarter" idx="12"/>
+          </p:nvPr>
+        </p:nvSpPr>
+        <p:spPr/>
+        <p:txBody>
+          <a:bodyPr/>
+          <a:lstStyle/>
+          <a:p>
+            <a:fld id="{D466FAAA-B4AD-4AFB-AEBE-069464B45C14}" type="slidenum">
+              <a:rPr lang="zh-TW" altLang="en-US" smtClean="0"/>
+              <a:t>21</a:t>
+            </a:fld>
+            <a:endParaRPr lang="zh-TW" altLang="en-US"/>
+          </a:p>
+        </p:txBody>
+      </p:sp>
+      <p:pic>
+        <p:nvPicPr>
+          <p:cNvPr id="5" name="圖片 4"/>
+          <p:cNvPicPr>
+            <a:picLocks noChangeAspect="1"/>
+          </p:cNvPicPr>
+          <p:nvPr/>
+        </p:nvPicPr>
+        <p:blipFill>
+          <a:blip r:embed="rId2"/>
+          <a:stretch>
+            <a:fillRect/>
+          </a:stretch>
+        </p:blipFill>
+        <p:spPr>
+          <a:xfrm>
+            <a:off x="1971412" y="1644195"/>
+            <a:ext cx="7801761" cy="4938515"/>
           </a:xfrm>
           <a:prstGeom prst="rect">
             <a:avLst/>
           </a:prstGeom>
-          <a:solidFill>
-            <a:srgbClr val="FFFFFF"/>
-          </a:solidFill>
-          <a:ln>
-            <a:noFill/>
-          </a:ln>
         </p:spPr>
-        <p:style>
-          <a:lnRef idx="2">
-            <a:schemeClr val="accent1">
-              <a:shade val="50000"/>
-            </a:schemeClr>
-          </a:lnRef>
-          <a:fillRef idx="1">
-            <a:schemeClr val="accent1"/>
-          </a:fillRef>
-          <a:effectRef idx="0">
-            <a:schemeClr val="accent1"/>
-          </a:effectRef>
-          <a:fontRef idx="minor">
-            <a:schemeClr val="lt1"/>
-          </a:fontRef>
-        </p:style>
-        <p:txBody>
-          <a:bodyPr rtlCol="0" anchor="ctr"/>
+      </p:pic>
+    </p:spTree>
+    <p:extLst>
+      <p:ext uri="{BB962C8B-B14F-4D97-AF65-F5344CB8AC3E}">
+        <p14:creationId xmlns:p14="http://schemas.microsoft.com/office/powerpoint/2010/main" val="57580283"/>
+      </p:ext>
+    </p:extLst>
+  </p:cSld>
+  <p:clrMapOvr>
+    <a:masterClrMapping/>
+  </p:clrMapOvr>
+</p:sld>
+</file>
+
+<file path=ppt/slides/slide22.xml><?xml version="1.0" encoding="utf-8"?>
+<p:sld xmlns:a="http://schemas.openxmlformats.org/drawingml/2006/main" xmlns:r="http://schemas.openxmlformats.org/officeDocument/2006/relationships" xmlns:p="http://schemas.openxmlformats.org/presentationml/2006/main">
+  <p:cSld>
+    <p:spTree>
+      <p:nvGrpSpPr>
+        <p:cNvPr id="1" name=""/>
+        <p:cNvGrpSpPr/>
+        <p:nvPr/>
+      </p:nvGrpSpPr>
+      <p:grpSpPr>
+        <a:xfrm>
+          <a:off x="0" y="0"/>
+          <a:ext cx="0" cy="0"/>
+          <a:chOff x="0" y="0"/>
+          <a:chExt cx="0" cy="0"/>
+        </a:xfrm>
+      </p:grpSpPr>
+      <p:sp>
+        <p:nvSpPr>
+          <p:cNvPr id="2" name="標題 1"/>
+          <p:cNvSpPr>
+            <a:spLocks noGrp="1"/>
+          </p:cNvSpPr>
+          <p:nvPr>
+            <p:ph type="title"/>
+          </p:nvPr>
+        </p:nvSpPr>
+        <p:spPr/>
+        <p:txBody>
+          <a:bodyPr/>
           <a:lstStyle/>
           <a:p>
-            <a:pPr algn="ctr"/>
-            <a:endParaRPr lang="en-US"/>
-          </a:p>
-        </p:txBody>
-      </p:sp>
-      <p:sp>
-        <p:nvSpPr>
-          <p:cNvPr id="9" name="Freeform 31"/>
+            <a:r>
+              <a:rPr lang="en-US" altLang="zh-TW" dirty="0"/>
+              <a:t>Get my events result</a:t>
+            </a:r>
+            <a:endParaRPr lang="zh-TW" altLang="en-US" dirty="0"/>
+          </a:p>
+        </p:txBody>
+      </p:sp>
+      <p:sp>
+        <p:nvSpPr>
+          <p:cNvPr id="3" name="內容版面配置區 2"/>
+          <p:cNvSpPr>
+            <a:spLocks noGrp="1"/>
+          </p:cNvSpPr>
+          <p:nvPr>
+            <p:ph idx="1"/>
+          </p:nvPr>
+        </p:nvSpPr>
+        <p:spPr/>
+        <p:txBody>
+          <a:bodyPr/>
+          <a:lstStyle/>
+          <a:p>
+            <a:endParaRPr lang="zh-TW" altLang="en-US"/>
+          </a:p>
+        </p:txBody>
+      </p:sp>
+      <p:sp>
+        <p:nvSpPr>
+          <p:cNvPr id="4" name="投影片編號版面配置區 3"/>
+          <p:cNvSpPr>
+            <a:spLocks noGrp="1"/>
+          </p:cNvSpPr>
+          <p:nvPr>
+            <p:ph type="sldNum" sz="quarter" idx="12"/>
+          </p:nvPr>
+        </p:nvSpPr>
+        <p:spPr/>
+        <p:txBody>
+          <a:bodyPr/>
+          <a:lstStyle/>
+          <a:p>
+            <a:fld id="{D466FAAA-B4AD-4AFB-AEBE-069464B45C14}" type="slidenum">
+              <a:rPr lang="zh-TW" altLang="en-US" smtClean="0"/>
+              <a:t>22</a:t>
+            </a:fld>
+            <a:endParaRPr lang="zh-TW" altLang="en-US"/>
+          </a:p>
+        </p:txBody>
+      </p:sp>
+      <p:pic>
+        <p:nvPicPr>
+          <p:cNvPr id="6" name="圖片 5"/>
+          <p:cNvPicPr>
+            <a:picLocks noChangeAspect="1"/>
+          </p:cNvPicPr>
+          <p:nvPr/>
+        </p:nvPicPr>
+        <p:blipFill>
+          <a:blip r:embed="rId2"/>
+          <a:stretch>
+            <a:fillRect/>
+          </a:stretch>
+        </p:blipFill>
+        <p:spPr>
+          <a:xfrm>
+            <a:off x="1971411" y="1662680"/>
+            <a:ext cx="7801761" cy="4920030"/>
+          </a:xfrm>
+          <a:prstGeom prst="rect">
+            <a:avLst/>
+          </a:prstGeom>
+        </p:spPr>
+      </p:pic>
+    </p:spTree>
+    <p:extLst>
+      <p:ext uri="{BB962C8B-B14F-4D97-AF65-F5344CB8AC3E}">
+        <p14:creationId xmlns:p14="http://schemas.microsoft.com/office/powerpoint/2010/main" val="1558745406"/>
+      </p:ext>
+    </p:extLst>
+  </p:cSld>
+  <p:clrMapOvr>
+    <a:masterClrMapping/>
+  </p:clrMapOvr>
+</p:sld>
+</file>
+
+<file path=ppt/slides/slide23.xml><?xml version="1.0" encoding="utf-8"?>
+<p:sld xmlns:a="http://schemas.openxmlformats.org/drawingml/2006/main" xmlns:r="http://schemas.openxmlformats.org/officeDocument/2006/relationships" xmlns:p="http://schemas.openxmlformats.org/presentationml/2006/main">
+  <p:cSld>
+    <p:spTree>
+      <p:nvGrpSpPr>
+        <p:cNvPr id="1" name=""/>
+        <p:cNvGrpSpPr/>
+        <p:nvPr/>
+      </p:nvGrpSpPr>
+      <p:grpSpPr>
+        <a:xfrm>
+          <a:off x="0" y="0"/>
+          <a:ext cx="0" cy="0"/>
+          <a:chOff x="0" y="0"/>
+          <a:chExt cx="0" cy="0"/>
+        </a:xfrm>
+      </p:grpSpPr>
+      <p:sp>
+        <p:nvSpPr>
+          <p:cNvPr id="2" name="標題 1"/>
+          <p:cNvSpPr>
+            <a:spLocks noGrp="1"/>
+          </p:cNvSpPr>
+          <p:nvPr>
+            <p:ph type="title"/>
+          </p:nvPr>
+        </p:nvSpPr>
+        <p:spPr/>
+        <p:txBody>
+          <a:bodyPr/>
+          <a:lstStyle/>
+          <a:p>
+            <a:r>
+              <a:rPr lang="en-US" altLang="zh-TW" dirty="0"/>
+              <a:t>Lunch time</a:t>
+            </a:r>
+            <a:endParaRPr lang="zh-TW" altLang="en-US" dirty="0"/>
+          </a:p>
+        </p:txBody>
+      </p:sp>
+      <p:sp>
+        <p:nvSpPr>
+          <p:cNvPr id="3" name="內容版面配置區 2"/>
+          <p:cNvSpPr>
+            <a:spLocks noGrp="1"/>
+          </p:cNvSpPr>
+          <p:nvPr>
+            <p:ph idx="1"/>
+          </p:nvPr>
+        </p:nvSpPr>
+        <p:spPr/>
+        <p:txBody>
+          <a:bodyPr/>
+          <a:lstStyle/>
+          <a:p>
+            <a:endParaRPr lang="zh-TW" altLang="en-US" dirty="0"/>
+          </a:p>
+        </p:txBody>
+      </p:sp>
+      <p:sp>
+        <p:nvSpPr>
+          <p:cNvPr id="4" name="投影片編號版面配置區 3"/>
+          <p:cNvSpPr>
+            <a:spLocks noGrp="1"/>
+          </p:cNvSpPr>
+          <p:nvPr>
+            <p:ph type="sldNum" sz="quarter" idx="12"/>
+          </p:nvPr>
+        </p:nvSpPr>
+        <p:spPr/>
+        <p:txBody>
+          <a:bodyPr/>
+          <a:lstStyle/>
+          <a:p>
+            <a:fld id="{D466FAAA-B4AD-4AFB-AEBE-069464B45C14}" type="slidenum">
+              <a:rPr lang="zh-TW" altLang="en-US" smtClean="0"/>
+              <a:t>23</a:t>
+            </a:fld>
+            <a:endParaRPr lang="zh-TW" altLang="en-US"/>
+          </a:p>
+        </p:txBody>
+      </p:sp>
+    </p:spTree>
+    <p:extLst>
+      <p:ext uri="{BB962C8B-B14F-4D97-AF65-F5344CB8AC3E}">
+        <p14:creationId xmlns:p14="http://schemas.microsoft.com/office/powerpoint/2010/main" val="613636715"/>
+      </p:ext>
+    </p:extLst>
+  </p:cSld>
+  <p:clrMapOvr>
+    <a:masterClrMapping/>
+  </p:clrMapOvr>
+</p:sld>
+</file>
+
+<file path=ppt/slides/slide24.xml><?xml version="1.0" encoding="utf-8"?>
+<p:sld xmlns:a="http://schemas.openxmlformats.org/drawingml/2006/main" xmlns:r="http://schemas.openxmlformats.org/officeDocument/2006/relationships" xmlns:p="http://schemas.openxmlformats.org/presentationml/2006/main">
+  <p:cSld>
+    <p:spTree>
+      <p:nvGrpSpPr>
+        <p:cNvPr id="1" name=""/>
+        <p:cNvGrpSpPr/>
+        <p:nvPr/>
+      </p:nvGrpSpPr>
+      <p:grpSpPr>
+        <a:xfrm>
+          <a:off x="0" y="0"/>
+          <a:ext cx="0" cy="0"/>
+          <a:chOff x="0" y="0"/>
+          <a:chExt cx="0" cy="0"/>
+        </a:xfrm>
+      </p:grpSpPr>
+      <p:sp>
+        <p:nvSpPr>
+          <p:cNvPr id="17" name="Freeform 23"/>
           <p:cNvSpPr>
             <a:spLocks noGrp="1" noRot="1" noChangeAspect="1" noMove="1" noResize="1" noEditPoints="1" noAdjustHandles="1" noChangeArrowheads="1" noChangeShapeType="1" noTextEdit="1"/>
           </p:cNvSpPr>
@@ -10561,7 +11059,7 @@
       </p:sp>
       <p:sp>
         <p:nvSpPr>
-          <p:cNvPr id="10" name="Freeform 5"/>
+          <p:cNvPr id="18" name="Freeform 5"/>
           <p:cNvSpPr>
             <a:spLocks noGrp="1" noRot="1" noChangeAspect="1" noMove="1" noResize="1" noEditPoints="1" noAdjustHandles="1" noChangeArrowheads="1" noChangeShapeType="1" noTextEdit="1"/>
           </p:cNvSpPr>
@@ -10751,23 +11249,78 @@
           </a:ln>
         </p:spPr>
       </p:sp>
+      <p:sp>
+        <p:nvSpPr>
+          <p:cNvPr id="19" name="Rectangle 18"/>
+          <p:cNvSpPr>
+            <a:spLocks noGrp="1" noRot="1" noChangeAspect="1" noMove="1" noResize="1" noEditPoints="1" noAdjustHandles="1" noChangeArrowheads="1" noChangeShapeType="1" noTextEdit="1"/>
+          </p:cNvSpPr>
+          <p:nvPr>
+            <p:extLst>
+              <p:ext uri="{386F3935-93C4-4BCD-93E2-E3B085C9AB24}">
+                <p16:designElem xmlns:p16="http://schemas.microsoft.com/office/powerpoint/2015/main" val="1"/>
+              </p:ext>
+            </p:extLst>
+          </p:nvPr>
+        </p:nvSpPr>
+        <p:spPr>
+          <a:xfrm>
+            <a:off x="6094411" y="0"/>
+            <a:ext cx="6098008" cy="6858000"/>
+          </a:xfrm>
+          <a:prstGeom prst="rect">
+            <a:avLst/>
+          </a:prstGeom>
+          <a:solidFill>
+            <a:srgbClr val="FFFFFF"/>
+          </a:solidFill>
+          <a:ln>
+            <a:noFill/>
+          </a:ln>
+        </p:spPr>
+        <p:style>
+          <a:lnRef idx="2">
+            <a:schemeClr val="accent1">
+              <a:shade val="50000"/>
+            </a:schemeClr>
+          </a:lnRef>
+          <a:fillRef idx="1">
+            <a:schemeClr val="accent1"/>
+          </a:fillRef>
+          <a:effectRef idx="0">
+            <a:schemeClr val="accent1"/>
+          </a:effectRef>
+          <a:fontRef idx="minor">
+            <a:schemeClr val="lt1"/>
+          </a:fontRef>
+        </p:style>
+        <p:txBody>
+          <a:bodyPr rtlCol="0" anchor="ctr"/>
+          <a:lstStyle/>
+          <a:p>
+            <a:pPr algn="ctr"/>
+            <a:endParaRPr lang="en-US"/>
+          </a:p>
+        </p:txBody>
+      </p:sp>
       <p:pic>
         <p:nvPicPr>
-          <p:cNvPr id="6" name="圖片 5"/>
+          <p:cNvPr id="5" name="圖片 4"/>
           <p:cNvPicPr>
             <a:picLocks noChangeAspect="1"/>
           </p:cNvPicPr>
           <p:nvPr/>
         </p:nvPicPr>
-        <p:blipFill rotWithShape="1">
+        <p:blipFill>
           <a:blip r:embed="rId2"/>
-          <a:srcRect l="46035" t="21491" b="13118"/>
-          <a:stretch/>
+          <a:stretch>
+            <a:fillRect/>
+          </a:stretch>
         </p:blipFill>
         <p:spPr>
           <a:xfrm>
-            <a:off x="5945271" y="1552092"/>
-            <a:ext cx="5463752" cy="4026587"/>
+            <a:off x="6575407" y="647699"/>
+            <a:ext cx="4487477" cy="3242202"/>
           </a:xfrm>
           <a:prstGeom prst="rect">
             <a:avLst/>
@@ -10777,7 +11330,7 @@
       </p:pic>
       <p:sp>
         <p:nvSpPr>
-          <p:cNvPr id="11" name="Rectangle 10"/>
+          <p:cNvPr id="20" name="Rectangle 19"/>
           <p:cNvSpPr>
             <a:spLocks noGrp="1" noRot="1" noChangeAspect="1" noMove="1" noResize="1" noEditPoints="1" noAdjustHandles="1" noChangeArrowheads="1" noChangeShapeType="1" noTextEdit="1"/>
           </p:cNvSpPr>
@@ -10819,20 +11372,45 @@
           </a:fontRef>
         </p:style>
       </p:sp>
-      <p:sp>
-        <p:nvSpPr>
-          <p:cNvPr id="2" name="標題 1"/>
-          <p:cNvSpPr>
-            <a:spLocks noGrp="1"/>
-          </p:cNvSpPr>
-          <p:nvPr>
-            <p:ph type="title"/>
-          </p:nvPr>
-        </p:nvSpPr>
+      <p:pic>
+        <p:nvPicPr>
+          <p:cNvPr id="6" name="圖片 5"/>
+          <p:cNvPicPr>
+            <a:picLocks noChangeAspect="1"/>
+          </p:cNvPicPr>
+          <p:nvPr/>
+        </p:nvPicPr>
+        <p:blipFill>
+          <a:blip r:embed="rId3"/>
+          <a:stretch>
+            <a:fillRect/>
+          </a:stretch>
+        </p:blipFill>
         <p:spPr>
           <a:xfrm>
-            <a:off x="648931" y="629266"/>
-            <a:ext cx="4166510" cy="1622321"/>
+            <a:off x="7306868" y="4085841"/>
+            <a:ext cx="3024555" cy="2162557"/>
+          </a:xfrm>
+          <a:prstGeom prst="rect">
+            <a:avLst/>
+          </a:prstGeom>
+          <a:effectLst/>
+        </p:spPr>
+      </p:pic>
+      <p:sp>
+        <p:nvSpPr>
+          <p:cNvPr id="2" name="標題 1"/>
+          <p:cNvSpPr>
+            <a:spLocks noGrp="1"/>
+          </p:cNvSpPr>
+          <p:nvPr>
+            <p:ph type="title"/>
+          </p:nvPr>
+        </p:nvSpPr>
+        <p:spPr>
+          <a:xfrm>
+            <a:off x="646112" y="452718"/>
+            <a:ext cx="4165580" cy="1400530"/>
           </a:xfrm>
         </p:spPr>
         <p:txBody>
@@ -10842,18 +11420,10 @@
           <a:lstStyle/>
           <a:p>
             <a:r>
-              <a:rPr lang="en-US" altLang="zh-TW" sz="3900" dirty="0"/>
-              <a:t>Microsoft Graph API</a:t>
-            </a:r>
-            <a:r>
-              <a:rPr lang="zh-TW" altLang="en-US" sz="3900" dirty="0"/>
-              <a:t> </a:t>
-            </a:r>
-            <a:r>
-              <a:rPr lang="en-US" altLang="zh-TW" sz="3900" dirty="0"/>
-              <a:t>feature</a:t>
-            </a:r>
-            <a:endParaRPr lang="zh-TW" altLang="en-US" sz="3900" dirty="0"/>
+              <a:rPr lang="en-US" altLang="zh-TW" dirty="0"/>
+              <a:t>Hands-On Lab1</a:t>
+            </a:r>
+            <a:endParaRPr lang="zh-TW" altLang="en-US" dirty="0"/>
           </a:p>
         </p:txBody>
       </p:sp>
@@ -10869,8 +11439,8 @@
         </p:nvSpPr>
         <p:spPr>
           <a:xfrm>
-            <a:off x="648931" y="2438400"/>
-            <a:ext cx="4166509" cy="3785419"/>
+            <a:off x="646113" y="2052918"/>
+            <a:ext cx="4165146" cy="4195481"/>
           </a:xfrm>
         </p:spPr>
         <p:txBody>
@@ -10879,48 +11449,46 @@
           </a:bodyPr>
           <a:lstStyle/>
           <a:p>
-            <a:pPr>
-              <a:lnSpc>
-                <a:spcPct val="90000"/>
-              </a:lnSpc>
-            </a:pPr>
             <a:r>
               <a:rPr lang="en-US" altLang="zh-TW" dirty="0"/>
-              <a:t>Unified Microsoft API and SDKs</a:t>
-            </a:r>
-          </a:p>
-          <a:p>
-            <a:pPr>
-              <a:lnSpc>
-                <a:spcPct val="90000"/>
-              </a:lnSpc>
-            </a:pPr>
+              <a:t>Download sample code from </a:t>
+            </a:r>
+            <a:r>
+              <a:rPr lang="en-US" altLang="zh-TW" dirty="0" err="1"/>
+              <a:t>github</a:t>
+            </a:r>
             <a:r>
               <a:rPr lang="en-US" altLang="zh-TW" dirty="0"/>
-              <a:t>Single sign-on with Azure</a:t>
-            </a:r>
-          </a:p>
-          <a:p>
-            <a:pPr>
-              <a:lnSpc>
-                <a:spcPct val="90000"/>
-              </a:lnSpc>
-            </a:pPr>
+              <a:t>(</a:t>
+            </a:r>
+            <a:r>
+              <a:rPr lang="en-US" altLang="zh-TW" dirty="0" err="1">
+                <a:hlinkClick r:id="rId4"/>
+              </a:rPr>
+              <a:t>UnifiedApiConnect</a:t>
+            </a:r>
             <a:r>
               <a:rPr lang="en-US" altLang="zh-TW" dirty="0"/>
-              <a:t>Access to data in real-time</a:t>
-            </a:r>
-          </a:p>
-          <a:p>
-            <a:pPr>
-              <a:lnSpc>
-                <a:spcPct val="90000"/>
-              </a:lnSpc>
-            </a:pPr>
+              <a:t>)</a:t>
+            </a:r>
+          </a:p>
+          <a:p>
             <a:r>
               <a:rPr lang="en-US" altLang="zh-TW" dirty="0"/>
-              <a:t>Intelligence with analytical signals</a:t>
-            </a:r>
+              <a:t>Registry a new application(</a:t>
+            </a:r>
+            <a:r>
+              <a:rPr lang="en-US" altLang="zh-TW" dirty="0" err="1">
+                <a:hlinkClick r:id="rId5"/>
+              </a:rPr>
+              <a:t>gotoLink</a:t>
+            </a:r>
+            <a:r>
+              <a:rPr lang="en-US" altLang="zh-TW" dirty="0"/>
+              <a:t>).</a:t>
+            </a:r>
+          </a:p>
+          <a:p>
             <a:endParaRPr lang="zh-TW" altLang="en-US" dirty="0"/>
           </a:p>
         </p:txBody>
@@ -10944,7 +11512,7 @@
           <a:p>
             <a:fld id="{D466FAAA-B4AD-4AFB-AEBE-069464B45C14}" type="slidenum">
               <a:rPr lang="zh-TW" altLang="en-US" smtClean="0"/>
-              <a:t>4</a:t>
+              <a:t>24</a:t>
             </a:fld>
             <a:endParaRPr lang="zh-TW" altLang="en-US"/>
           </a:p>
@@ -10953,7 +11521,7 @@
     </p:spTree>
     <p:extLst>
       <p:ext uri="{BB962C8B-B14F-4D97-AF65-F5344CB8AC3E}">
-        <p14:creationId xmlns:p14="http://schemas.microsoft.com/office/powerpoint/2010/main" val="462391528"/>
+        <p14:creationId xmlns:p14="http://schemas.microsoft.com/office/powerpoint/2010/main" val="4158931114"/>
       </p:ext>
     </p:extLst>
   </p:cSld>
@@ -10963,7 +11531,7 @@
 </p:sld>
 </file>
 
-<file path=ppt/slides/slide5.xml><?xml version="1.0" encoding="utf-8"?>
+<file path=ppt/slides/slide25.xml><?xml version="1.0" encoding="utf-8"?>
 <p:sld xmlns:a="http://schemas.openxmlformats.org/drawingml/2006/main" xmlns:r="http://schemas.openxmlformats.org/officeDocument/2006/relationships" xmlns:p="http://schemas.openxmlformats.org/presentationml/2006/main">
   <p:cSld>
     <p:spTree>
@@ -10982,61 +11550,7 @@
       </p:grpSpPr>
       <p:sp>
         <p:nvSpPr>
-          <p:cNvPr id="12" name="Rectangle 11"/>
-          <p:cNvSpPr>
-            <a:spLocks noGrp="1" noRot="1" noChangeAspect="1" noMove="1" noResize="1" noEditPoints="1" noAdjustHandles="1" noChangeArrowheads="1" noChangeShapeType="1" noTextEdit="1"/>
-          </p:cNvSpPr>
-          <p:nvPr>
-            <p:extLst>
-              <p:ext uri="{386F3935-93C4-4BCD-93E2-E3B085C9AB24}">
-                <p16:designElem xmlns:p16="http://schemas.microsoft.com/office/powerpoint/2015/main" val="1"/>
-              </p:ext>
-            </p:extLst>
-          </p:nvPr>
-        </p:nvSpPr>
-        <p:spPr>
-          <a:xfrm>
-            <a:off x="6093992" y="0"/>
-            <a:ext cx="6098427" cy="6858000"/>
-          </a:xfrm>
-          <a:prstGeom prst="rect">
-            <a:avLst/>
-          </a:prstGeom>
-          <a:solidFill>
-            <a:srgbClr val="FFFFFF"/>
-          </a:solidFill>
-          <a:ln>
-            <a:noFill/>
-          </a:ln>
-        </p:spPr>
-        <p:style>
-          <a:lnRef idx="2">
-            <a:schemeClr val="accent1">
-              <a:shade val="50000"/>
-            </a:schemeClr>
-          </a:lnRef>
-          <a:fillRef idx="1">
-            <a:schemeClr val="accent1"/>
-          </a:fillRef>
-          <a:effectRef idx="0">
-            <a:schemeClr val="accent1"/>
-          </a:effectRef>
-          <a:fontRef idx="minor">
-            <a:schemeClr val="lt1"/>
-          </a:fontRef>
-        </p:style>
-        <p:txBody>
-          <a:bodyPr rtlCol="0" anchor="ctr"/>
-          <a:lstStyle/>
-          <a:p>
-            <a:pPr algn="ctr"/>
-            <a:endParaRPr lang="en-US"/>
-          </a:p>
-        </p:txBody>
-      </p:sp>
-      <p:sp>
-        <p:nvSpPr>
-          <p:cNvPr id="13" name="Freeform 31"/>
+          <p:cNvPr id="16" name="Freeform 23"/>
           <p:cNvSpPr>
             <a:spLocks noGrp="1" noRot="1" noChangeAspect="1" noMove="1" noResize="1" noEditPoints="1" noAdjustHandles="1" noChangeArrowheads="1" noChangeShapeType="1" noTextEdit="1"/>
           </p:cNvSpPr>
@@ -11379,7 +11893,7 @@
       </p:sp>
       <p:sp>
         <p:nvSpPr>
-          <p:cNvPr id="14" name="Freeform 5"/>
+          <p:cNvPr id="17" name="Freeform 5"/>
           <p:cNvSpPr>
             <a:spLocks noGrp="1" noRot="1" noChangeAspect="1" noMove="1" noResize="1" noEditPoints="1" noAdjustHandles="1" noChangeArrowheads="1" noChangeShapeType="1" noTextEdit="1"/>
           </p:cNvSpPr>
@@ -11569,9 +12083,63 @@
           </a:ln>
         </p:spPr>
       </p:sp>
+      <p:sp>
+        <p:nvSpPr>
+          <p:cNvPr id="18" name="Rectangle 13"/>
+          <p:cNvSpPr>
+            <a:spLocks noGrp="1" noRot="1" noChangeAspect="1" noMove="1" noResize="1" noEditPoints="1" noAdjustHandles="1" noChangeArrowheads="1" noChangeShapeType="1" noTextEdit="1"/>
+          </p:cNvSpPr>
+          <p:nvPr>
+            <p:extLst>
+              <p:ext uri="{386F3935-93C4-4BCD-93E2-E3B085C9AB24}">
+                <p16:designElem xmlns:p16="http://schemas.microsoft.com/office/powerpoint/2015/main" val="1"/>
+              </p:ext>
+            </p:extLst>
+          </p:nvPr>
+        </p:nvSpPr>
+        <p:spPr>
+          <a:xfrm>
+            <a:off x="6094411" y="0"/>
+            <a:ext cx="6098008" cy="6858000"/>
+          </a:xfrm>
+          <a:prstGeom prst="rect">
+            <a:avLst/>
+          </a:prstGeom>
+          <a:solidFill>
+            <a:srgbClr val="FFFFFF"/>
+          </a:solidFill>
+          <a:ln>
+            <a:noFill/>
+          </a:ln>
+        </p:spPr>
+        <p:style>
+          <a:lnRef idx="2">
+            <a:schemeClr val="accent1">
+              <a:shade val="50000"/>
+            </a:schemeClr>
+          </a:lnRef>
+          <a:fillRef idx="1">
+            <a:schemeClr val="accent1"/>
+          </a:fillRef>
+          <a:effectRef idx="0">
+            <a:schemeClr val="accent1"/>
+          </a:effectRef>
+          <a:fontRef idx="minor">
+            <a:schemeClr val="lt1"/>
+          </a:fontRef>
+        </p:style>
+        <p:txBody>
+          <a:bodyPr rtlCol="0" anchor="ctr"/>
+          <a:lstStyle/>
+          <a:p>
+            <a:pPr algn="ctr"/>
+            <a:endParaRPr lang="en-US"/>
+          </a:p>
+        </p:txBody>
+      </p:sp>
       <p:pic>
         <p:nvPicPr>
-          <p:cNvPr id="6" name="圖片 5"/>
+          <p:cNvPr id="5" name="圖片 4"/>
           <p:cNvPicPr>
             <a:picLocks noChangeAspect="1"/>
           </p:cNvPicPr>
@@ -11585,8 +12153,8 @@
         </p:blipFill>
         <p:spPr>
           <a:xfrm>
-            <a:off x="6093992" y="874363"/>
-            <a:ext cx="5449889" cy="5109271"/>
+            <a:off x="6575407" y="647699"/>
+            <a:ext cx="4487477" cy="3242202"/>
           </a:xfrm>
           <a:prstGeom prst="rect">
             <a:avLst/>
@@ -11596,7 +12164,7 @@
       </p:pic>
       <p:sp>
         <p:nvSpPr>
-          <p:cNvPr id="15" name="Rectangle 14"/>
+          <p:cNvPr id="19" name="Rectangle 14"/>
           <p:cNvSpPr>
             <a:spLocks noGrp="1" noRot="1" noChangeAspect="1" noMove="1" noResize="1" noEditPoints="1" noAdjustHandles="1" noChangeArrowheads="1" noChangeShapeType="1" noTextEdit="1"/>
           </p:cNvSpPr>
@@ -11638,20 +12206,45 @@
           </a:fontRef>
         </p:style>
       </p:sp>
-      <p:sp>
-        <p:nvSpPr>
-          <p:cNvPr id="2" name="標題 1"/>
-          <p:cNvSpPr>
-            <a:spLocks noGrp="1"/>
-          </p:cNvSpPr>
-          <p:nvPr>
-            <p:ph type="title"/>
-          </p:nvPr>
-        </p:nvSpPr>
+      <p:pic>
+        <p:nvPicPr>
+          <p:cNvPr id="6" name="圖片 5"/>
+          <p:cNvPicPr>
+            <a:picLocks noChangeAspect="1"/>
+          </p:cNvPicPr>
+          <p:nvPr/>
+        </p:nvPicPr>
+        <p:blipFill>
+          <a:blip r:embed="rId3"/>
+          <a:stretch>
+            <a:fillRect/>
+          </a:stretch>
+        </p:blipFill>
         <p:spPr>
           <a:xfrm>
-            <a:off x="648931" y="629266"/>
-            <a:ext cx="4166510" cy="1622321"/>
+            <a:off x="7306868" y="4085841"/>
+            <a:ext cx="3024555" cy="2162557"/>
+          </a:xfrm>
+          <a:prstGeom prst="rect">
+            <a:avLst/>
+          </a:prstGeom>
+          <a:effectLst/>
+        </p:spPr>
+      </p:pic>
+      <p:sp>
+        <p:nvSpPr>
+          <p:cNvPr id="2" name="標題 1"/>
+          <p:cNvSpPr>
+            <a:spLocks noGrp="1"/>
+          </p:cNvSpPr>
+          <p:nvPr>
+            <p:ph type="title"/>
+          </p:nvPr>
+        </p:nvSpPr>
+        <p:spPr>
+          <a:xfrm>
+            <a:off x="646112" y="452718"/>
+            <a:ext cx="4165580" cy="1400530"/>
           </a:xfrm>
         </p:spPr>
         <p:txBody>
@@ -11662,7 +12255,7 @@
           <a:p>
             <a:r>
               <a:rPr lang="en-US" altLang="zh-TW" dirty="0"/>
-              <a:t>How to use it</a:t>
+              <a:t>Hands-On Lab1</a:t>
             </a:r>
             <a:endParaRPr lang="zh-TW" altLang="en-US" dirty="0"/>
           </a:p>
@@ -11680,8 +12273,8 @@
         </p:nvSpPr>
         <p:spPr>
           <a:xfrm>
-            <a:off x="648931" y="2438400"/>
-            <a:ext cx="4166509" cy="3785419"/>
+            <a:off x="646113" y="2052918"/>
+            <a:ext cx="4165146" cy="4195481"/>
           </a:xfrm>
         </p:spPr>
         <p:txBody>
@@ -11692,13 +12285,13 @@
           <a:p>
             <a:r>
               <a:rPr lang="en-US" altLang="zh-TW" dirty="0"/>
-              <a:t>By Graph API explore</a:t>
+              <a:t>Copy Client ID and Client Secret to your app</a:t>
             </a:r>
           </a:p>
           <a:p>
             <a:r>
               <a:rPr lang="en-US" altLang="zh-TW" dirty="0"/>
-              <a:t>By Microsoft Graph API SDKs</a:t>
+              <a:t>Run the APP!</a:t>
             </a:r>
             <a:endParaRPr lang="zh-TW" altLang="en-US" dirty="0"/>
           </a:p>
@@ -11723,7 +12316,7 @@
           <a:p>
             <a:fld id="{D466FAAA-B4AD-4AFB-AEBE-069464B45C14}" type="slidenum">
               <a:rPr lang="zh-TW" altLang="en-US" smtClean="0"/>
-              <a:t>5</a:t>
+              <a:t>25</a:t>
             </a:fld>
             <a:endParaRPr lang="zh-TW" altLang="en-US"/>
           </a:p>
@@ -11732,7 +12325,7 @@
     </p:spTree>
     <p:extLst>
       <p:ext uri="{BB962C8B-B14F-4D97-AF65-F5344CB8AC3E}">
-        <p14:creationId xmlns:p14="http://schemas.microsoft.com/office/powerpoint/2010/main" val="1622142115"/>
+        <p14:creationId xmlns:p14="http://schemas.microsoft.com/office/powerpoint/2010/main" val="1744813421"/>
       </p:ext>
     </p:extLst>
   </p:cSld>
@@ -11742,7 +12335,7 @@
 </p:sld>
 </file>
 
-<file path=ppt/slides/slide6.xml><?xml version="1.0" encoding="utf-8"?>
+<file path=ppt/slides/slide26.xml><?xml version="1.0" encoding="utf-8"?>
 <p:sld xmlns:a="http://schemas.openxmlformats.org/drawingml/2006/main" xmlns:r="http://schemas.openxmlformats.org/officeDocument/2006/relationships" xmlns:p="http://schemas.openxmlformats.org/presentationml/2006/main">
   <p:cSld>
     <p:spTree>
@@ -11761,7 +12354,561 @@
       </p:grpSpPr>
       <p:sp>
         <p:nvSpPr>
-          <p:cNvPr id="22" name="Freeform 23"/>
+          <p:cNvPr id="2" name="標題 1"/>
+          <p:cNvSpPr>
+            <a:spLocks noGrp="1"/>
+          </p:cNvSpPr>
+          <p:nvPr>
+            <p:ph type="title"/>
+          </p:nvPr>
+        </p:nvSpPr>
+        <p:spPr/>
+        <p:txBody>
+          <a:bodyPr/>
+          <a:lstStyle/>
+          <a:p>
+            <a:r>
+              <a:rPr lang="en-US" altLang="zh-TW" dirty="0"/>
+              <a:t>Hands-On Lab2</a:t>
+            </a:r>
+            <a:endParaRPr lang="zh-TW" altLang="en-US" dirty="0"/>
+          </a:p>
+        </p:txBody>
+      </p:sp>
+      <p:sp>
+        <p:nvSpPr>
+          <p:cNvPr id="3" name="內容版面配置區 2"/>
+          <p:cNvSpPr>
+            <a:spLocks noGrp="1"/>
+          </p:cNvSpPr>
+          <p:nvPr>
+            <p:ph idx="1"/>
+          </p:nvPr>
+        </p:nvSpPr>
+        <p:spPr/>
+        <p:txBody>
+          <a:bodyPr/>
+          <a:lstStyle/>
+          <a:p>
+            <a:r>
+              <a:rPr lang="zh-TW" altLang="en-US" dirty="0"/>
+              <a:t>查詢</a:t>
+            </a:r>
+            <a:r>
+              <a:rPr lang="en-US" altLang="zh-TW" dirty="0"/>
+              <a:t>Calendar</a:t>
+            </a:r>
+            <a:r>
+              <a:rPr lang="zh-TW" altLang="en-US" dirty="0"/>
+              <a:t>內的</a:t>
+            </a:r>
+            <a:r>
+              <a:rPr lang="en-US" altLang="zh-TW" dirty="0"/>
+              <a:t>Events</a:t>
+            </a:r>
+          </a:p>
+          <a:p>
+            <a:r>
+              <a:rPr lang="zh-TW" altLang="en-US" dirty="0"/>
+              <a:t>動手作：為自己在</a:t>
+            </a:r>
+            <a:r>
+              <a:rPr lang="en-US" altLang="zh-TW" dirty="0"/>
+              <a:t>Office365 Calendar</a:t>
+            </a:r>
+            <a:r>
+              <a:rPr lang="zh-TW" altLang="en-US" dirty="0"/>
+              <a:t>上建立一個</a:t>
+            </a:r>
+            <a:r>
+              <a:rPr lang="en-US" altLang="zh-TW" dirty="0"/>
+              <a:t>Event</a:t>
+            </a:r>
+            <a:r>
+              <a:rPr lang="zh-TW" altLang="en-US" dirty="0"/>
+              <a:t>。</a:t>
+            </a:r>
+            <a:endParaRPr lang="en-US" altLang="zh-TW" dirty="0"/>
+          </a:p>
+        </p:txBody>
+      </p:sp>
+      <p:sp>
+        <p:nvSpPr>
+          <p:cNvPr id="4" name="投影片編號版面配置區 3"/>
+          <p:cNvSpPr>
+            <a:spLocks noGrp="1"/>
+          </p:cNvSpPr>
+          <p:nvPr>
+            <p:ph type="sldNum" sz="quarter" idx="12"/>
+          </p:nvPr>
+        </p:nvSpPr>
+        <p:spPr/>
+        <p:txBody>
+          <a:bodyPr/>
+          <a:lstStyle/>
+          <a:p>
+            <a:fld id="{D466FAAA-B4AD-4AFB-AEBE-069464B45C14}" type="slidenum">
+              <a:rPr lang="zh-TW" altLang="en-US" smtClean="0"/>
+              <a:t>26</a:t>
+            </a:fld>
+            <a:endParaRPr lang="zh-TW" altLang="en-US"/>
+          </a:p>
+        </p:txBody>
+      </p:sp>
+    </p:spTree>
+    <p:extLst>
+      <p:ext uri="{BB962C8B-B14F-4D97-AF65-F5344CB8AC3E}">
+        <p14:creationId xmlns:p14="http://schemas.microsoft.com/office/powerpoint/2010/main" val="1929928842"/>
+      </p:ext>
+    </p:extLst>
+  </p:cSld>
+  <p:clrMapOvr>
+    <a:masterClrMapping/>
+  </p:clrMapOvr>
+</p:sld>
+</file>
+
+<file path=ppt/slides/slide27.xml><?xml version="1.0" encoding="utf-8"?>
+<p:sld xmlns:a="http://schemas.openxmlformats.org/drawingml/2006/main" xmlns:r="http://schemas.openxmlformats.org/officeDocument/2006/relationships" xmlns:p="http://schemas.openxmlformats.org/presentationml/2006/main">
+  <p:cSld>
+    <p:spTree>
+      <p:nvGrpSpPr>
+        <p:cNvPr id="1" name=""/>
+        <p:cNvGrpSpPr/>
+        <p:nvPr/>
+      </p:nvGrpSpPr>
+      <p:grpSpPr>
+        <a:xfrm>
+          <a:off x="0" y="0"/>
+          <a:ext cx="0" cy="0"/>
+          <a:chOff x="0" y="0"/>
+          <a:chExt cx="0" cy="0"/>
+        </a:xfrm>
+      </p:grpSpPr>
+      <p:sp>
+        <p:nvSpPr>
+          <p:cNvPr id="2" name="標題 1"/>
+          <p:cNvSpPr>
+            <a:spLocks noGrp="1"/>
+          </p:cNvSpPr>
+          <p:nvPr>
+            <p:ph type="title"/>
+          </p:nvPr>
+        </p:nvSpPr>
+        <p:spPr/>
+        <p:txBody>
+          <a:bodyPr/>
+          <a:lstStyle/>
+          <a:p>
+            <a:r>
+              <a:rPr lang="en-US" altLang="zh-TW" dirty="0"/>
+              <a:t>Hands-On Lab3</a:t>
+            </a:r>
+            <a:endParaRPr lang="zh-TW" altLang="en-US" dirty="0"/>
+          </a:p>
+        </p:txBody>
+      </p:sp>
+      <p:sp>
+        <p:nvSpPr>
+          <p:cNvPr id="3" name="內容版面配置區 2"/>
+          <p:cNvSpPr>
+            <a:spLocks noGrp="1"/>
+          </p:cNvSpPr>
+          <p:nvPr>
+            <p:ph idx="1"/>
+          </p:nvPr>
+        </p:nvSpPr>
+        <p:spPr/>
+        <p:txBody>
+          <a:bodyPr/>
+          <a:lstStyle/>
+          <a:p>
+            <a:r>
+              <a:rPr lang="zh-TW" altLang="en-US" dirty="0"/>
+              <a:t>讀取 </a:t>
+            </a:r>
+            <a:r>
+              <a:rPr lang="en-US" altLang="zh-TW" dirty="0"/>
+              <a:t>OneDrive </a:t>
+            </a:r>
+            <a:r>
+              <a:rPr lang="zh-TW" altLang="en-US" dirty="0"/>
+              <a:t>列表</a:t>
+            </a:r>
+            <a:endParaRPr lang="en-US" altLang="zh-TW" dirty="0"/>
+          </a:p>
+          <a:p>
+            <a:endParaRPr lang="en-US" altLang="zh-TW" dirty="0"/>
+          </a:p>
+          <a:p>
+            <a:r>
+              <a:rPr lang="zh-TW" altLang="en-US" dirty="0"/>
+              <a:t>動手做：上傳檔案、下載清單中的附件。</a:t>
+            </a:r>
+          </a:p>
+        </p:txBody>
+      </p:sp>
+      <p:sp>
+        <p:nvSpPr>
+          <p:cNvPr id="4" name="投影片編號版面配置區 3"/>
+          <p:cNvSpPr>
+            <a:spLocks noGrp="1"/>
+          </p:cNvSpPr>
+          <p:nvPr>
+            <p:ph type="sldNum" sz="quarter" idx="12"/>
+          </p:nvPr>
+        </p:nvSpPr>
+        <p:spPr/>
+        <p:txBody>
+          <a:bodyPr/>
+          <a:lstStyle/>
+          <a:p>
+            <a:fld id="{D466FAAA-B4AD-4AFB-AEBE-069464B45C14}" type="slidenum">
+              <a:rPr lang="zh-TW" altLang="en-US" smtClean="0"/>
+              <a:t>27</a:t>
+            </a:fld>
+            <a:endParaRPr lang="zh-TW" altLang="en-US"/>
+          </a:p>
+        </p:txBody>
+      </p:sp>
+    </p:spTree>
+    <p:extLst>
+      <p:ext uri="{BB962C8B-B14F-4D97-AF65-F5344CB8AC3E}">
+        <p14:creationId xmlns:p14="http://schemas.microsoft.com/office/powerpoint/2010/main" val="2264714924"/>
+      </p:ext>
+    </p:extLst>
+  </p:cSld>
+  <p:clrMapOvr>
+    <a:masterClrMapping/>
+  </p:clrMapOvr>
+</p:sld>
+</file>
+
+<file path=ppt/slides/slide28.xml><?xml version="1.0" encoding="utf-8"?>
+<p:sld xmlns:a="http://schemas.openxmlformats.org/drawingml/2006/main" xmlns:r="http://schemas.openxmlformats.org/officeDocument/2006/relationships" xmlns:p="http://schemas.openxmlformats.org/presentationml/2006/main">
+  <p:cSld>
+    <p:spTree>
+      <p:nvGrpSpPr>
+        <p:cNvPr id="1" name=""/>
+        <p:cNvGrpSpPr/>
+        <p:nvPr/>
+      </p:nvGrpSpPr>
+      <p:grpSpPr>
+        <a:xfrm>
+          <a:off x="0" y="0"/>
+          <a:ext cx="0" cy="0"/>
+          <a:chOff x="0" y="0"/>
+          <a:chExt cx="0" cy="0"/>
+        </a:xfrm>
+      </p:grpSpPr>
+      <p:sp>
+        <p:nvSpPr>
+          <p:cNvPr id="4" name="投影片編號版面配置區 3"/>
+          <p:cNvSpPr>
+            <a:spLocks noGrp="1"/>
+          </p:cNvSpPr>
+          <p:nvPr>
+            <p:ph type="sldNum" sz="quarter" idx="12"/>
+          </p:nvPr>
+        </p:nvSpPr>
+        <p:spPr/>
+        <p:txBody>
+          <a:bodyPr/>
+          <a:lstStyle/>
+          <a:p>
+            <a:fld id="{D466FAAA-B4AD-4AFB-AEBE-069464B45C14}" type="slidenum">
+              <a:rPr lang="zh-TW" altLang="en-US" smtClean="0"/>
+              <a:t>28</a:t>
+            </a:fld>
+            <a:endParaRPr lang="zh-TW" altLang="en-US"/>
+          </a:p>
+        </p:txBody>
+      </p:sp>
+      <p:sp>
+        <p:nvSpPr>
+          <p:cNvPr id="5" name="標題 1"/>
+          <p:cNvSpPr txBox="1">
+            <a:spLocks/>
+          </p:cNvSpPr>
+          <p:nvPr/>
+        </p:nvSpPr>
+        <p:spPr>
+          <a:xfrm>
+            <a:off x="646111" y="2700967"/>
+            <a:ext cx="9404723" cy="1400530"/>
+          </a:xfrm>
+          <a:prstGeom prst="rect">
+            <a:avLst/>
+          </a:prstGeom>
+        </p:spPr>
+        <p:txBody>
+          <a:bodyPr vert="horz" lIns="91440" tIns="45720" rIns="91440" bIns="45720" rtlCol="0" anchor="t">
+            <a:noAutofit/>
+          </a:bodyPr>
+          <a:lstStyle>
+            <a:lvl1pPr algn="l" defTabSz="457200" rtl="0" eaLnBrk="1" latinLnBrk="0" hangingPunct="1">
+              <a:spcBef>
+                <a:spcPct val="0"/>
+              </a:spcBef>
+              <a:buNone/>
+              <a:defRPr sz="4200" b="0" i="0" kern="1200">
+                <a:solidFill>
+                  <a:schemeClr val="tx2"/>
+                </a:solidFill>
+                <a:latin typeface="+mj-lt"/>
+                <a:ea typeface="+mj-ea"/>
+                <a:cs typeface="+mj-cs"/>
+              </a:defRPr>
+            </a:lvl1pPr>
+            <a:lvl2pPr eaLnBrk="1" hangingPunct="1">
+              <a:defRPr>
+                <a:solidFill>
+                  <a:schemeClr val="tx2"/>
+                </a:solidFill>
+              </a:defRPr>
+            </a:lvl2pPr>
+            <a:lvl3pPr eaLnBrk="1" hangingPunct="1">
+              <a:defRPr>
+                <a:solidFill>
+                  <a:schemeClr val="tx2"/>
+                </a:solidFill>
+              </a:defRPr>
+            </a:lvl3pPr>
+            <a:lvl4pPr eaLnBrk="1" hangingPunct="1">
+              <a:defRPr>
+                <a:solidFill>
+                  <a:schemeClr val="tx2"/>
+                </a:solidFill>
+              </a:defRPr>
+            </a:lvl4pPr>
+            <a:lvl5pPr eaLnBrk="1" hangingPunct="1">
+              <a:defRPr>
+                <a:solidFill>
+                  <a:schemeClr val="tx2"/>
+                </a:solidFill>
+              </a:defRPr>
+            </a:lvl5pPr>
+            <a:lvl6pPr eaLnBrk="1" hangingPunct="1">
+              <a:defRPr>
+                <a:solidFill>
+                  <a:schemeClr val="tx2"/>
+                </a:solidFill>
+              </a:defRPr>
+            </a:lvl6pPr>
+            <a:lvl7pPr eaLnBrk="1" hangingPunct="1">
+              <a:defRPr>
+                <a:solidFill>
+                  <a:schemeClr val="tx2"/>
+                </a:solidFill>
+              </a:defRPr>
+            </a:lvl7pPr>
+            <a:lvl8pPr eaLnBrk="1" hangingPunct="1">
+              <a:defRPr>
+                <a:solidFill>
+                  <a:schemeClr val="tx2"/>
+                </a:solidFill>
+              </a:defRPr>
+            </a:lvl8pPr>
+            <a:lvl9pPr eaLnBrk="1" hangingPunct="1">
+              <a:defRPr>
+                <a:solidFill>
+                  <a:schemeClr val="tx2"/>
+                </a:solidFill>
+              </a:defRPr>
+            </a:lvl9pPr>
+          </a:lstStyle>
+          <a:p>
+            <a:pPr algn="ctr"/>
+            <a:r>
+              <a:rPr lang="en-US" altLang="zh-TW" sz="9600" dirty="0"/>
+              <a:t>Q&amp;A</a:t>
+            </a:r>
+            <a:endParaRPr lang="zh-TW" altLang="en-US" sz="9600" dirty="0"/>
+          </a:p>
+        </p:txBody>
+      </p:sp>
+    </p:spTree>
+    <p:extLst>
+      <p:ext uri="{BB962C8B-B14F-4D97-AF65-F5344CB8AC3E}">
+        <p14:creationId xmlns:p14="http://schemas.microsoft.com/office/powerpoint/2010/main" val="1995766345"/>
+      </p:ext>
+    </p:extLst>
+  </p:cSld>
+  <p:clrMapOvr>
+    <a:masterClrMapping/>
+  </p:clrMapOvr>
+</p:sld>
+</file>
+
+<file path=ppt/slides/slide29.xml><?xml version="1.0" encoding="utf-8"?>
+<p:sld xmlns:a="http://schemas.openxmlformats.org/drawingml/2006/main" xmlns:r="http://schemas.openxmlformats.org/officeDocument/2006/relationships" xmlns:p="http://schemas.openxmlformats.org/presentationml/2006/main">
+  <p:cSld>
+    <p:spTree>
+      <p:nvGrpSpPr>
+        <p:cNvPr id="1" name=""/>
+        <p:cNvGrpSpPr/>
+        <p:nvPr/>
+      </p:nvGrpSpPr>
+      <p:grpSpPr>
+        <a:xfrm>
+          <a:off x="0" y="0"/>
+          <a:ext cx="0" cy="0"/>
+          <a:chOff x="0" y="0"/>
+          <a:chExt cx="0" cy="0"/>
+        </a:xfrm>
+      </p:grpSpPr>
+      <p:sp>
+        <p:nvSpPr>
+          <p:cNvPr id="2" name="標題 1"/>
+          <p:cNvSpPr>
+            <a:spLocks noGrp="1"/>
+          </p:cNvSpPr>
+          <p:nvPr>
+            <p:ph type="title"/>
+          </p:nvPr>
+        </p:nvSpPr>
+        <p:spPr/>
+        <p:txBody>
+          <a:bodyPr/>
+          <a:lstStyle/>
+          <a:p>
+            <a:r>
+              <a:rPr lang="en-US" altLang="zh-TW" dirty="0"/>
+              <a:t>See you next time!</a:t>
+            </a:r>
+            <a:endParaRPr lang="zh-TW" altLang="en-US" dirty="0"/>
+          </a:p>
+        </p:txBody>
+      </p:sp>
+      <p:sp>
+        <p:nvSpPr>
+          <p:cNvPr id="3" name="內容版面配置區 2"/>
+          <p:cNvSpPr>
+            <a:spLocks noGrp="1"/>
+          </p:cNvSpPr>
+          <p:nvPr>
+            <p:ph idx="1"/>
+          </p:nvPr>
+        </p:nvSpPr>
+        <p:spPr/>
+        <p:txBody>
+          <a:bodyPr/>
+          <a:lstStyle/>
+          <a:p>
+            <a:endParaRPr lang="zh-TW" altLang="en-US" dirty="0"/>
+          </a:p>
+        </p:txBody>
+      </p:sp>
+      <p:sp>
+        <p:nvSpPr>
+          <p:cNvPr id="4" name="投影片編號版面配置區 3"/>
+          <p:cNvSpPr>
+            <a:spLocks noGrp="1"/>
+          </p:cNvSpPr>
+          <p:nvPr>
+            <p:ph type="sldNum" sz="quarter" idx="12"/>
+          </p:nvPr>
+        </p:nvSpPr>
+        <p:spPr/>
+        <p:txBody>
+          <a:bodyPr/>
+          <a:lstStyle/>
+          <a:p>
+            <a:fld id="{D466FAAA-B4AD-4AFB-AEBE-069464B45C14}" type="slidenum">
+              <a:rPr lang="zh-TW" altLang="en-US" smtClean="0"/>
+              <a:t>29</a:t>
+            </a:fld>
+            <a:endParaRPr lang="zh-TW" altLang="en-US"/>
+          </a:p>
+        </p:txBody>
+      </p:sp>
+    </p:spTree>
+    <p:extLst>
+      <p:ext uri="{BB962C8B-B14F-4D97-AF65-F5344CB8AC3E}">
+        <p14:creationId xmlns:p14="http://schemas.microsoft.com/office/powerpoint/2010/main" val="945461146"/>
+      </p:ext>
+    </p:extLst>
+  </p:cSld>
+  <p:clrMapOvr>
+    <a:masterClrMapping/>
+  </p:clrMapOvr>
+</p:sld>
+</file>
+
+<file path=ppt/slides/slide3.xml><?xml version="1.0" encoding="utf-8"?>
+<p:sld xmlns:a="http://schemas.openxmlformats.org/drawingml/2006/main" xmlns:r="http://schemas.openxmlformats.org/officeDocument/2006/relationships" xmlns:p="http://schemas.openxmlformats.org/presentationml/2006/main">
+  <p:cSld>
+    <p:spTree>
+      <p:nvGrpSpPr>
+        <p:cNvPr id="1" name=""/>
+        <p:cNvGrpSpPr/>
+        <p:nvPr/>
+      </p:nvGrpSpPr>
+      <p:grpSpPr>
+        <a:xfrm>
+          <a:off x="0" y="0"/>
+          <a:ext cx="0" cy="0"/>
+          <a:chOff x="0" y="0"/>
+          <a:chExt cx="0" cy="0"/>
+        </a:xfrm>
+      </p:grpSpPr>
+      <p:sp>
+        <p:nvSpPr>
+          <p:cNvPr id="11" name="Rectangle 10"/>
+          <p:cNvSpPr>
+            <a:spLocks noGrp="1" noRot="1" noChangeAspect="1" noMove="1" noResize="1" noEditPoints="1" noAdjustHandles="1" noChangeArrowheads="1" noChangeShapeType="1" noTextEdit="1"/>
+          </p:cNvSpPr>
+          <p:nvPr>
+            <p:extLst>
+              <p:ext uri="{386F3935-93C4-4BCD-93E2-E3B085C9AB24}">
+                <p16:designElem xmlns:p16="http://schemas.microsoft.com/office/powerpoint/2015/main" val="1"/>
+              </p:ext>
+            </p:extLst>
+          </p:nvPr>
+        </p:nvSpPr>
+        <p:spPr>
+          <a:xfrm>
+            <a:off x="6093992" y="0"/>
+            <a:ext cx="6098427" cy="6858000"/>
+          </a:xfrm>
+          <a:prstGeom prst="rect">
+            <a:avLst/>
+          </a:prstGeom>
+          <a:solidFill>
+            <a:srgbClr val="FFFFFF"/>
+          </a:solidFill>
+          <a:ln>
+            <a:noFill/>
+          </a:ln>
+        </p:spPr>
+        <p:style>
+          <a:lnRef idx="2">
+            <a:schemeClr val="accent1">
+              <a:shade val="50000"/>
+            </a:schemeClr>
+          </a:lnRef>
+          <a:fillRef idx="1">
+            <a:schemeClr val="accent1"/>
+          </a:fillRef>
+          <a:effectRef idx="0">
+            <a:schemeClr val="accent1"/>
+          </a:effectRef>
+          <a:fontRef idx="minor">
+            <a:schemeClr val="lt1"/>
+          </a:fontRef>
+        </p:style>
+        <p:txBody>
+          <a:bodyPr rtlCol="0" anchor="ctr"/>
+          <a:lstStyle/>
+          <a:p>
+            <a:pPr algn="ctr"/>
+            <a:endParaRPr lang="en-US"/>
+          </a:p>
+        </p:txBody>
+      </p:sp>
+      <p:sp>
+        <p:nvSpPr>
+          <p:cNvPr id="12" name="Freeform 31"/>
           <p:cNvSpPr>
             <a:spLocks noGrp="1" noRot="1" noChangeAspect="1" noMove="1" noResize="1" noEditPoints="1" noAdjustHandles="1" noChangeArrowheads="1" noChangeShapeType="1" noTextEdit="1"/>
           </p:cNvSpPr>
@@ -12104,7 +13251,7 @@
       </p:sp>
       <p:sp>
         <p:nvSpPr>
-          <p:cNvPr id="23" name="Freeform 5"/>
+          <p:cNvPr id="13" name="Freeform 5"/>
           <p:cNvSpPr>
             <a:spLocks noGrp="1" noRot="1" noChangeAspect="1" noMove="1" noResize="1" noEditPoints="1" noAdjustHandles="1" noChangeArrowheads="1" noChangeShapeType="1" noTextEdit="1"/>
           </p:cNvSpPr>
@@ -12294,63 +13441,9 @@
           </a:ln>
         </p:spPr>
       </p:sp>
-      <p:sp>
-        <p:nvSpPr>
-          <p:cNvPr id="24" name="Rectangle 19"/>
-          <p:cNvSpPr>
-            <a:spLocks noGrp="1" noRot="1" noChangeAspect="1" noMove="1" noResize="1" noEditPoints="1" noAdjustHandles="1" noChangeArrowheads="1" noChangeShapeType="1" noTextEdit="1"/>
-          </p:cNvSpPr>
-          <p:nvPr>
-            <p:extLst>
-              <p:ext uri="{386F3935-93C4-4BCD-93E2-E3B085C9AB24}">
-                <p16:designElem xmlns:p16="http://schemas.microsoft.com/office/powerpoint/2015/main" val="1"/>
-              </p:ext>
-            </p:extLst>
-          </p:nvPr>
-        </p:nvSpPr>
-        <p:spPr>
-          <a:xfrm>
-            <a:off x="6094411" y="0"/>
-            <a:ext cx="6098008" cy="6858000"/>
-          </a:xfrm>
-          <a:prstGeom prst="rect">
-            <a:avLst/>
-          </a:prstGeom>
-          <a:solidFill>
-            <a:srgbClr val="FFFFFF"/>
-          </a:solidFill>
-          <a:ln>
-            <a:noFill/>
-          </a:ln>
-        </p:spPr>
-        <p:style>
-          <a:lnRef idx="2">
-            <a:schemeClr val="accent1">
-              <a:shade val="50000"/>
-            </a:schemeClr>
-          </a:lnRef>
-          <a:fillRef idx="1">
-            <a:schemeClr val="accent1"/>
-          </a:fillRef>
-          <a:effectRef idx="0">
-            <a:schemeClr val="accent1"/>
-          </a:effectRef>
-          <a:fontRef idx="minor">
-            <a:schemeClr val="lt1"/>
-          </a:fontRef>
-        </p:style>
-        <p:txBody>
-          <a:bodyPr rtlCol="0" anchor="ctr"/>
-          <a:lstStyle/>
-          <a:p>
-            <a:pPr algn="ctr"/>
-            <a:endParaRPr lang="en-US"/>
-          </a:p>
-        </p:txBody>
-      </p:sp>
       <p:pic>
         <p:nvPicPr>
-          <p:cNvPr id="11" name="圖片 10"/>
+          <p:cNvPr id="7" name="內容版面配置區 4"/>
           <p:cNvPicPr>
             <a:picLocks noChangeAspect="1"/>
           </p:cNvPicPr>
@@ -12364,8 +13457,8 @@
         </p:blipFill>
         <p:spPr>
           <a:xfrm>
-            <a:off x="6939608" y="647699"/>
-            <a:ext cx="3759074" cy="3242202"/>
+            <a:off x="6093992" y="2175524"/>
+            <a:ext cx="5449889" cy="2506949"/>
           </a:xfrm>
           <a:prstGeom prst="rect">
             <a:avLst/>
@@ -12375,7 +13468,7 @@
       </p:pic>
       <p:sp>
         <p:nvSpPr>
-          <p:cNvPr id="25" name="Rectangle 20"/>
+          <p:cNvPr id="14" name="Rectangle 13"/>
           <p:cNvSpPr>
             <a:spLocks noGrp="1" noRot="1" noChangeAspect="1" noMove="1" noResize="1" noEditPoints="1" noAdjustHandles="1" noChangeArrowheads="1" noChangeShapeType="1" noTextEdit="1"/>
           </p:cNvSpPr>
@@ -12417,45 +13510,20 @@
           </a:fontRef>
         </p:style>
       </p:sp>
-      <p:pic>
-        <p:nvPicPr>
-          <p:cNvPr id="5" name="圖片 4"/>
-          <p:cNvPicPr>
-            <a:picLocks noChangeAspect="1"/>
-          </p:cNvPicPr>
-          <p:nvPr/>
-        </p:nvPicPr>
-        <p:blipFill>
-          <a:blip r:embed="rId3"/>
-          <a:stretch>
-            <a:fillRect/>
-          </a:stretch>
-        </p:blipFill>
+      <p:sp>
+        <p:nvSpPr>
+          <p:cNvPr id="2" name="標題 1"/>
+          <p:cNvSpPr>
+            <a:spLocks noGrp="1"/>
+          </p:cNvSpPr>
+          <p:nvPr>
+            <p:ph type="title"/>
+          </p:nvPr>
+        </p:nvSpPr>
         <p:spPr>
           <a:xfrm>
-            <a:off x="7053793" y="4085841"/>
-            <a:ext cx="3530705" cy="2162557"/>
-          </a:xfrm>
-          <a:prstGeom prst="rect">
-            <a:avLst/>
-          </a:prstGeom>
-          <a:effectLst/>
-        </p:spPr>
-      </p:pic>
-      <p:sp>
-        <p:nvSpPr>
-          <p:cNvPr id="2" name="標題 1"/>
-          <p:cNvSpPr>
-            <a:spLocks noGrp="1"/>
-          </p:cNvSpPr>
-          <p:nvPr>
-            <p:ph type="title"/>
-          </p:nvPr>
-        </p:nvSpPr>
-        <p:spPr>
-          <a:xfrm>
-            <a:off x="646112" y="452718"/>
-            <a:ext cx="4165580" cy="1400530"/>
+            <a:off x="648931" y="629266"/>
+            <a:ext cx="4166510" cy="1622321"/>
           </a:xfrm>
         </p:spPr>
         <p:txBody>
@@ -12465,84 +13533,90 @@
           <a:lstStyle/>
           <a:p>
             <a:r>
-              <a:rPr lang="en-US" altLang="zh-TW" sz="3900"/>
-              <a:t>Some Common Queries</a:t>
-            </a:r>
-            <a:endParaRPr lang="zh-TW" altLang="en-US" sz="3900"/>
-          </a:p>
-        </p:txBody>
-      </p:sp>
-      <p:sp>
-        <p:nvSpPr>
-          <p:cNvPr id="3" name="內容版面配置區 2"/>
-          <p:cNvSpPr>
-            <a:spLocks noGrp="1"/>
-          </p:cNvSpPr>
-          <p:nvPr>
-            <p:ph idx="1"/>
-          </p:nvPr>
-        </p:nvSpPr>
-        <p:spPr>
-          <a:xfrm>
-            <a:off x="646113" y="2052918"/>
-            <a:ext cx="4165146" cy="4195481"/>
-          </a:xfrm>
-        </p:spPr>
+              <a:rPr lang="en-US" altLang="zh-TW" sz="3900" dirty="0"/>
+              <a:t>Microsoft Graph API</a:t>
+            </a:r>
+            <a:r>
+              <a:rPr lang="zh-TW" altLang="en-US" sz="3900" dirty="0"/>
+              <a:t> </a:t>
+            </a:r>
+            <a:r>
+              <a:rPr lang="en-US" altLang="zh-TW" sz="3900" dirty="0"/>
+              <a:t>intro</a:t>
+            </a:r>
+            <a:endParaRPr lang="zh-TW" altLang="en-US" sz="3900" dirty="0"/>
+          </a:p>
+        </p:txBody>
+      </p:sp>
+      <p:sp>
+        <p:nvSpPr>
+          <p:cNvPr id="4" name="投影片編號版面配置區 3"/>
+          <p:cNvSpPr>
+            <a:spLocks noGrp="1"/>
+          </p:cNvSpPr>
+          <p:nvPr>
+            <p:ph type="sldNum" sz="quarter" idx="12"/>
+          </p:nvPr>
+        </p:nvSpPr>
+        <p:spPr/>
         <p:txBody>
           <a:bodyPr>
             <a:normAutofit/>
           </a:bodyPr>
           <a:lstStyle/>
           <a:p>
-            <a:r>
-              <a:rPr lang="en-US" altLang="zh-TW" dirty="0"/>
-              <a:t>Get my profile</a:t>
-            </a:r>
-          </a:p>
-          <a:p>
-            <a:r>
-              <a:rPr lang="en-US" altLang="zh-TW" dirty="0"/>
-              <a:t>Get my files</a:t>
-            </a:r>
-          </a:p>
-          <a:p>
-            <a:r>
-              <a:rPr lang="en-US" altLang="zh-TW" dirty="0"/>
-              <a:t>…</a:t>
-            </a:r>
-            <a:endParaRPr lang="zh-TW" altLang="en-US" dirty="0"/>
-          </a:p>
-        </p:txBody>
-      </p:sp>
-      <p:sp>
-        <p:nvSpPr>
-          <p:cNvPr id="4" name="投影片編號版面配置區 3"/>
-          <p:cNvSpPr>
-            <a:spLocks noGrp="1"/>
-          </p:cNvSpPr>
-          <p:nvPr>
-            <p:ph type="sldNum" sz="quarter" idx="12"/>
-          </p:nvPr>
-        </p:nvSpPr>
-        <p:spPr/>
+            <a:fld id="{D466FAAA-B4AD-4AFB-AEBE-069464B45C14}" type="slidenum">
+              <a:rPr lang="zh-TW" altLang="en-US" smtClean="0"/>
+              <a:t>3</a:t>
+            </a:fld>
+            <a:endParaRPr lang="zh-TW" altLang="en-US"/>
+          </a:p>
+        </p:txBody>
+      </p:sp>
+      <p:sp>
+        <p:nvSpPr>
+          <p:cNvPr id="9" name="Content Placeholder 8"/>
+          <p:cNvSpPr>
+            <a:spLocks noGrp="1"/>
+          </p:cNvSpPr>
+          <p:nvPr>
+            <p:ph idx="1"/>
+          </p:nvPr>
+        </p:nvSpPr>
+        <p:spPr>
+          <a:xfrm>
+            <a:off x="648931" y="2438400"/>
+            <a:ext cx="4166509" cy="3785419"/>
+          </a:xfrm>
+        </p:spPr>
         <p:txBody>
           <a:bodyPr>
             <a:normAutofit/>
           </a:bodyPr>
           <a:lstStyle/>
           <a:p>
-            <a:fld id="{D466FAAA-B4AD-4AFB-AEBE-069464B45C14}" type="slidenum">
-              <a:rPr lang="zh-TW" altLang="en-US" smtClean="0"/>
-              <a:t>6</a:t>
-            </a:fld>
-            <a:endParaRPr lang="zh-TW" altLang="en-US"/>
+            <a:r>
+              <a:rPr lang="en-US" altLang="zh-TW" dirty="0"/>
+              <a:t>Microsoft Graph (previously called Office 365 unified API) exposes multiple APIs from Microsoft cloud services through a single REST API endpoint (</a:t>
+            </a:r>
+            <a:r>
+              <a:rPr lang="en-US" altLang="zh-TW" b="1" dirty="0">
+                <a:hlinkClick r:id="rId3"/>
+              </a:rPr>
+              <a:t>https://graph.microsoft.com</a:t>
+            </a:r>
+            <a:r>
+              <a:rPr lang="en-US" altLang="zh-TW" dirty="0"/>
+              <a:t>). Using the Microsoft Graph, you can turn formerly difficult or complex queries into simple navigations.</a:t>
+            </a:r>
+            <a:endParaRPr lang="en-US" dirty="0"/>
           </a:p>
         </p:txBody>
       </p:sp>
     </p:spTree>
     <p:extLst>
       <p:ext uri="{BB962C8B-B14F-4D97-AF65-F5344CB8AC3E}">
-        <p14:creationId xmlns:p14="http://schemas.microsoft.com/office/powerpoint/2010/main" val="1188016881"/>
+        <p14:creationId xmlns:p14="http://schemas.microsoft.com/office/powerpoint/2010/main" val="1658513157"/>
       </p:ext>
     </p:extLst>
   </p:cSld>
@@ -12552,7 +13626,7 @@
 </p:sld>
 </file>
 
-<file path=ppt/slides/slide7.xml><?xml version="1.0" encoding="utf-8"?>
+<file path=ppt/slides/slide4.xml><?xml version="1.0" encoding="utf-8"?>
 <p:sld xmlns:a="http://schemas.openxmlformats.org/drawingml/2006/main" xmlns:r="http://schemas.openxmlformats.org/officeDocument/2006/relationships" xmlns:p="http://schemas.openxmlformats.org/presentationml/2006/main">
   <p:cSld>
     <p:spTree>
@@ -12571,89 +13645,7 @@
       </p:grpSpPr>
       <p:sp>
         <p:nvSpPr>
-          <p:cNvPr id="2" name="標題 1"/>
-          <p:cNvSpPr>
-            <a:spLocks noGrp="1"/>
-          </p:cNvSpPr>
-          <p:nvPr>
-            <p:ph type="title"/>
-          </p:nvPr>
-        </p:nvSpPr>
-        <p:spPr>
-          <a:xfrm>
-            <a:off x="646111" y="2910693"/>
-            <a:ext cx="9404723" cy="1400530"/>
-          </a:xfrm>
-        </p:spPr>
-        <p:txBody>
-          <a:bodyPr/>
-          <a:lstStyle/>
-          <a:p>
-            <a:pPr algn="ctr"/>
-            <a:r>
-              <a:rPr lang="en-US" altLang="zh-TW" dirty="0"/>
-              <a:t>Break time</a:t>
-            </a:r>
-            <a:endParaRPr lang="zh-TW" altLang="en-US" dirty="0"/>
-          </a:p>
-        </p:txBody>
-      </p:sp>
-      <p:sp>
-        <p:nvSpPr>
-          <p:cNvPr id="4" name="投影片編號版面配置區 3"/>
-          <p:cNvSpPr>
-            <a:spLocks noGrp="1"/>
-          </p:cNvSpPr>
-          <p:nvPr>
-            <p:ph type="sldNum" sz="quarter" idx="12"/>
-          </p:nvPr>
-        </p:nvSpPr>
-        <p:spPr/>
-        <p:txBody>
-          <a:bodyPr/>
-          <a:lstStyle/>
-          <a:p>
-            <a:fld id="{D466FAAA-B4AD-4AFB-AEBE-069464B45C14}" type="slidenum">
-              <a:rPr lang="zh-TW" altLang="en-US" smtClean="0"/>
-              <a:t>7</a:t>
-            </a:fld>
-            <a:endParaRPr lang="zh-TW" altLang="en-US"/>
-          </a:p>
-        </p:txBody>
-      </p:sp>
-    </p:spTree>
-    <p:extLst>
-      <p:ext uri="{BB962C8B-B14F-4D97-AF65-F5344CB8AC3E}">
-        <p14:creationId xmlns:p14="http://schemas.microsoft.com/office/powerpoint/2010/main" val="3595162902"/>
-      </p:ext>
-    </p:extLst>
-  </p:cSld>
-  <p:clrMapOvr>
-    <a:masterClrMapping/>
-  </p:clrMapOvr>
-</p:sld>
-</file>
-
-<file path=ppt/slides/slide8.xml><?xml version="1.0" encoding="utf-8"?>
-<p:sld xmlns:a="http://schemas.openxmlformats.org/drawingml/2006/main" xmlns:r="http://schemas.openxmlformats.org/officeDocument/2006/relationships" xmlns:p="http://schemas.openxmlformats.org/presentationml/2006/main">
-  <p:cSld>
-    <p:spTree>
-      <p:nvGrpSpPr>
-        <p:cNvPr id="1" name=""/>
-        <p:cNvGrpSpPr/>
-        <p:nvPr/>
-      </p:nvGrpSpPr>
-      <p:grpSpPr>
-        <a:xfrm>
-          <a:off x="0" y="0"/>
-          <a:ext cx="0" cy="0"/>
-          <a:chOff x="0" y="0"/>
-          <a:chExt cx="0" cy="0"/>
-        </a:xfrm>
-      </p:grpSpPr>
-      <p:sp>
-        <p:nvSpPr>
-          <p:cNvPr id="11" name="Rectangle 6"/>
+          <p:cNvPr id="8" name="Rectangle 7"/>
           <p:cNvSpPr>
             <a:spLocks noGrp="1" noRot="1" noChangeAspect="1" noMove="1" noResize="1" noEditPoints="1" noAdjustHandles="1" noChangeArrowheads="1" noChangeShapeType="1" noTextEdit="1"/>
           </p:cNvSpPr>
@@ -12707,7 +13699,7 @@
       </p:sp>
       <p:sp>
         <p:nvSpPr>
-          <p:cNvPr id="12" name="Freeform 31"/>
+          <p:cNvPr id="9" name="Freeform 31"/>
           <p:cNvSpPr>
             <a:spLocks noGrp="1" noRot="1" noChangeAspect="1" noMove="1" noResize="1" noEditPoints="1" noAdjustHandles="1" noChangeArrowheads="1" noChangeShapeType="1" noTextEdit="1"/>
           </p:cNvSpPr>
@@ -13050,7 +14042,7 @@
       </p:sp>
       <p:sp>
         <p:nvSpPr>
-          <p:cNvPr id="13" name="Freeform 5"/>
+          <p:cNvPr id="10" name="Freeform 5"/>
           <p:cNvSpPr>
             <a:spLocks noGrp="1" noRot="1" noChangeAspect="1" noMove="1" noResize="1" noEditPoints="1" noAdjustHandles="1" noChangeArrowheads="1" noChangeShapeType="1" noTextEdit="1"/>
           </p:cNvSpPr>
@@ -13242,22 +14234,21 @@
       </p:sp>
       <p:pic>
         <p:nvPicPr>
-          <p:cNvPr id="5" name="圖片 4"/>
+          <p:cNvPr id="6" name="圖片 5"/>
           <p:cNvPicPr>
             <a:picLocks noChangeAspect="1"/>
           </p:cNvPicPr>
           <p:nvPr/>
         </p:nvPicPr>
-        <p:blipFill>
+        <p:blipFill rotWithShape="1">
           <a:blip r:embed="rId2"/>
-          <a:stretch>
-            <a:fillRect/>
-          </a:stretch>
+          <a:srcRect l="46035" t="21491" b="13118"/>
+          <a:stretch/>
         </p:blipFill>
         <p:spPr>
           <a:xfrm>
-            <a:off x="6093992" y="1480663"/>
-            <a:ext cx="5449889" cy="3896670"/>
+            <a:off x="5945271" y="1552092"/>
+            <a:ext cx="5463752" cy="4026587"/>
           </a:xfrm>
           <a:prstGeom prst="rect">
             <a:avLst/>
@@ -13267,7 +14258,7 @@
       </p:pic>
       <p:sp>
         <p:nvSpPr>
-          <p:cNvPr id="14" name="Rectangle 9"/>
+          <p:cNvPr id="11" name="Rectangle 10"/>
           <p:cNvSpPr>
             <a:spLocks noGrp="1" noRot="1" noChangeAspect="1" noMove="1" noResize="1" noEditPoints="1" noAdjustHandles="1" noChangeArrowheads="1" noChangeShapeType="1" noTextEdit="1"/>
           </p:cNvSpPr>
@@ -13332,10 +14323,18 @@
           <a:lstStyle/>
           <a:p>
             <a:r>
-              <a:rPr lang="en-US" altLang="zh-TW" dirty="0"/>
-              <a:t>Setting</a:t>
-            </a:r>
-            <a:endParaRPr lang="zh-TW" altLang="en-US" dirty="0"/>
+              <a:rPr lang="en-US" altLang="zh-TW" sz="3900" dirty="0"/>
+              <a:t>Microsoft Graph API</a:t>
+            </a:r>
+            <a:r>
+              <a:rPr lang="zh-TW" altLang="en-US" sz="3900" dirty="0"/>
+              <a:t> </a:t>
+            </a:r>
+            <a:r>
+              <a:rPr lang="en-US" altLang="zh-TW" sz="3900" dirty="0"/>
+              <a:t>feature</a:t>
+            </a:r>
+            <a:endParaRPr lang="zh-TW" altLang="en-US" sz="3900" dirty="0"/>
           </a:p>
         </p:txBody>
       </p:sp>
@@ -13361,43 +14360,36 @@
           </a:bodyPr>
           <a:lstStyle/>
           <a:p>
+            <a:pPr>
+              <a:lnSpc>
+                <a:spcPct val="90000"/>
+              </a:lnSpc>
+            </a:pPr>
             <a:r>
               <a:rPr lang="en-US" altLang="zh-TW" dirty="0"/>
-              <a:t>Sign up a developer account (</a:t>
-            </a:r>
-            <a:r>
-              <a:rPr lang="en-US" altLang="zh-TW" dirty="0" err="1">
-                <a:hlinkClick r:id="rId3"/>
-              </a:rPr>
-              <a:t>gotoLink</a:t>
-            </a:r>
+              <a:t>Unified Microsoft API and SDKs</a:t>
+            </a:r>
+          </a:p>
+          <a:p>
+            <a:pPr>
+              <a:lnSpc>
+                <a:spcPct val="90000"/>
+              </a:lnSpc>
+            </a:pPr>
             <a:r>
               <a:rPr lang="en-US" altLang="zh-TW" dirty="0"/>
-              <a:t>)</a:t>
-            </a:r>
-          </a:p>
-          <a:p>
+              <a:t>Single sign-on with Azure</a:t>
+            </a:r>
+          </a:p>
+          <a:p>
+            <a:pPr>
+              <a:lnSpc>
+                <a:spcPct val="90000"/>
+              </a:lnSpc>
+            </a:pPr>
             <a:r>
               <a:rPr lang="en-US" altLang="zh-TW" dirty="0"/>
-              <a:t>Login Office365:prepare email and </a:t>
-            </a:r>
-            <a:r>
-              <a:rPr lang="en-US" altLang="zh-TW" dirty="0" err="1"/>
-              <a:t>onedrive</a:t>
-            </a:r>
-            <a:r>
-              <a:rPr lang="en-US" altLang="zh-TW" dirty="0"/>
-              <a:t>(</a:t>
-            </a:r>
-            <a:r>
-              <a:rPr lang="en-US" altLang="zh-TW" dirty="0" err="1">
-                <a:hlinkClick r:id="rId4"/>
-              </a:rPr>
-              <a:t>gotoLink</a:t>
-            </a:r>
-            <a:r>
-              <a:rPr lang="en-US" altLang="zh-TW" dirty="0"/>
-              <a:t>)</a:t>
+              <a:t>Access to data in real-time</a:t>
             </a:r>
           </a:p>
         </p:txBody>
@@ -13417,6 +14409,1201 @@
           <a:bodyPr>
             <a:normAutofit/>
           </a:bodyPr>
+          <a:lstStyle/>
+          <a:p>
+            <a:fld id="{D466FAAA-B4AD-4AFB-AEBE-069464B45C14}" type="slidenum">
+              <a:rPr lang="zh-TW" altLang="en-US" smtClean="0"/>
+              <a:t>4</a:t>
+            </a:fld>
+            <a:endParaRPr lang="zh-TW" altLang="en-US"/>
+          </a:p>
+        </p:txBody>
+      </p:sp>
+    </p:spTree>
+    <p:extLst>
+      <p:ext uri="{BB962C8B-B14F-4D97-AF65-F5344CB8AC3E}">
+        <p14:creationId xmlns:p14="http://schemas.microsoft.com/office/powerpoint/2010/main" val="462391528"/>
+      </p:ext>
+    </p:extLst>
+  </p:cSld>
+  <p:clrMapOvr>
+    <a:masterClrMapping/>
+  </p:clrMapOvr>
+</p:sld>
+</file>
+
+<file path=ppt/slides/slide5.xml><?xml version="1.0" encoding="utf-8"?>
+<p:sld xmlns:a="http://schemas.openxmlformats.org/drawingml/2006/main" xmlns:r="http://schemas.openxmlformats.org/officeDocument/2006/relationships" xmlns:p="http://schemas.openxmlformats.org/presentationml/2006/main">
+  <p:cSld>
+    <p:spTree>
+      <p:nvGrpSpPr>
+        <p:cNvPr id="1" name=""/>
+        <p:cNvGrpSpPr/>
+        <p:nvPr/>
+      </p:nvGrpSpPr>
+      <p:grpSpPr>
+        <a:xfrm>
+          <a:off x="0" y="0"/>
+          <a:ext cx="0" cy="0"/>
+          <a:chOff x="0" y="0"/>
+          <a:chExt cx="0" cy="0"/>
+        </a:xfrm>
+      </p:grpSpPr>
+      <p:sp>
+        <p:nvSpPr>
+          <p:cNvPr id="68" name="Rectangle 67"/>
+          <p:cNvSpPr>
+            <a:spLocks noGrp="1" noRot="1" noChangeAspect="1" noMove="1" noResize="1" noEditPoints="1" noAdjustHandles="1" noChangeArrowheads="1" noChangeShapeType="1" noTextEdit="1"/>
+          </p:cNvSpPr>
+          <p:nvPr>
+            <p:extLst>
+              <p:ext uri="{386F3935-93C4-4BCD-93E2-E3B085C9AB24}">
+                <p16:designElem xmlns:p16="http://schemas.microsoft.com/office/powerpoint/2015/main" val="1"/>
+              </p:ext>
+            </p:extLst>
+          </p:nvPr>
+        </p:nvSpPr>
+        <p:spPr>
+          <a:xfrm>
+            <a:off x="6093992" y="0"/>
+            <a:ext cx="6098427" cy="6858000"/>
+          </a:xfrm>
+          <a:prstGeom prst="rect">
+            <a:avLst/>
+          </a:prstGeom>
+          <a:solidFill>
+            <a:srgbClr val="FFFFFF"/>
+          </a:solidFill>
+          <a:ln>
+            <a:noFill/>
+          </a:ln>
+        </p:spPr>
+        <p:style>
+          <a:lnRef idx="2">
+            <a:schemeClr val="accent1">
+              <a:shade val="50000"/>
+            </a:schemeClr>
+          </a:lnRef>
+          <a:fillRef idx="1">
+            <a:schemeClr val="accent1"/>
+          </a:fillRef>
+          <a:effectRef idx="0">
+            <a:schemeClr val="accent1"/>
+          </a:effectRef>
+          <a:fontRef idx="minor">
+            <a:schemeClr val="lt1"/>
+          </a:fontRef>
+        </p:style>
+        <p:txBody>
+          <a:bodyPr rtlCol="0" anchor="ctr"/>
+          <a:lstStyle/>
+          <a:p>
+            <a:pPr algn="ctr"/>
+            <a:endParaRPr lang="en-US"/>
+          </a:p>
+        </p:txBody>
+      </p:sp>
+      <p:sp>
+        <p:nvSpPr>
+          <p:cNvPr id="69" name="Freeform 31"/>
+          <p:cNvSpPr>
+            <a:spLocks noGrp="1" noRot="1" noChangeAspect="1" noMove="1" noResize="1" noEditPoints="1" noAdjustHandles="1" noChangeArrowheads="1" noChangeShapeType="1" noTextEdit="1"/>
+          </p:cNvSpPr>
+          <p:nvPr>
+            <p:extLst>
+              <p:ext uri="{386F3935-93C4-4BCD-93E2-E3B085C9AB24}">
+                <p16:designElem xmlns:p16="http://schemas.microsoft.com/office/powerpoint/2015/main" val="1"/>
+              </p:ext>
+            </p:extLst>
+          </p:nvPr>
+        </p:nvSpPr>
+        <p:spPr>
+          <a:xfrm>
+            <a:off x="4994020" y="-1"/>
+            <a:ext cx="559472" cy="3709642"/>
+          </a:xfrm>
+          <a:custGeom>
+            <a:avLst/>
+            <a:gdLst>
+              <a:gd name="connsiteX0" fmla="*/ 0 w 559472"/>
+              <a:gd name="connsiteY0" fmla="*/ 0 h 3709642"/>
+              <a:gd name="connsiteX1" fmla="*/ 473952 w 559472"/>
+              <a:gd name="connsiteY1" fmla="*/ 0 h 3709642"/>
+              <a:gd name="connsiteX2" fmla="*/ 485840 w 559472"/>
+              <a:gd name="connsiteY2" fmla="*/ 161194 h 3709642"/>
+              <a:gd name="connsiteX3" fmla="*/ 523949 w 559472"/>
+              <a:gd name="connsiteY3" fmla="*/ 3672197 h 3709642"/>
+              <a:gd name="connsiteX4" fmla="*/ 454748 w 559472"/>
+              <a:gd name="connsiteY4" fmla="*/ 3709642 h 3709642"/>
+              <a:gd name="connsiteX5" fmla="*/ 448224 w 559472"/>
+              <a:gd name="connsiteY5" fmla="*/ 3510471 h 3709642"/>
+              <a:gd name="connsiteX6" fmla="*/ 443564 w 559472"/>
+              <a:gd name="connsiteY6" fmla="*/ 3408563 h 3709642"/>
+              <a:gd name="connsiteX7" fmla="*/ 438902 w 559472"/>
+              <a:gd name="connsiteY7" fmla="*/ 3304407 h 3709642"/>
+              <a:gd name="connsiteX8" fmla="*/ 433941 w 559472"/>
+              <a:gd name="connsiteY8" fmla="*/ 3198777 h 3709642"/>
+              <a:gd name="connsiteX9" fmla="*/ 427584 w 559472"/>
+              <a:gd name="connsiteY9" fmla="*/ 3092510 h 3709642"/>
+              <a:gd name="connsiteX10" fmla="*/ 420988 w 559472"/>
+              <a:gd name="connsiteY10" fmla="*/ 2984390 h 3709642"/>
+              <a:gd name="connsiteX11" fmla="*/ 414330 w 559472"/>
+              <a:gd name="connsiteY11" fmla="*/ 2874401 h 3709642"/>
+              <a:gd name="connsiteX12" fmla="*/ 406840 w 559472"/>
+              <a:gd name="connsiteY12" fmla="*/ 2762980 h 3709642"/>
+              <a:gd name="connsiteX13" fmla="*/ 397745 w 559472"/>
+              <a:gd name="connsiteY13" fmla="*/ 2650566 h 3709642"/>
+              <a:gd name="connsiteX14" fmla="*/ 389154 w 559472"/>
+              <a:gd name="connsiteY14" fmla="*/ 2536612 h 3709642"/>
+              <a:gd name="connsiteX15" fmla="*/ 379225 w 559472"/>
+              <a:gd name="connsiteY15" fmla="*/ 2421642 h 3709642"/>
+              <a:gd name="connsiteX16" fmla="*/ 368316 w 559472"/>
+              <a:gd name="connsiteY16" fmla="*/ 2305627 h 3709642"/>
+              <a:gd name="connsiteX17" fmla="*/ 357466 w 559472"/>
+              <a:gd name="connsiteY17" fmla="*/ 2189233 h 3709642"/>
+              <a:gd name="connsiteX18" fmla="*/ 344982 w 559472"/>
+              <a:gd name="connsiteY18" fmla="*/ 2071473 h 3709642"/>
+              <a:gd name="connsiteX19" fmla="*/ 332466 w 559472"/>
+              <a:gd name="connsiteY19" fmla="*/ 1952216 h 3709642"/>
+              <a:gd name="connsiteX20" fmla="*/ 319121 w 559472"/>
+              <a:gd name="connsiteY20" fmla="*/ 1833776 h 3709642"/>
+              <a:gd name="connsiteX21" fmla="*/ 304408 w 559472"/>
+              <a:gd name="connsiteY21" fmla="*/ 1713948 h 3709642"/>
+              <a:gd name="connsiteX22" fmla="*/ 288685 w 559472"/>
+              <a:gd name="connsiteY22" fmla="*/ 1592703 h 3709642"/>
+              <a:gd name="connsiteX23" fmla="*/ 273050 w 559472"/>
+              <a:gd name="connsiteY23" fmla="*/ 1471451 h 3709642"/>
+              <a:gd name="connsiteX24" fmla="*/ 255813 w 559472"/>
+              <a:gd name="connsiteY24" fmla="*/ 1350328 h 3709642"/>
+              <a:gd name="connsiteX25" fmla="*/ 237060 w 559472"/>
+              <a:gd name="connsiteY25" fmla="*/ 1227080 h 3709642"/>
+              <a:gd name="connsiteX26" fmla="*/ 218488 w 559472"/>
+              <a:gd name="connsiteY26" fmla="*/ 1106065 h 3709642"/>
+              <a:gd name="connsiteX27" fmla="*/ 198221 w 559472"/>
+              <a:gd name="connsiteY27" fmla="*/ 982940 h 3709642"/>
+              <a:gd name="connsiteX28" fmla="*/ 177152 w 559472"/>
+              <a:gd name="connsiteY28" fmla="*/ 858755 h 3709642"/>
+              <a:gd name="connsiteX29" fmla="*/ 155551 w 559472"/>
+              <a:gd name="connsiteY29" fmla="*/ 736861 h 3709642"/>
+              <a:gd name="connsiteX30" fmla="*/ 131782 w 559472"/>
+              <a:gd name="connsiteY30" fmla="*/ 613645 h 3709642"/>
+              <a:gd name="connsiteX31" fmla="*/ 107123 w 559472"/>
+              <a:gd name="connsiteY31" fmla="*/ 490500 h 3709642"/>
+              <a:gd name="connsiteX32" fmla="*/ 82552 w 559472"/>
+              <a:gd name="connsiteY32" fmla="*/ 367348 h 3709642"/>
+              <a:gd name="connsiteX33" fmla="*/ 55608 w 559472"/>
+              <a:gd name="connsiteY33" fmla="*/ 244762 h 3709642"/>
+              <a:gd name="connsiteX34" fmla="*/ 28130 w 559472"/>
+              <a:gd name="connsiteY34" fmla="*/ 122220 h 3709642"/>
+              <a:gd name="connsiteX35" fmla="*/ 0 w 559472"/>
+              <a:gd name="connsiteY35" fmla="*/ 0 h 3709642"/>
+            </a:gdLst>
+            <a:ahLst/>
+            <a:cxnLst>
+              <a:cxn ang="0">
+                <a:pos x="connsiteX0" y="connsiteY0"/>
+              </a:cxn>
+              <a:cxn ang="0">
+                <a:pos x="connsiteX1" y="connsiteY1"/>
+              </a:cxn>
+              <a:cxn ang="0">
+                <a:pos x="connsiteX2" y="connsiteY2"/>
+              </a:cxn>
+              <a:cxn ang="0">
+                <a:pos x="connsiteX3" y="connsiteY3"/>
+              </a:cxn>
+              <a:cxn ang="0">
+                <a:pos x="connsiteX4" y="connsiteY4"/>
+              </a:cxn>
+              <a:cxn ang="0">
+                <a:pos x="connsiteX5" y="connsiteY5"/>
+              </a:cxn>
+              <a:cxn ang="0">
+                <a:pos x="connsiteX6" y="connsiteY6"/>
+              </a:cxn>
+              <a:cxn ang="0">
+                <a:pos x="connsiteX7" y="connsiteY7"/>
+              </a:cxn>
+              <a:cxn ang="0">
+                <a:pos x="connsiteX8" y="connsiteY8"/>
+              </a:cxn>
+              <a:cxn ang="0">
+                <a:pos x="connsiteX9" y="connsiteY9"/>
+              </a:cxn>
+              <a:cxn ang="0">
+                <a:pos x="connsiteX10" y="connsiteY10"/>
+              </a:cxn>
+              <a:cxn ang="0">
+                <a:pos x="connsiteX11" y="connsiteY11"/>
+              </a:cxn>
+              <a:cxn ang="0">
+                <a:pos x="connsiteX12" y="connsiteY12"/>
+              </a:cxn>
+              <a:cxn ang="0">
+                <a:pos x="connsiteX13" y="connsiteY13"/>
+              </a:cxn>
+              <a:cxn ang="0">
+                <a:pos x="connsiteX14" y="connsiteY14"/>
+              </a:cxn>
+              <a:cxn ang="0">
+                <a:pos x="connsiteX15" y="connsiteY15"/>
+              </a:cxn>
+              <a:cxn ang="0">
+                <a:pos x="connsiteX16" y="connsiteY16"/>
+              </a:cxn>
+              <a:cxn ang="0">
+                <a:pos x="connsiteX17" y="connsiteY17"/>
+              </a:cxn>
+              <a:cxn ang="0">
+                <a:pos x="connsiteX18" y="connsiteY18"/>
+              </a:cxn>
+              <a:cxn ang="0">
+                <a:pos x="connsiteX19" y="connsiteY19"/>
+              </a:cxn>
+              <a:cxn ang="0">
+                <a:pos x="connsiteX20" y="connsiteY20"/>
+              </a:cxn>
+              <a:cxn ang="0">
+                <a:pos x="connsiteX21" y="connsiteY21"/>
+              </a:cxn>
+              <a:cxn ang="0">
+                <a:pos x="connsiteX22" y="connsiteY22"/>
+              </a:cxn>
+              <a:cxn ang="0">
+                <a:pos x="connsiteX23" y="connsiteY23"/>
+              </a:cxn>
+              <a:cxn ang="0">
+                <a:pos x="connsiteX24" y="connsiteY24"/>
+              </a:cxn>
+              <a:cxn ang="0">
+                <a:pos x="connsiteX25" y="connsiteY25"/>
+              </a:cxn>
+              <a:cxn ang="0">
+                <a:pos x="connsiteX26" y="connsiteY26"/>
+              </a:cxn>
+              <a:cxn ang="0">
+                <a:pos x="connsiteX27" y="connsiteY27"/>
+              </a:cxn>
+              <a:cxn ang="0">
+                <a:pos x="connsiteX28" y="connsiteY28"/>
+              </a:cxn>
+              <a:cxn ang="0">
+                <a:pos x="connsiteX29" y="connsiteY29"/>
+              </a:cxn>
+              <a:cxn ang="0">
+                <a:pos x="connsiteX30" y="connsiteY30"/>
+              </a:cxn>
+              <a:cxn ang="0">
+                <a:pos x="connsiteX31" y="connsiteY31"/>
+              </a:cxn>
+              <a:cxn ang="0">
+                <a:pos x="connsiteX32" y="connsiteY32"/>
+              </a:cxn>
+              <a:cxn ang="0">
+                <a:pos x="connsiteX33" y="connsiteY33"/>
+              </a:cxn>
+              <a:cxn ang="0">
+                <a:pos x="connsiteX34" y="connsiteY34"/>
+              </a:cxn>
+              <a:cxn ang="0">
+                <a:pos x="connsiteX35" y="connsiteY35"/>
+              </a:cxn>
+            </a:cxnLst>
+            <a:rect l="l" t="t" r="r" b="b"/>
+            <a:pathLst>
+              <a:path w="559472" h="3709642">
+                <a:moveTo>
+                  <a:pt x="0" y="0"/>
+                </a:moveTo>
+                <a:lnTo>
+                  <a:pt x="473952" y="0"/>
+                </a:lnTo>
+                <a:lnTo>
+                  <a:pt x="485840" y="161194"/>
+                </a:lnTo>
+                <a:cubicBezTo>
+                  <a:pt x="552063" y="1147770"/>
+                  <a:pt x="592441" y="3086737"/>
+                  <a:pt x="523949" y="3672197"/>
+                </a:cubicBezTo>
+                <a:cubicBezTo>
+                  <a:pt x="500842" y="3684557"/>
+                  <a:pt x="477855" y="3697282"/>
+                  <a:pt x="454748" y="3709642"/>
+                </a:cubicBezTo>
+                <a:lnTo>
+                  <a:pt x="448224" y="3510471"/>
+                </a:lnTo>
+                <a:lnTo>
+                  <a:pt x="443564" y="3408563"/>
+                </a:lnTo>
+                <a:lnTo>
+                  <a:pt x="438902" y="3304407"/>
+                </a:lnTo>
+                <a:lnTo>
+                  <a:pt x="433941" y="3198777"/>
+                </a:lnTo>
+                <a:lnTo>
+                  <a:pt x="427584" y="3092510"/>
+                </a:lnTo>
+                <a:lnTo>
+                  <a:pt x="420988" y="2984390"/>
+                </a:lnTo>
+                <a:lnTo>
+                  <a:pt x="414330" y="2874401"/>
+                </a:lnTo>
+                <a:lnTo>
+                  <a:pt x="406840" y="2762980"/>
+                </a:lnTo>
+                <a:lnTo>
+                  <a:pt x="397745" y="2650566"/>
+                </a:lnTo>
+                <a:lnTo>
+                  <a:pt x="389154" y="2536612"/>
+                </a:lnTo>
+                <a:lnTo>
+                  <a:pt x="379225" y="2421642"/>
+                </a:lnTo>
+                <a:lnTo>
+                  <a:pt x="368316" y="2305627"/>
+                </a:lnTo>
+                <a:lnTo>
+                  <a:pt x="357466" y="2189233"/>
+                </a:lnTo>
+                <a:lnTo>
+                  <a:pt x="344982" y="2071473"/>
+                </a:lnTo>
+                <a:lnTo>
+                  <a:pt x="332466" y="1952216"/>
+                </a:lnTo>
+                <a:lnTo>
+                  <a:pt x="319121" y="1833776"/>
+                </a:lnTo>
+                <a:lnTo>
+                  <a:pt x="304408" y="1713948"/>
+                </a:lnTo>
+                <a:lnTo>
+                  <a:pt x="288685" y="1592703"/>
+                </a:lnTo>
+                <a:lnTo>
+                  <a:pt x="273050" y="1471451"/>
+                </a:lnTo>
+                <a:lnTo>
+                  <a:pt x="255813" y="1350328"/>
+                </a:lnTo>
+                <a:lnTo>
+                  <a:pt x="237060" y="1227080"/>
+                </a:lnTo>
+                <a:lnTo>
+                  <a:pt x="218488" y="1106065"/>
+                </a:lnTo>
+                <a:lnTo>
+                  <a:pt x="198221" y="982940"/>
+                </a:lnTo>
+                <a:lnTo>
+                  <a:pt x="177152" y="858755"/>
+                </a:lnTo>
+                <a:lnTo>
+                  <a:pt x="155551" y="736861"/>
+                </a:lnTo>
+                <a:lnTo>
+                  <a:pt x="131782" y="613645"/>
+                </a:lnTo>
+                <a:lnTo>
+                  <a:pt x="107123" y="490500"/>
+                </a:lnTo>
+                <a:lnTo>
+                  <a:pt x="82552" y="367348"/>
+                </a:lnTo>
+                <a:lnTo>
+                  <a:pt x="55608" y="244762"/>
+                </a:lnTo>
+                <a:lnTo>
+                  <a:pt x="28130" y="122220"/>
+                </a:lnTo>
+                <a:lnTo>
+                  <a:pt x="0" y="0"/>
+                </a:lnTo>
+                <a:close/>
+              </a:path>
+            </a:pathLst>
+          </a:custGeom>
+          <a:solidFill>
+            <a:schemeClr val="tx1">
+              <a:alpha val="20000"/>
+            </a:schemeClr>
+          </a:solidFill>
+          <a:ln>
+            <a:noFill/>
+          </a:ln>
+        </p:spPr>
+        <p:txBody>
+          <a:bodyPr rtlCol="0" anchor="ctr"/>
+          <a:lstStyle/>
+          <a:p>
+            <a:pPr algn="ctr"/>
+            <a:endParaRPr lang="en-US"/>
+          </a:p>
+        </p:txBody>
+      </p:sp>
+      <p:sp>
+        <p:nvSpPr>
+          <p:cNvPr id="70" name="Freeform 5"/>
+          <p:cNvSpPr>
+            <a:spLocks noGrp="1" noRot="1" noChangeAspect="1" noMove="1" noResize="1" noEditPoints="1" noAdjustHandles="1" noChangeArrowheads="1" noChangeShapeType="1" noTextEdit="1"/>
+          </p:cNvSpPr>
+          <p:nvPr>
+            <p:extLst>
+              <p:ext uri="{386F3935-93C4-4BCD-93E2-E3B085C9AB24}">
+                <p16:designElem xmlns:p16="http://schemas.microsoft.com/office/powerpoint/2015/main" val="1"/>
+              </p:ext>
+            </p:extLst>
+          </p:nvPr>
+        </p:nvSpPr>
+        <p:spPr bwMode="gray">
+          <a:xfrm rot="16200000">
+            <a:off x="2450577" y="2756642"/>
+            <a:ext cx="6858000" cy="1344715"/>
+          </a:xfrm>
+          <a:custGeom>
+            <a:avLst/>
+            <a:gdLst/>
+            <a:ahLst/>
+            <a:cxnLst/>
+            <a:rect l="l" t="t" r="r" b="b"/>
+            <a:pathLst>
+              <a:path w="10000" h="8000">
+                <a:moveTo>
+                  <a:pt x="0" y="0"/>
+                </a:moveTo>
+                <a:lnTo>
+                  <a:pt x="0" y="7970"/>
+                </a:lnTo>
+                <a:lnTo>
+                  <a:pt x="10000" y="8000"/>
+                </a:lnTo>
+                <a:lnTo>
+                  <a:pt x="10000" y="7"/>
+                </a:lnTo>
+                <a:lnTo>
+                  <a:pt x="10000" y="7"/>
+                </a:lnTo>
+                <a:lnTo>
+                  <a:pt x="9773" y="156"/>
+                </a:lnTo>
+                <a:lnTo>
+                  <a:pt x="9547" y="298"/>
+                </a:lnTo>
+                <a:lnTo>
+                  <a:pt x="9320" y="437"/>
+                </a:lnTo>
+                <a:lnTo>
+                  <a:pt x="9092" y="556"/>
+                </a:lnTo>
+                <a:lnTo>
+                  <a:pt x="8865" y="676"/>
+                </a:lnTo>
+                <a:lnTo>
+                  <a:pt x="8637" y="788"/>
+                </a:lnTo>
+                <a:lnTo>
+                  <a:pt x="8412" y="884"/>
+                </a:lnTo>
+                <a:lnTo>
+                  <a:pt x="8184" y="975"/>
+                </a:lnTo>
+                <a:lnTo>
+                  <a:pt x="7957" y="1058"/>
+                </a:lnTo>
+                <a:lnTo>
+                  <a:pt x="7734" y="1130"/>
+                </a:lnTo>
+                <a:lnTo>
+                  <a:pt x="7508" y="1202"/>
+                </a:lnTo>
+                <a:lnTo>
+                  <a:pt x="7285" y="1262"/>
+                </a:lnTo>
+                <a:lnTo>
+                  <a:pt x="7062" y="1309"/>
+                </a:lnTo>
+                <a:lnTo>
+                  <a:pt x="6840" y="1358"/>
+                </a:lnTo>
+                <a:lnTo>
+                  <a:pt x="6620" y="1399"/>
+                </a:lnTo>
+                <a:lnTo>
+                  <a:pt x="6402" y="1428"/>
+                </a:lnTo>
+                <a:lnTo>
+                  <a:pt x="6184" y="1453"/>
+                </a:lnTo>
+                <a:lnTo>
+                  <a:pt x="5968" y="1477"/>
+                </a:lnTo>
+                <a:lnTo>
+                  <a:pt x="5755" y="1488"/>
+                </a:lnTo>
+                <a:lnTo>
+                  <a:pt x="5542" y="1500"/>
+                </a:lnTo>
+                <a:lnTo>
+                  <a:pt x="5332" y="1506"/>
+                </a:lnTo>
+                <a:lnTo>
+                  <a:pt x="5124" y="1500"/>
+                </a:lnTo>
+                <a:lnTo>
+                  <a:pt x="4918" y="1500"/>
+                </a:lnTo>
+                <a:lnTo>
+                  <a:pt x="4714" y="1488"/>
+                </a:lnTo>
+                <a:lnTo>
+                  <a:pt x="4514" y="1470"/>
+                </a:lnTo>
+                <a:lnTo>
+                  <a:pt x="4316" y="1453"/>
+                </a:lnTo>
+                <a:lnTo>
+                  <a:pt x="4122" y="1434"/>
+                </a:lnTo>
+                <a:lnTo>
+                  <a:pt x="3929" y="1405"/>
+                </a:lnTo>
+                <a:lnTo>
+                  <a:pt x="3739" y="1374"/>
+                </a:lnTo>
+                <a:lnTo>
+                  <a:pt x="3553" y="1346"/>
+                </a:lnTo>
+                <a:lnTo>
+                  <a:pt x="3190" y="1267"/>
+                </a:lnTo>
+                <a:lnTo>
+                  <a:pt x="2842" y="1183"/>
+                </a:lnTo>
+                <a:lnTo>
+                  <a:pt x="2508" y="1095"/>
+                </a:lnTo>
+                <a:lnTo>
+                  <a:pt x="2192" y="998"/>
+                </a:lnTo>
+                <a:lnTo>
+                  <a:pt x="1890" y="897"/>
+                </a:lnTo>
+                <a:lnTo>
+                  <a:pt x="1610" y="788"/>
+                </a:lnTo>
+                <a:lnTo>
+                  <a:pt x="1347" y="681"/>
+                </a:lnTo>
+                <a:lnTo>
+                  <a:pt x="1105" y="574"/>
+                </a:lnTo>
+                <a:lnTo>
+                  <a:pt x="883" y="473"/>
+                </a:lnTo>
+                <a:lnTo>
+                  <a:pt x="686" y="377"/>
+                </a:lnTo>
+                <a:lnTo>
+                  <a:pt x="508" y="286"/>
+                </a:lnTo>
+                <a:lnTo>
+                  <a:pt x="358" y="210"/>
+                </a:lnTo>
+                <a:lnTo>
+                  <a:pt x="232" y="138"/>
+                </a:lnTo>
+                <a:lnTo>
+                  <a:pt x="59" y="35"/>
+                </a:lnTo>
+                <a:lnTo>
+                  <a:pt x="0" y="0"/>
+                </a:lnTo>
+                <a:lnTo>
+                  <a:pt x="0" y="0"/>
+                </a:lnTo>
+                <a:close/>
+              </a:path>
+            </a:pathLst>
+          </a:custGeom>
+          <a:solidFill>
+            <a:srgbClr val="FFFFFF"/>
+          </a:solidFill>
+          <a:ln>
+            <a:noFill/>
+          </a:ln>
+        </p:spPr>
+      </p:sp>
+      <p:pic>
+        <p:nvPicPr>
+          <p:cNvPr id="1026" name="Picture 2" descr="Use Microsoft Graph to get access to Users, Groups, Mail, Calendars, Contacts, Files, Tasks, People, Notes and more — all from a single endpoint."/>
+          <p:cNvPicPr>
+            <a:picLocks noChangeAspect="1" noChangeArrowheads="1"/>
+          </p:cNvPicPr>
+          <p:nvPr/>
+        </p:nvPicPr>
+        <p:blipFill rotWithShape="1">
+          <a:blip r:embed="rId2">
+            <a:extLst>
+              <a:ext uri="{28A0092B-C50C-407E-A947-70E740481C1C}">
+                <a14:useLocalDpi xmlns:a14="http://schemas.microsoft.com/office/drawing/2010/main" val="0"/>
+              </a:ext>
+            </a:extLst>
+          </a:blip>
+          <a:srcRect/>
+          <a:stretch/>
+        </p:blipFill>
+        <p:spPr bwMode="auto">
+          <a:xfrm>
+            <a:off x="6093992" y="2809074"/>
+            <a:ext cx="5449889" cy="1239849"/>
+          </a:xfrm>
+          <a:prstGeom prst="rect">
+            <a:avLst/>
+          </a:prstGeom>
+          <a:noFill/>
+          <a:effectLst/>
+          <a:extLst>
+            <a:ext uri="{909E8E84-426E-40DD-AFC4-6F175D3DCCD1}">
+              <a14:hiddenFill xmlns:a14="http://schemas.microsoft.com/office/drawing/2010/main">
+                <a:solidFill>
+                  <a:srgbClr val="FFFFFF"/>
+                </a:solidFill>
+              </a14:hiddenFill>
+            </a:ext>
+          </a:extLst>
+        </p:spPr>
+      </p:pic>
+      <p:sp>
+        <p:nvSpPr>
+          <p:cNvPr id="71" name="Rectangle 70"/>
+          <p:cNvSpPr>
+            <a:spLocks noGrp="1" noRot="1" noChangeAspect="1" noMove="1" noResize="1" noEditPoints="1" noAdjustHandles="1" noChangeArrowheads="1" noChangeShapeType="1" noTextEdit="1"/>
+          </p:cNvSpPr>
+          <p:nvPr>
+            <p:extLst>
+              <p:ext uri="{386F3935-93C4-4BCD-93E2-E3B085C9AB24}">
+                <p16:designElem xmlns:p16="http://schemas.microsoft.com/office/powerpoint/2015/main" val="1"/>
+              </p:ext>
+            </p:extLst>
+          </p:nvPr>
+        </p:nvSpPr>
+        <p:spPr>
+          <a:xfrm>
+            <a:off x="10442448" y="0"/>
+            <a:ext cx="685800" cy="1143000"/>
+          </a:xfrm>
+          <a:prstGeom prst="rect">
+            <a:avLst/>
+          </a:prstGeom>
+          <a:solidFill>
+            <a:schemeClr val="accent1"/>
+          </a:solidFill>
+          <a:ln>
+            <a:noFill/>
+          </a:ln>
+        </p:spPr>
+        <p:style>
+          <a:lnRef idx="1">
+            <a:schemeClr val="accent1"/>
+          </a:lnRef>
+          <a:fillRef idx="3">
+            <a:schemeClr val="accent1"/>
+          </a:fillRef>
+          <a:effectRef idx="2">
+            <a:schemeClr val="accent1"/>
+          </a:effectRef>
+          <a:fontRef idx="minor">
+            <a:schemeClr val="lt1"/>
+          </a:fontRef>
+        </p:style>
+      </p:sp>
+      <p:sp>
+        <p:nvSpPr>
+          <p:cNvPr id="2" name="標題 1"/>
+          <p:cNvSpPr>
+            <a:spLocks noGrp="1"/>
+          </p:cNvSpPr>
+          <p:nvPr>
+            <p:ph type="title"/>
+          </p:nvPr>
+        </p:nvSpPr>
+        <p:spPr>
+          <a:xfrm>
+            <a:off x="648931" y="629266"/>
+            <a:ext cx="4166510" cy="1622321"/>
+          </a:xfrm>
+        </p:spPr>
+        <p:txBody>
+          <a:bodyPr>
+            <a:normAutofit/>
+          </a:bodyPr>
+          <a:lstStyle/>
+          <a:p>
+            <a:r>
+              <a:rPr lang="en-US" altLang="zh-TW" dirty="0"/>
+              <a:t>How many Graph APIs</a:t>
+            </a:r>
+            <a:endParaRPr lang="zh-TW" altLang="en-US" dirty="0"/>
+          </a:p>
+        </p:txBody>
+      </p:sp>
+      <p:sp>
+        <p:nvSpPr>
+          <p:cNvPr id="3" name="內容版面配置區 2"/>
+          <p:cNvSpPr>
+            <a:spLocks noGrp="1"/>
+          </p:cNvSpPr>
+          <p:nvPr>
+            <p:ph idx="1"/>
+          </p:nvPr>
+        </p:nvSpPr>
+        <p:spPr>
+          <a:xfrm>
+            <a:off x="648931" y="2438400"/>
+            <a:ext cx="4166509" cy="3785419"/>
+          </a:xfrm>
+        </p:spPr>
+        <p:txBody>
+          <a:bodyPr>
+            <a:normAutofit/>
+          </a:bodyPr>
+          <a:lstStyle/>
+          <a:p>
+            <a:pPr>
+              <a:lnSpc>
+                <a:spcPct val="80000"/>
+              </a:lnSpc>
+            </a:pPr>
+            <a:r>
+              <a:rPr lang="en-US" altLang="zh-TW" sz="1900" dirty="0"/>
+              <a:t>User</a:t>
+            </a:r>
+          </a:p>
+          <a:p>
+            <a:pPr>
+              <a:lnSpc>
+                <a:spcPct val="80000"/>
+              </a:lnSpc>
+            </a:pPr>
+            <a:r>
+              <a:rPr lang="en-US" altLang="zh-TW" sz="1900" dirty="0"/>
+              <a:t>OneDrive</a:t>
+            </a:r>
+          </a:p>
+          <a:p>
+            <a:pPr>
+              <a:lnSpc>
+                <a:spcPct val="80000"/>
+              </a:lnSpc>
+            </a:pPr>
+            <a:r>
+              <a:rPr lang="en-US" altLang="zh-TW" sz="1900" dirty="0"/>
+              <a:t>Excel</a:t>
+            </a:r>
+          </a:p>
+          <a:p>
+            <a:pPr>
+              <a:lnSpc>
+                <a:spcPct val="80000"/>
+              </a:lnSpc>
+            </a:pPr>
+            <a:r>
+              <a:rPr lang="en-US" altLang="zh-TW" sz="1900" dirty="0"/>
+              <a:t>Outlook Mail</a:t>
+            </a:r>
+          </a:p>
+          <a:p>
+            <a:pPr>
+              <a:lnSpc>
+                <a:spcPct val="80000"/>
+              </a:lnSpc>
+            </a:pPr>
+            <a:r>
+              <a:rPr lang="en-US" altLang="zh-TW" sz="1900" dirty="0"/>
+              <a:t>Outlook Calendar</a:t>
+            </a:r>
+          </a:p>
+          <a:p>
+            <a:pPr>
+              <a:lnSpc>
+                <a:spcPct val="80000"/>
+              </a:lnSpc>
+            </a:pPr>
+            <a:r>
+              <a:rPr lang="en-US" altLang="zh-TW" sz="1900" dirty="0"/>
+              <a:t>Personal Contact</a:t>
+            </a:r>
+          </a:p>
+          <a:p>
+            <a:pPr>
+              <a:lnSpc>
+                <a:spcPct val="80000"/>
+              </a:lnSpc>
+            </a:pPr>
+            <a:r>
+              <a:rPr lang="en-US" altLang="zh-TW" sz="1900" dirty="0"/>
+              <a:t>Groups</a:t>
+            </a:r>
+          </a:p>
+          <a:p>
+            <a:pPr>
+              <a:lnSpc>
+                <a:spcPct val="80000"/>
+              </a:lnSpc>
+            </a:pPr>
+            <a:r>
+              <a:rPr lang="en-US" altLang="zh-TW" sz="1900" dirty="0"/>
+              <a:t>Data </a:t>
+            </a:r>
+            <a:r>
+              <a:rPr lang="en-US" altLang="zh-TW" sz="1900" dirty="0" err="1"/>
+              <a:t>Extentions</a:t>
+            </a:r>
+            <a:endParaRPr lang="en-US" altLang="zh-TW" sz="1900" dirty="0"/>
+          </a:p>
+          <a:p>
+            <a:pPr>
+              <a:lnSpc>
+                <a:spcPct val="80000"/>
+              </a:lnSpc>
+            </a:pPr>
+            <a:r>
+              <a:rPr lang="en-US" altLang="zh-TW" sz="1900" dirty="0" err="1"/>
+              <a:t>Directary</a:t>
+            </a:r>
+            <a:endParaRPr lang="en-US" altLang="zh-TW" sz="1900" dirty="0"/>
+          </a:p>
+          <a:p>
+            <a:pPr>
+              <a:lnSpc>
+                <a:spcPct val="80000"/>
+              </a:lnSpc>
+            </a:pPr>
+            <a:r>
+              <a:rPr lang="en-US" altLang="zh-TW" sz="1900" dirty="0" err="1"/>
+              <a:t>Webhook</a:t>
+            </a:r>
+            <a:endParaRPr lang="zh-TW" altLang="en-US" sz="1900" dirty="0"/>
+          </a:p>
+        </p:txBody>
+      </p:sp>
+      <p:sp>
+        <p:nvSpPr>
+          <p:cNvPr id="4" name="投影片編號版面配置區 3"/>
+          <p:cNvSpPr>
+            <a:spLocks noGrp="1"/>
+          </p:cNvSpPr>
+          <p:nvPr>
+            <p:ph type="sldNum" sz="quarter" idx="12"/>
+          </p:nvPr>
+        </p:nvSpPr>
+        <p:spPr/>
+        <p:txBody>
+          <a:bodyPr>
+            <a:normAutofit/>
+          </a:bodyPr>
+          <a:lstStyle/>
+          <a:p>
+            <a:fld id="{D466FAAA-B4AD-4AFB-AEBE-069464B45C14}" type="slidenum">
+              <a:rPr lang="zh-TW" altLang="en-US" smtClean="0"/>
+              <a:t>5</a:t>
+            </a:fld>
+            <a:endParaRPr lang="zh-TW" altLang="en-US"/>
+          </a:p>
+        </p:txBody>
+      </p:sp>
+    </p:spTree>
+    <p:extLst>
+      <p:ext uri="{BB962C8B-B14F-4D97-AF65-F5344CB8AC3E}">
+        <p14:creationId xmlns:p14="http://schemas.microsoft.com/office/powerpoint/2010/main" val="3569173281"/>
+      </p:ext>
+    </p:extLst>
+  </p:cSld>
+  <p:clrMapOvr>
+    <a:masterClrMapping/>
+  </p:clrMapOvr>
+</p:sld>
+</file>
+
+<file path=ppt/slides/slide6.xml><?xml version="1.0" encoding="utf-8"?>
+<p:sld xmlns:a="http://schemas.openxmlformats.org/drawingml/2006/main" xmlns:r="http://schemas.openxmlformats.org/officeDocument/2006/relationships" xmlns:p="http://schemas.openxmlformats.org/presentationml/2006/main">
+  <p:cSld>
+    <p:spTree>
+      <p:nvGrpSpPr>
+        <p:cNvPr id="1" name=""/>
+        <p:cNvGrpSpPr/>
+        <p:nvPr/>
+      </p:nvGrpSpPr>
+      <p:grpSpPr>
+        <a:xfrm>
+          <a:off x="0" y="0"/>
+          <a:ext cx="0" cy="0"/>
+          <a:chOff x="0" y="0"/>
+          <a:chExt cx="0" cy="0"/>
+        </a:xfrm>
+      </p:grpSpPr>
+      <p:sp>
+        <p:nvSpPr>
+          <p:cNvPr id="2" name="標題 1"/>
+          <p:cNvSpPr>
+            <a:spLocks noGrp="1"/>
+          </p:cNvSpPr>
+          <p:nvPr>
+            <p:ph type="title"/>
+          </p:nvPr>
+        </p:nvSpPr>
+        <p:spPr/>
+        <p:txBody>
+          <a:bodyPr/>
+          <a:lstStyle/>
+          <a:p>
+            <a:r>
+              <a:rPr lang="en-US" altLang="zh-TW" dirty="0"/>
+              <a:t>Graph API - OneDrive</a:t>
+            </a:r>
+            <a:endParaRPr lang="zh-TW" altLang="en-US" dirty="0"/>
+          </a:p>
+        </p:txBody>
+      </p:sp>
+      <p:sp>
+        <p:nvSpPr>
+          <p:cNvPr id="3" name="內容版面配置區 2"/>
+          <p:cNvSpPr>
+            <a:spLocks noGrp="1"/>
+          </p:cNvSpPr>
+          <p:nvPr>
+            <p:ph idx="1"/>
+          </p:nvPr>
+        </p:nvSpPr>
+        <p:spPr/>
+        <p:txBody>
+          <a:bodyPr/>
+          <a:lstStyle/>
+          <a:p>
+            <a:r>
+              <a:rPr lang="en-US" altLang="zh-TW" dirty="0"/>
+              <a:t>The drive resource is the top level object within a user's OneDrive. A user will always have at least one Drive available--the default Drive. </a:t>
+            </a:r>
+            <a:endParaRPr lang="zh-TW" altLang="en-US" dirty="0"/>
+          </a:p>
+        </p:txBody>
+      </p:sp>
+      <p:sp>
+        <p:nvSpPr>
+          <p:cNvPr id="4" name="投影片編號版面配置區 3"/>
+          <p:cNvSpPr>
+            <a:spLocks noGrp="1"/>
+          </p:cNvSpPr>
+          <p:nvPr>
+            <p:ph type="sldNum" sz="quarter" idx="12"/>
+          </p:nvPr>
+        </p:nvSpPr>
+        <p:spPr/>
+        <p:txBody>
+          <a:bodyPr/>
+          <a:lstStyle/>
+          <a:p>
+            <a:fld id="{D466FAAA-B4AD-4AFB-AEBE-069464B45C14}" type="slidenum">
+              <a:rPr lang="zh-TW" altLang="en-US" smtClean="0"/>
+              <a:t>6</a:t>
+            </a:fld>
+            <a:endParaRPr lang="zh-TW" altLang="en-US"/>
+          </a:p>
+        </p:txBody>
+      </p:sp>
+    </p:spTree>
+    <p:extLst>
+      <p:ext uri="{BB962C8B-B14F-4D97-AF65-F5344CB8AC3E}">
+        <p14:creationId xmlns:p14="http://schemas.microsoft.com/office/powerpoint/2010/main" val="2287470887"/>
+      </p:ext>
+    </p:extLst>
+  </p:cSld>
+  <p:clrMapOvr>
+    <a:masterClrMapping/>
+  </p:clrMapOvr>
+</p:sld>
+</file>
+
+<file path=ppt/slides/slide7.xml><?xml version="1.0" encoding="utf-8"?>
+<p:sld xmlns:a="http://schemas.openxmlformats.org/drawingml/2006/main" xmlns:r="http://schemas.openxmlformats.org/officeDocument/2006/relationships" xmlns:p="http://schemas.openxmlformats.org/presentationml/2006/main">
+  <p:cSld>
+    <p:spTree>
+      <p:nvGrpSpPr>
+        <p:cNvPr id="1" name=""/>
+        <p:cNvGrpSpPr/>
+        <p:nvPr/>
+      </p:nvGrpSpPr>
+      <p:grpSpPr>
+        <a:xfrm>
+          <a:off x="0" y="0"/>
+          <a:ext cx="0" cy="0"/>
+          <a:chOff x="0" y="0"/>
+          <a:chExt cx="0" cy="0"/>
+        </a:xfrm>
+      </p:grpSpPr>
+      <p:sp>
+        <p:nvSpPr>
+          <p:cNvPr id="2" name="標題 1"/>
+          <p:cNvSpPr>
+            <a:spLocks noGrp="1"/>
+          </p:cNvSpPr>
+          <p:nvPr>
+            <p:ph type="title"/>
+          </p:nvPr>
+        </p:nvSpPr>
+        <p:spPr/>
+        <p:txBody>
+          <a:bodyPr/>
+          <a:lstStyle/>
+          <a:p>
+            <a:r>
+              <a:rPr lang="en-US" altLang="zh-TW" dirty="0"/>
+              <a:t>Graph API – Outlook Mail</a:t>
+            </a:r>
+            <a:endParaRPr lang="zh-TW" altLang="en-US" dirty="0"/>
+          </a:p>
+        </p:txBody>
+      </p:sp>
+      <p:sp>
+        <p:nvSpPr>
+          <p:cNvPr id="3" name="內容版面配置區 2"/>
+          <p:cNvSpPr>
+            <a:spLocks noGrp="1"/>
+          </p:cNvSpPr>
+          <p:nvPr>
+            <p:ph idx="1"/>
+          </p:nvPr>
+        </p:nvSpPr>
+        <p:spPr/>
+        <p:txBody>
+          <a:bodyPr/>
+          <a:lstStyle/>
+          <a:p>
+            <a:r>
+              <a:rPr lang="en-US" altLang="zh-TW" dirty="0"/>
+              <a:t>A message in a mail Folder.</a:t>
+            </a:r>
+            <a:endParaRPr lang="zh-TW" altLang="en-US" dirty="0"/>
+          </a:p>
+        </p:txBody>
+      </p:sp>
+      <p:sp>
+        <p:nvSpPr>
+          <p:cNvPr id="4" name="投影片編號版面配置區 3"/>
+          <p:cNvSpPr>
+            <a:spLocks noGrp="1"/>
+          </p:cNvSpPr>
+          <p:nvPr>
+            <p:ph type="sldNum" sz="quarter" idx="12"/>
+          </p:nvPr>
+        </p:nvSpPr>
+        <p:spPr/>
+        <p:txBody>
+          <a:bodyPr/>
+          <a:lstStyle/>
+          <a:p>
+            <a:fld id="{D466FAAA-B4AD-4AFB-AEBE-069464B45C14}" type="slidenum">
+              <a:rPr lang="zh-TW" altLang="en-US" smtClean="0"/>
+              <a:t>7</a:t>
+            </a:fld>
+            <a:endParaRPr lang="zh-TW" altLang="en-US"/>
+          </a:p>
+        </p:txBody>
+      </p:sp>
+    </p:spTree>
+    <p:extLst>
+      <p:ext uri="{BB962C8B-B14F-4D97-AF65-F5344CB8AC3E}">
+        <p14:creationId xmlns:p14="http://schemas.microsoft.com/office/powerpoint/2010/main" val="3235378693"/>
+      </p:ext>
+    </p:extLst>
+  </p:cSld>
+  <p:clrMapOvr>
+    <a:masterClrMapping/>
+  </p:clrMapOvr>
+</p:sld>
+</file>
+
+<file path=ppt/slides/slide8.xml><?xml version="1.0" encoding="utf-8"?>
+<p:sld xmlns:a="http://schemas.openxmlformats.org/drawingml/2006/main" xmlns:r="http://schemas.openxmlformats.org/officeDocument/2006/relationships" xmlns:p="http://schemas.openxmlformats.org/presentationml/2006/main">
+  <p:cSld>
+    <p:spTree>
+      <p:nvGrpSpPr>
+        <p:cNvPr id="1" name=""/>
+        <p:cNvGrpSpPr/>
+        <p:nvPr/>
+      </p:nvGrpSpPr>
+      <p:grpSpPr>
+        <a:xfrm>
+          <a:off x="0" y="0"/>
+          <a:ext cx="0" cy="0"/>
+          <a:chOff x="0" y="0"/>
+          <a:chExt cx="0" cy="0"/>
+        </a:xfrm>
+      </p:grpSpPr>
+      <p:sp>
+        <p:nvSpPr>
+          <p:cNvPr id="2" name="標題 1"/>
+          <p:cNvSpPr>
+            <a:spLocks noGrp="1"/>
+          </p:cNvSpPr>
+          <p:nvPr>
+            <p:ph type="title"/>
+          </p:nvPr>
+        </p:nvSpPr>
+        <p:spPr/>
+        <p:txBody>
+          <a:bodyPr/>
+          <a:lstStyle/>
+          <a:p>
+            <a:r>
+              <a:rPr lang="en-US" altLang="zh-TW" dirty="0"/>
+              <a:t>Graph API – Outlook Calendar</a:t>
+            </a:r>
+            <a:endParaRPr lang="zh-TW" altLang="en-US" dirty="0"/>
+          </a:p>
+        </p:txBody>
+      </p:sp>
+      <p:sp>
+        <p:nvSpPr>
+          <p:cNvPr id="3" name="內容版面配置區 2"/>
+          <p:cNvSpPr>
+            <a:spLocks noGrp="1"/>
+          </p:cNvSpPr>
+          <p:nvPr>
+            <p:ph idx="1"/>
+          </p:nvPr>
+        </p:nvSpPr>
+        <p:spPr/>
+        <p:txBody>
+          <a:bodyPr/>
+          <a:lstStyle/>
+          <a:p>
+            <a:r>
+              <a:rPr lang="en-US" altLang="zh-TW" dirty="0"/>
+              <a:t>A calendar which is a container for events.</a:t>
+            </a:r>
+            <a:endParaRPr lang="zh-TW" altLang="en-US" dirty="0"/>
+          </a:p>
+        </p:txBody>
+      </p:sp>
+      <p:sp>
+        <p:nvSpPr>
+          <p:cNvPr id="4" name="投影片編號版面配置區 3"/>
+          <p:cNvSpPr>
+            <a:spLocks noGrp="1"/>
+          </p:cNvSpPr>
+          <p:nvPr>
+            <p:ph type="sldNum" sz="quarter" idx="12"/>
+          </p:nvPr>
+        </p:nvSpPr>
+        <p:spPr/>
+        <p:txBody>
+          <a:bodyPr/>
           <a:lstStyle/>
           <a:p>
             <a:fld id="{D466FAAA-B4AD-4AFB-AEBE-069464B45C14}" type="slidenum">
@@ -13430,7 +15617,7 @@
     </p:spTree>
     <p:extLst>
       <p:ext uri="{BB962C8B-B14F-4D97-AF65-F5344CB8AC3E}">
-        <p14:creationId xmlns:p14="http://schemas.microsoft.com/office/powerpoint/2010/main" val="3108244944"/>
+        <p14:creationId xmlns:p14="http://schemas.microsoft.com/office/powerpoint/2010/main" val="978819437"/>
       </p:ext>
     </p:extLst>
   </p:cSld>
@@ -13474,7 +15661,7 @@
           <a:p>
             <a:r>
               <a:rPr lang="en-US" altLang="zh-TW" dirty="0"/>
-              <a:t>Graph API Explorer</a:t>
+              <a:t>Graph API – Group</a:t>
             </a:r>
             <a:endParaRPr lang="zh-TW" altLang="en-US" dirty="0"/>
           </a:p>
@@ -13497,33 +15684,17 @@
           <a:p>
             <a:r>
               <a:rPr lang="en-US" altLang="zh-TW" dirty="0"/>
-              <a:t>Login with dev account &amp; get start( </a:t>
-            </a:r>
-            <a:r>
-              <a:rPr lang="en-US" altLang="zh-TW" dirty="0">
+              <a:t>Represents an Azure Active Directory group, which can be an Office 365 group, dynamic group, or security group. Inherits from </a:t>
+            </a:r>
+            <a:r>
+              <a:rPr lang="en-US" altLang="zh-TW" dirty="0" err="1">
                 <a:hlinkClick r:id="rId2"/>
               </a:rPr>
-              <a:t>https://graph.microsoft.io/</a:t>
+              <a:t>directoryObject</a:t>
             </a:r>
             <a:r>
               <a:rPr lang="en-US" altLang="zh-TW" dirty="0"/>
-              <a:t> )</a:t>
-            </a:r>
-          </a:p>
-          <a:p>
-            <a:r>
-              <a:rPr lang="en-US" altLang="zh-TW" dirty="0"/>
-              <a:t>Query parameters( </a:t>
-            </a:r>
-            <a:r>
-              <a:rPr lang="en-US" altLang="zh-TW" dirty="0" err="1">
-                <a:hlinkClick r:id="rId3"/>
-              </a:rPr>
-              <a:t>gotoLink</a:t>
-            </a:r>
-            <a:r>
-              <a:rPr lang="en-US" altLang="zh-TW" dirty="0"/>
-              <a:t> )</a:t>
+              <a:t>.</a:t>
             </a:r>
             <a:endParaRPr lang="zh-TW" altLang="en-US" dirty="0"/>
           </a:p>
@@ -13555,7 +15726,7 @@
     </p:spTree>
     <p:extLst>
       <p:ext uri="{BB962C8B-B14F-4D97-AF65-F5344CB8AC3E}">
-        <p14:creationId xmlns:p14="http://schemas.microsoft.com/office/powerpoint/2010/main" val="2782137227"/>
+        <p14:creationId xmlns:p14="http://schemas.microsoft.com/office/powerpoint/2010/main" val="1208745305"/>
       </p:ext>
     </p:extLst>
   </p:cSld>
